--- a/tmp/materials.pptx
+++ b/tmp/materials.pptx
@@ -246,7 +246,7 @@
           <a:p>
             <a:fld id="{899E828B-5169-41F7-BDBE-679283FBC6D7}" type="datetimeFigureOut">
               <a:rPr lang="en-US" smtClean="0"/>
-              <a:t>4/20/2020</a:t>
+              <a:t>5/29/2020</a:t>
             </a:fld>
             <a:endParaRPr lang="en-US"/>
           </a:p>
@@ -416,7 +416,7 @@
           <a:p>
             <a:fld id="{899E828B-5169-41F7-BDBE-679283FBC6D7}" type="datetimeFigureOut">
               <a:rPr lang="en-US" smtClean="0"/>
-              <a:t>4/20/2020</a:t>
+              <a:t>5/29/2020</a:t>
             </a:fld>
             <a:endParaRPr lang="en-US"/>
           </a:p>
@@ -596,7 +596,7 @@
           <a:p>
             <a:fld id="{899E828B-5169-41F7-BDBE-679283FBC6D7}" type="datetimeFigureOut">
               <a:rPr lang="en-US" smtClean="0"/>
-              <a:t>4/20/2020</a:t>
+              <a:t>5/29/2020</a:t>
             </a:fld>
             <a:endParaRPr lang="en-US"/>
           </a:p>
@@ -766,7 +766,7 @@
           <a:p>
             <a:fld id="{899E828B-5169-41F7-BDBE-679283FBC6D7}" type="datetimeFigureOut">
               <a:rPr lang="en-US" smtClean="0"/>
-              <a:t>4/20/2020</a:t>
+              <a:t>5/29/2020</a:t>
             </a:fld>
             <a:endParaRPr lang="en-US"/>
           </a:p>
@@ -1012,7 +1012,7 @@
           <a:p>
             <a:fld id="{899E828B-5169-41F7-BDBE-679283FBC6D7}" type="datetimeFigureOut">
               <a:rPr lang="en-US" smtClean="0"/>
-              <a:t>4/20/2020</a:t>
+              <a:t>5/29/2020</a:t>
             </a:fld>
             <a:endParaRPr lang="en-US"/>
           </a:p>
@@ -1244,7 +1244,7 @@
           <a:p>
             <a:fld id="{899E828B-5169-41F7-BDBE-679283FBC6D7}" type="datetimeFigureOut">
               <a:rPr lang="en-US" smtClean="0"/>
-              <a:t>4/20/2020</a:t>
+              <a:t>5/29/2020</a:t>
             </a:fld>
             <a:endParaRPr lang="en-US"/>
           </a:p>
@@ -1611,7 +1611,7 @@
           <a:p>
             <a:fld id="{899E828B-5169-41F7-BDBE-679283FBC6D7}" type="datetimeFigureOut">
               <a:rPr lang="en-US" smtClean="0"/>
-              <a:t>4/20/2020</a:t>
+              <a:t>5/29/2020</a:t>
             </a:fld>
             <a:endParaRPr lang="en-US"/>
           </a:p>
@@ -1729,7 +1729,7 @@
           <a:p>
             <a:fld id="{899E828B-5169-41F7-BDBE-679283FBC6D7}" type="datetimeFigureOut">
               <a:rPr lang="en-US" smtClean="0"/>
-              <a:t>4/20/2020</a:t>
+              <a:t>5/29/2020</a:t>
             </a:fld>
             <a:endParaRPr lang="en-US"/>
           </a:p>
@@ -1824,7 +1824,7 @@
           <a:p>
             <a:fld id="{899E828B-5169-41F7-BDBE-679283FBC6D7}" type="datetimeFigureOut">
               <a:rPr lang="en-US" smtClean="0"/>
-              <a:t>4/20/2020</a:t>
+              <a:t>5/29/2020</a:t>
             </a:fld>
             <a:endParaRPr lang="en-US"/>
           </a:p>
@@ -2101,7 +2101,7 @@
           <a:p>
             <a:fld id="{899E828B-5169-41F7-BDBE-679283FBC6D7}" type="datetimeFigureOut">
               <a:rPr lang="en-US" smtClean="0"/>
-              <a:t>4/20/2020</a:t>
+              <a:t>5/29/2020</a:t>
             </a:fld>
             <a:endParaRPr lang="en-US"/>
           </a:p>
@@ -2354,7 +2354,7 @@
           <a:p>
             <a:fld id="{899E828B-5169-41F7-BDBE-679283FBC6D7}" type="datetimeFigureOut">
               <a:rPr lang="en-US" smtClean="0"/>
-              <a:t>4/20/2020</a:t>
+              <a:t>5/29/2020</a:t>
             </a:fld>
             <a:endParaRPr lang="en-US"/>
           </a:p>
@@ -2567,7 +2567,7 @@
           <a:p>
             <a:fld id="{899E828B-5169-41F7-BDBE-679283FBC6D7}" type="datetimeFigureOut">
               <a:rPr lang="en-US" smtClean="0"/>
-              <a:t>4/20/2020</a:t>
+              <a:t>5/29/2020</a:t>
             </a:fld>
             <a:endParaRPr lang="en-US"/>
           </a:p>
@@ -5384,19 +5384,7 @@
             </a:r>
             <a:r>
               <a:rPr lang="en-US" altLang="zh-CN" sz="1400" dirty="0" smtClean="0"/>
-              <a:t>(</a:t>
-            </a:r>
-            <a:r>
-              <a:rPr lang="en-US" altLang="zh-CN" sz="1400" dirty="0" smtClean="0"/>
-              <a:t>raw</a:t>
-            </a:r>
-            <a:r>
-              <a:rPr lang="en-US" altLang="zh-CN" sz="1400" dirty="0" smtClean="0"/>
-              <a:t> </a:t>
-            </a:r>
-            <a:r>
-              <a:rPr lang="en-US" altLang="zh-CN" sz="1400" dirty="0" smtClean="0"/>
-              <a:t>logs)</a:t>
+              <a:t>(raw logs)</a:t>
             </a:r>
             <a:endParaRPr lang="zh-CN" altLang="en-US" sz="1400" dirty="0" err="1"/>
           </a:p>
@@ -5492,11 +5480,7 @@
             </a:pPr>
             <a:r>
               <a:rPr lang="en-US" altLang="zh-CN" sz="1400" dirty="0" smtClean="0"/>
-              <a:t>Extract the useful templates from library manually</a:t>
-            </a:r>
-            <a:r>
-              <a:rPr lang="en-US" altLang="zh-CN" sz="1400" dirty="0" smtClean="0"/>
-              <a:t> </a:t>
+              <a:t>Extract the useful templates from library manually </a:t>
             </a:r>
             <a:endParaRPr lang="zh-CN" altLang="en-US" sz="1400" dirty="0" err="1"/>
           </a:p>
@@ -5614,15 +5598,7 @@
             </a:pPr>
             <a:r>
               <a:rPr lang="en-US" altLang="zh-CN" sz="1400" dirty="0" smtClean="0"/>
-              <a:t>(</a:t>
-            </a:r>
-            <a:r>
-              <a:rPr lang="en-US" altLang="zh-CN" sz="1400" dirty="0" smtClean="0"/>
-              <a:t>Templates, Structured </a:t>
-            </a:r>
-            <a:r>
-              <a:rPr lang="en-US" altLang="zh-CN" sz="1400" dirty="0" smtClean="0"/>
-              <a:t>logs)</a:t>
+              <a:t>(Templates, Structured logs)</a:t>
             </a:r>
             <a:endParaRPr lang="zh-CN" altLang="en-US" sz="1400" dirty="0" err="1"/>
           </a:p>
@@ -6426,6 +6402,567 @@
                 <a:schemeClr val="tx1"/>
               </a:solidFill>
             </a:endParaRPr>
+          </a:p>
+        </p:txBody>
+      </p:sp>
+      <p:sp>
+        <p:nvSpPr>
+          <p:cNvPr id="16" name="Flowchart: Magnetic Disk 15"/>
+          <p:cNvSpPr/>
+          <p:nvPr/>
+        </p:nvSpPr>
+        <p:spPr>
+          <a:xfrm>
+            <a:off x="2676519" y="3746560"/>
+            <a:ext cx="914400" cy="612648"/>
+          </a:xfrm>
+          <a:prstGeom prst="flowChartMagneticDisk">
+            <a:avLst/>
+          </a:prstGeom>
+          <a:ln/>
+        </p:spPr>
+        <p:style>
+          <a:lnRef idx="2">
+            <a:schemeClr val="dk1"/>
+          </a:lnRef>
+          <a:fillRef idx="1">
+            <a:schemeClr val="lt1"/>
+          </a:fillRef>
+          <a:effectRef idx="0">
+            <a:schemeClr val="dk1"/>
+          </a:effectRef>
+          <a:fontRef idx="minor">
+            <a:schemeClr val="dk1"/>
+          </a:fontRef>
+        </p:style>
+        <p:txBody>
+          <a:bodyPr rtlCol="0" anchor="ctr"/>
+          <a:lstStyle/>
+          <a:p>
+            <a:pPr algn="ctr"/>
+            <a:r>
+              <a:rPr lang="en-US" dirty="0" smtClean="0"/>
+              <a:t>Logs</a:t>
+            </a:r>
+            <a:endParaRPr lang="en-US" dirty="0"/>
+          </a:p>
+        </p:txBody>
+      </p:sp>
+      <p:sp>
+        <p:nvSpPr>
+          <p:cNvPr id="17" name="Rectangle 16"/>
+          <p:cNvSpPr/>
+          <p:nvPr/>
+        </p:nvSpPr>
+        <p:spPr>
+          <a:xfrm>
+            <a:off x="519102" y="3781422"/>
+            <a:ext cx="1571628" cy="542925"/>
+          </a:xfrm>
+          <a:prstGeom prst="rect">
+            <a:avLst/>
+          </a:prstGeom>
+        </p:spPr>
+        <p:style>
+          <a:lnRef idx="2">
+            <a:schemeClr val="dk1"/>
+          </a:lnRef>
+          <a:fillRef idx="1">
+            <a:schemeClr val="lt1"/>
+          </a:fillRef>
+          <a:effectRef idx="0">
+            <a:schemeClr val="dk1"/>
+          </a:effectRef>
+          <a:fontRef idx="minor">
+            <a:schemeClr val="dk1"/>
+          </a:fontRef>
+        </p:style>
+        <p:txBody>
+          <a:bodyPr rtlCol="0" anchor="ctr"/>
+          <a:lstStyle/>
+          <a:p>
+            <a:pPr algn="ctr"/>
+            <a:r>
+              <a:rPr lang="en-US" dirty="0" smtClean="0"/>
+              <a:t>Log </a:t>
+            </a:r>
+            <a:r>
+              <a:rPr lang="en-US" dirty="0" smtClean="0"/>
+              <a:t>Producing System</a:t>
+            </a:r>
+            <a:endParaRPr lang="en-US" dirty="0"/>
+          </a:p>
+        </p:txBody>
+      </p:sp>
+      <p:sp>
+        <p:nvSpPr>
+          <p:cNvPr id="18" name="Rectangle 17"/>
+          <p:cNvSpPr/>
+          <p:nvPr/>
+        </p:nvSpPr>
+        <p:spPr>
+          <a:xfrm>
+            <a:off x="4176709" y="3781422"/>
+            <a:ext cx="985838" cy="542925"/>
+          </a:xfrm>
+          <a:prstGeom prst="rect">
+            <a:avLst/>
+          </a:prstGeom>
+        </p:spPr>
+        <p:style>
+          <a:lnRef idx="2">
+            <a:schemeClr val="dk1"/>
+          </a:lnRef>
+          <a:fillRef idx="1">
+            <a:schemeClr val="lt1"/>
+          </a:fillRef>
+          <a:effectRef idx="0">
+            <a:schemeClr val="dk1"/>
+          </a:effectRef>
+          <a:fontRef idx="minor">
+            <a:schemeClr val="dk1"/>
+          </a:fontRef>
+        </p:style>
+        <p:txBody>
+          <a:bodyPr rtlCol="0" anchor="ctr"/>
+          <a:lstStyle/>
+          <a:p>
+            <a:pPr algn="ctr"/>
+            <a:r>
+              <a:rPr lang="en-US" dirty="0" smtClean="0"/>
+              <a:t>Sampler</a:t>
+            </a:r>
+            <a:endParaRPr lang="en-US" dirty="0"/>
+          </a:p>
+        </p:txBody>
+      </p:sp>
+      <p:sp>
+        <p:nvSpPr>
+          <p:cNvPr id="19" name="Rectangle 18"/>
+          <p:cNvSpPr/>
+          <p:nvPr/>
+        </p:nvSpPr>
+        <p:spPr>
+          <a:xfrm>
+            <a:off x="5748337" y="3781423"/>
+            <a:ext cx="1233485" cy="542925"/>
+          </a:xfrm>
+          <a:prstGeom prst="rect">
+            <a:avLst/>
+          </a:prstGeom>
+        </p:spPr>
+        <p:style>
+          <a:lnRef idx="2">
+            <a:schemeClr val="dk1"/>
+          </a:lnRef>
+          <a:fillRef idx="1">
+            <a:schemeClr val="lt1"/>
+          </a:fillRef>
+          <a:effectRef idx="0">
+            <a:schemeClr val="dk1"/>
+          </a:effectRef>
+          <a:fontRef idx="minor">
+            <a:schemeClr val="dk1"/>
+          </a:fontRef>
+        </p:style>
+        <p:txBody>
+          <a:bodyPr rtlCol="0" anchor="ctr"/>
+          <a:lstStyle/>
+          <a:p>
+            <a:pPr algn="ctr"/>
+            <a:r>
+              <a:rPr lang="en-US" dirty="0" smtClean="0"/>
+              <a:t>Pre Processing</a:t>
+            </a:r>
+            <a:endParaRPr lang="en-US" dirty="0"/>
+          </a:p>
+        </p:txBody>
+      </p:sp>
+      <p:sp>
+        <p:nvSpPr>
+          <p:cNvPr id="20" name="Rectangle 19"/>
+          <p:cNvSpPr/>
+          <p:nvPr/>
+        </p:nvSpPr>
+        <p:spPr>
+          <a:xfrm>
+            <a:off x="7567612" y="3781423"/>
+            <a:ext cx="1119187" cy="542925"/>
+          </a:xfrm>
+          <a:prstGeom prst="rect">
+            <a:avLst/>
+          </a:prstGeom>
+        </p:spPr>
+        <p:style>
+          <a:lnRef idx="2">
+            <a:schemeClr val="dk1"/>
+          </a:lnRef>
+          <a:fillRef idx="1">
+            <a:schemeClr val="lt1"/>
+          </a:fillRef>
+          <a:effectRef idx="0">
+            <a:schemeClr val="dk1"/>
+          </a:effectRef>
+          <a:fontRef idx="minor">
+            <a:schemeClr val="dk1"/>
+          </a:fontRef>
+        </p:style>
+        <p:txBody>
+          <a:bodyPr rtlCol="0" anchor="ctr"/>
+          <a:lstStyle/>
+          <a:p>
+            <a:pPr algn="ctr"/>
+            <a:r>
+              <a:rPr lang="en-US" dirty="0" smtClean="0"/>
+              <a:t>Clustering</a:t>
+            </a:r>
+            <a:endParaRPr lang="en-US" dirty="0"/>
+          </a:p>
+        </p:txBody>
+      </p:sp>
+      <p:sp>
+        <p:nvSpPr>
+          <p:cNvPr id="21" name="Rectangle 20"/>
+          <p:cNvSpPr/>
+          <p:nvPr/>
+        </p:nvSpPr>
+        <p:spPr>
+          <a:xfrm>
+            <a:off x="9272589" y="3781423"/>
+            <a:ext cx="1528762" cy="542925"/>
+          </a:xfrm>
+          <a:prstGeom prst="rect">
+            <a:avLst/>
+          </a:prstGeom>
+        </p:spPr>
+        <p:style>
+          <a:lnRef idx="2">
+            <a:schemeClr val="dk1"/>
+          </a:lnRef>
+          <a:fillRef idx="1">
+            <a:schemeClr val="lt1"/>
+          </a:fillRef>
+          <a:effectRef idx="0">
+            <a:schemeClr val="dk1"/>
+          </a:effectRef>
+          <a:fontRef idx="minor">
+            <a:schemeClr val="dk1"/>
+          </a:fontRef>
+        </p:style>
+        <p:txBody>
+          <a:bodyPr rtlCol="0" anchor="ctr"/>
+          <a:lstStyle/>
+          <a:p>
+            <a:pPr algn="ctr"/>
+            <a:r>
+              <a:rPr lang="en-US" dirty="0" smtClean="0"/>
+              <a:t>Predict or Process in OSS</a:t>
+            </a:r>
+            <a:endParaRPr lang="en-US" dirty="0"/>
+          </a:p>
+        </p:txBody>
+      </p:sp>
+      <p:sp>
+        <p:nvSpPr>
+          <p:cNvPr id="22" name="Chevron 21"/>
+          <p:cNvSpPr/>
+          <p:nvPr/>
+        </p:nvSpPr>
+        <p:spPr>
+          <a:xfrm>
+            <a:off x="2155024" y="3976684"/>
+            <a:ext cx="457200" cy="152400"/>
+          </a:xfrm>
+          <a:prstGeom prst="chevron">
+            <a:avLst/>
+          </a:prstGeom>
+        </p:spPr>
+        <p:style>
+          <a:lnRef idx="2">
+            <a:schemeClr val="dk1"/>
+          </a:lnRef>
+          <a:fillRef idx="1">
+            <a:schemeClr val="lt1"/>
+          </a:fillRef>
+          <a:effectRef idx="0">
+            <a:schemeClr val="dk1"/>
+          </a:effectRef>
+          <a:fontRef idx="minor">
+            <a:schemeClr val="dk1"/>
+          </a:fontRef>
+        </p:style>
+        <p:txBody>
+          <a:bodyPr rtlCol="0" anchor="ctr"/>
+          <a:lstStyle/>
+          <a:p>
+            <a:pPr algn="ctr"/>
+            <a:endParaRPr lang="en-US">
+              <a:solidFill>
+                <a:schemeClr val="tx1"/>
+              </a:solidFill>
+            </a:endParaRPr>
+          </a:p>
+        </p:txBody>
+      </p:sp>
+      <p:sp>
+        <p:nvSpPr>
+          <p:cNvPr id="23" name="Chevron 22"/>
+          <p:cNvSpPr/>
+          <p:nvPr/>
+        </p:nvSpPr>
+        <p:spPr>
+          <a:xfrm>
+            <a:off x="3655214" y="3976684"/>
+            <a:ext cx="457200" cy="152400"/>
+          </a:xfrm>
+          <a:prstGeom prst="chevron">
+            <a:avLst/>
+          </a:prstGeom>
+        </p:spPr>
+        <p:style>
+          <a:lnRef idx="2">
+            <a:schemeClr val="dk1"/>
+          </a:lnRef>
+          <a:fillRef idx="1">
+            <a:schemeClr val="lt1"/>
+          </a:fillRef>
+          <a:effectRef idx="0">
+            <a:schemeClr val="dk1"/>
+          </a:effectRef>
+          <a:fontRef idx="minor">
+            <a:schemeClr val="dk1"/>
+          </a:fontRef>
+        </p:style>
+        <p:txBody>
+          <a:bodyPr rtlCol="0" anchor="ctr"/>
+          <a:lstStyle/>
+          <a:p>
+            <a:pPr algn="ctr"/>
+            <a:endParaRPr lang="en-US">
+              <a:solidFill>
+                <a:schemeClr val="tx1"/>
+              </a:solidFill>
+            </a:endParaRPr>
+          </a:p>
+        </p:txBody>
+      </p:sp>
+      <p:sp>
+        <p:nvSpPr>
+          <p:cNvPr id="24" name="Chevron 23"/>
+          <p:cNvSpPr/>
+          <p:nvPr/>
+        </p:nvSpPr>
+        <p:spPr>
+          <a:xfrm>
+            <a:off x="5224459" y="3976684"/>
+            <a:ext cx="457200" cy="152400"/>
+          </a:xfrm>
+          <a:prstGeom prst="chevron">
+            <a:avLst/>
+          </a:prstGeom>
+        </p:spPr>
+        <p:style>
+          <a:lnRef idx="2">
+            <a:schemeClr val="dk1"/>
+          </a:lnRef>
+          <a:fillRef idx="1">
+            <a:schemeClr val="lt1"/>
+          </a:fillRef>
+          <a:effectRef idx="0">
+            <a:schemeClr val="dk1"/>
+          </a:effectRef>
+          <a:fontRef idx="minor">
+            <a:schemeClr val="dk1"/>
+          </a:fontRef>
+        </p:style>
+        <p:txBody>
+          <a:bodyPr rtlCol="0" anchor="ctr"/>
+          <a:lstStyle/>
+          <a:p>
+            <a:pPr algn="ctr"/>
+            <a:endParaRPr lang="en-US">
+              <a:solidFill>
+                <a:schemeClr val="tx1"/>
+              </a:solidFill>
+            </a:endParaRPr>
+          </a:p>
+        </p:txBody>
+      </p:sp>
+      <p:sp>
+        <p:nvSpPr>
+          <p:cNvPr id="25" name="Chevron 24"/>
+          <p:cNvSpPr/>
+          <p:nvPr/>
+        </p:nvSpPr>
+        <p:spPr>
+          <a:xfrm>
+            <a:off x="7046117" y="3976684"/>
+            <a:ext cx="457200" cy="152400"/>
+          </a:xfrm>
+          <a:prstGeom prst="chevron">
+            <a:avLst/>
+          </a:prstGeom>
+        </p:spPr>
+        <p:style>
+          <a:lnRef idx="2">
+            <a:schemeClr val="dk1"/>
+          </a:lnRef>
+          <a:fillRef idx="1">
+            <a:schemeClr val="lt1"/>
+          </a:fillRef>
+          <a:effectRef idx="0">
+            <a:schemeClr val="dk1"/>
+          </a:effectRef>
+          <a:fontRef idx="minor">
+            <a:schemeClr val="dk1"/>
+          </a:fontRef>
+        </p:style>
+        <p:txBody>
+          <a:bodyPr rtlCol="0" anchor="ctr"/>
+          <a:lstStyle/>
+          <a:p>
+            <a:pPr algn="ctr"/>
+            <a:endParaRPr lang="en-US">
+              <a:solidFill>
+                <a:schemeClr val="tx1"/>
+              </a:solidFill>
+            </a:endParaRPr>
+          </a:p>
+        </p:txBody>
+      </p:sp>
+      <p:sp>
+        <p:nvSpPr>
+          <p:cNvPr id="26" name="Chevron 25"/>
+          <p:cNvSpPr/>
+          <p:nvPr/>
+        </p:nvSpPr>
+        <p:spPr>
+          <a:xfrm>
+            <a:off x="8751094" y="3976684"/>
+            <a:ext cx="457200" cy="152400"/>
+          </a:xfrm>
+          <a:prstGeom prst="chevron">
+            <a:avLst/>
+          </a:prstGeom>
+        </p:spPr>
+        <p:style>
+          <a:lnRef idx="2">
+            <a:schemeClr val="dk1"/>
+          </a:lnRef>
+          <a:fillRef idx="1">
+            <a:schemeClr val="lt1"/>
+          </a:fillRef>
+          <a:effectRef idx="0">
+            <a:schemeClr val="dk1"/>
+          </a:effectRef>
+          <a:fontRef idx="minor">
+            <a:schemeClr val="dk1"/>
+          </a:fontRef>
+        </p:style>
+        <p:txBody>
+          <a:bodyPr rtlCol="0" anchor="ctr"/>
+          <a:lstStyle/>
+          <a:p>
+            <a:pPr algn="ctr"/>
+            <a:endParaRPr lang="en-US">
+              <a:solidFill>
+                <a:schemeClr val="tx1"/>
+              </a:solidFill>
+            </a:endParaRPr>
+          </a:p>
+        </p:txBody>
+      </p:sp>
+      <p:sp>
+        <p:nvSpPr>
+          <p:cNvPr id="2" name="Rectangle 1"/>
+          <p:cNvSpPr/>
+          <p:nvPr/>
+        </p:nvSpPr>
+        <p:spPr>
+          <a:xfrm>
+            <a:off x="3895725" y="3514725"/>
+            <a:ext cx="7105650" cy="1028700"/>
+          </a:xfrm>
+          <a:prstGeom prst="rect">
+            <a:avLst/>
+          </a:prstGeom>
+          <a:noFill/>
+          <a:ln>
+            <a:solidFill>
+              <a:schemeClr val="tx1"/>
+            </a:solidFill>
+            <a:prstDash val="dash"/>
+          </a:ln>
+        </p:spPr>
+        <p:style>
+          <a:lnRef idx="2">
+            <a:schemeClr val="accent1">
+              <a:shade val="50000"/>
+            </a:schemeClr>
+          </a:lnRef>
+          <a:fillRef idx="1">
+            <a:schemeClr val="accent1"/>
+          </a:fillRef>
+          <a:effectRef idx="0">
+            <a:schemeClr val="accent1"/>
+          </a:effectRef>
+          <a:fontRef idx="minor">
+            <a:schemeClr val="lt1"/>
+          </a:fontRef>
+        </p:style>
+        <p:txBody>
+          <a:bodyPr rtlCol="0" anchor="ctr"/>
+          <a:lstStyle/>
+          <a:p>
+            <a:pPr algn="ctr"/>
+            <a:endParaRPr lang="en-US"/>
+          </a:p>
+        </p:txBody>
+      </p:sp>
+      <p:sp>
+        <p:nvSpPr>
+          <p:cNvPr id="3" name="Rectangle 2"/>
+          <p:cNvSpPr/>
+          <p:nvPr/>
+        </p:nvSpPr>
+        <p:spPr>
+          <a:xfrm>
+            <a:off x="330989" y="3514725"/>
+            <a:ext cx="2016795" cy="1028700"/>
+          </a:xfrm>
+          <a:prstGeom prst="rect">
+            <a:avLst/>
+          </a:prstGeom>
+          <a:noFill/>
+          <a:ln>
+            <a:solidFill>
+              <a:schemeClr val="tx1"/>
+            </a:solidFill>
+            <a:prstDash val="dash"/>
+          </a:ln>
+        </p:spPr>
+        <p:style>
+          <a:lnRef idx="2">
+            <a:schemeClr val="accent1">
+              <a:shade val="50000"/>
+            </a:schemeClr>
+          </a:lnRef>
+          <a:fillRef idx="1">
+            <a:schemeClr val="accent1"/>
+          </a:fillRef>
+          <a:effectRef idx="0">
+            <a:schemeClr val="accent1"/>
+          </a:effectRef>
+          <a:fontRef idx="minor">
+            <a:schemeClr val="lt1"/>
+          </a:fontRef>
+        </p:style>
+        <p:txBody>
+          <a:bodyPr rtlCol="0" anchor="ctr"/>
+          <a:lstStyle/>
+          <a:p>
+            <a:pPr algn="ctr"/>
+            <a:endParaRPr lang="en-US"/>
           </a:p>
         </p:txBody>
       </p:sp>

--- a/tmp/materials.pptx
+++ b/tmp/materials.pptx
@@ -9,6 +9,10 @@
     <p:sldId id="257" r:id="rId3"/>
     <p:sldId id="258" r:id="rId4"/>
     <p:sldId id="259" r:id="rId5"/>
+    <p:sldId id="260" r:id="rId6"/>
+    <p:sldId id="261" r:id="rId7"/>
+    <p:sldId id="262" r:id="rId8"/>
+    <p:sldId id="263" r:id="rId9"/>
   </p:sldIdLst>
   <p:sldSz cx="12192000" cy="6858000"/>
   <p:notesSz cx="6858000" cy="9144000"/>
@@ -246,7 +250,7 @@
           <a:p>
             <a:fld id="{899E828B-5169-41F7-BDBE-679283FBC6D7}" type="datetimeFigureOut">
               <a:rPr lang="en-US" smtClean="0"/>
-              <a:t>5/29/2020</a:t>
+              <a:t>3/27/2021</a:t>
             </a:fld>
             <a:endParaRPr lang="en-US"/>
           </a:p>
@@ -416,7 +420,7 @@
           <a:p>
             <a:fld id="{899E828B-5169-41F7-BDBE-679283FBC6D7}" type="datetimeFigureOut">
               <a:rPr lang="en-US" smtClean="0"/>
-              <a:t>5/29/2020</a:t>
+              <a:t>3/27/2021</a:t>
             </a:fld>
             <a:endParaRPr lang="en-US"/>
           </a:p>
@@ -596,7 +600,7 @@
           <a:p>
             <a:fld id="{899E828B-5169-41F7-BDBE-679283FBC6D7}" type="datetimeFigureOut">
               <a:rPr lang="en-US" smtClean="0"/>
-              <a:t>5/29/2020</a:t>
+              <a:t>3/27/2021</a:t>
             </a:fld>
             <a:endParaRPr lang="en-US"/>
           </a:p>
@@ -766,7 +770,7 @@
           <a:p>
             <a:fld id="{899E828B-5169-41F7-BDBE-679283FBC6D7}" type="datetimeFigureOut">
               <a:rPr lang="en-US" smtClean="0"/>
-              <a:t>5/29/2020</a:t>
+              <a:t>3/27/2021</a:t>
             </a:fld>
             <a:endParaRPr lang="en-US"/>
           </a:p>
@@ -1012,7 +1016,7 @@
           <a:p>
             <a:fld id="{899E828B-5169-41F7-BDBE-679283FBC6D7}" type="datetimeFigureOut">
               <a:rPr lang="en-US" smtClean="0"/>
-              <a:t>5/29/2020</a:t>
+              <a:t>3/27/2021</a:t>
             </a:fld>
             <a:endParaRPr lang="en-US"/>
           </a:p>
@@ -1244,7 +1248,7 @@
           <a:p>
             <a:fld id="{899E828B-5169-41F7-BDBE-679283FBC6D7}" type="datetimeFigureOut">
               <a:rPr lang="en-US" smtClean="0"/>
-              <a:t>5/29/2020</a:t>
+              <a:t>3/27/2021</a:t>
             </a:fld>
             <a:endParaRPr lang="en-US"/>
           </a:p>
@@ -1611,7 +1615,7 @@
           <a:p>
             <a:fld id="{899E828B-5169-41F7-BDBE-679283FBC6D7}" type="datetimeFigureOut">
               <a:rPr lang="en-US" smtClean="0"/>
-              <a:t>5/29/2020</a:t>
+              <a:t>3/27/2021</a:t>
             </a:fld>
             <a:endParaRPr lang="en-US"/>
           </a:p>
@@ -1729,7 +1733,7 @@
           <a:p>
             <a:fld id="{899E828B-5169-41F7-BDBE-679283FBC6D7}" type="datetimeFigureOut">
               <a:rPr lang="en-US" smtClean="0"/>
-              <a:t>5/29/2020</a:t>
+              <a:t>3/27/2021</a:t>
             </a:fld>
             <a:endParaRPr lang="en-US"/>
           </a:p>
@@ -1824,7 +1828,7 @@
           <a:p>
             <a:fld id="{899E828B-5169-41F7-BDBE-679283FBC6D7}" type="datetimeFigureOut">
               <a:rPr lang="en-US" smtClean="0"/>
-              <a:t>5/29/2020</a:t>
+              <a:t>3/27/2021</a:t>
             </a:fld>
             <a:endParaRPr lang="en-US"/>
           </a:p>
@@ -2101,7 +2105,7 @@
           <a:p>
             <a:fld id="{899E828B-5169-41F7-BDBE-679283FBC6D7}" type="datetimeFigureOut">
               <a:rPr lang="en-US" smtClean="0"/>
-              <a:t>5/29/2020</a:t>
+              <a:t>3/27/2021</a:t>
             </a:fld>
             <a:endParaRPr lang="en-US"/>
           </a:p>
@@ -2354,7 +2358,7 @@
           <a:p>
             <a:fld id="{899E828B-5169-41F7-BDBE-679283FBC6D7}" type="datetimeFigureOut">
               <a:rPr lang="en-US" smtClean="0"/>
-              <a:t>5/29/2020</a:t>
+              <a:t>3/27/2021</a:t>
             </a:fld>
             <a:endParaRPr lang="en-US"/>
           </a:p>
@@ -2567,7 +2571,7 @@
           <a:p>
             <a:fld id="{899E828B-5169-41F7-BDBE-679283FBC6D7}" type="datetimeFigureOut">
               <a:rPr lang="en-US" smtClean="0"/>
-              <a:t>5/29/2020</a:t>
+              <a:t>3/27/2021</a:t>
             </a:fld>
             <a:endParaRPr lang="en-US"/>
           </a:p>
@@ -6484,11 +6488,7 @@
             <a:pPr algn="ctr"/>
             <a:r>
               <a:rPr lang="en-US" dirty="0" smtClean="0"/>
-              <a:t>Log </a:t>
-            </a:r>
-            <a:r>
-              <a:rPr lang="en-US" dirty="0" smtClean="0"/>
-              <a:t>Producing System</a:t>
+              <a:t>Log Producing System</a:t>
             </a:r>
             <a:endParaRPr lang="en-US" dirty="0"/>
           </a:p>
@@ -6970,6 +6970,6242 @@
     <p:extLst>
       <p:ext uri="{BB962C8B-B14F-4D97-AF65-F5344CB8AC3E}">
         <p14:creationId xmlns:p14="http://schemas.microsoft.com/office/powerpoint/2010/main" val="2658920145"/>
+      </p:ext>
+    </p:extLst>
+  </p:cSld>
+  <p:clrMapOvr>
+    <a:masterClrMapping/>
+  </p:clrMapOvr>
+  <p:timing>
+    <p:tnLst>
+      <p:par>
+        <p:cTn id="1" dur="indefinite" restart="never" nodeType="tmRoot"/>
+      </p:par>
+    </p:tnLst>
+  </p:timing>
+</p:sld>
+</file>
+
+<file path=ppt/slides/slide5.xml><?xml version="1.0" encoding="utf-8"?>
+<p:sld xmlns:a="http://schemas.openxmlformats.org/drawingml/2006/main" xmlns:r="http://schemas.openxmlformats.org/officeDocument/2006/relationships" xmlns:p="http://schemas.openxmlformats.org/presentationml/2006/main">
+  <p:cSld>
+    <p:spTree>
+      <p:nvGrpSpPr>
+        <p:cNvPr id="1" name=""/>
+        <p:cNvGrpSpPr/>
+        <p:nvPr/>
+      </p:nvGrpSpPr>
+      <p:grpSpPr>
+        <a:xfrm>
+          <a:off x="0" y="0"/>
+          <a:ext cx="0" cy="0"/>
+          <a:chOff x="0" y="0"/>
+          <a:chExt cx="0" cy="0"/>
+        </a:xfrm>
+      </p:grpSpPr>
+      <p:grpSp>
+        <p:nvGrpSpPr>
+          <p:cNvPr id="9" name="Group 8"/>
+          <p:cNvGrpSpPr/>
+          <p:nvPr/>
+        </p:nvGrpSpPr>
+        <p:grpSpPr>
+          <a:xfrm>
+            <a:off x="0" y="1552567"/>
+            <a:ext cx="10797586" cy="3661161"/>
+            <a:chOff x="0" y="1552567"/>
+            <a:chExt cx="10797586" cy="3661161"/>
+          </a:xfrm>
+        </p:grpSpPr>
+        <p:sp>
+          <p:nvSpPr>
+            <p:cNvPr id="59" name="Rectangle 58"/>
+            <p:cNvSpPr/>
+            <p:nvPr/>
+          </p:nvSpPr>
+          <p:spPr>
+            <a:xfrm>
+              <a:off x="2890392" y="4134137"/>
+              <a:ext cx="1036064" cy="844271"/>
+            </a:xfrm>
+            <a:prstGeom prst="rect">
+              <a:avLst/>
+            </a:prstGeom>
+            <a:ln/>
+          </p:spPr>
+          <p:style>
+            <a:lnRef idx="2">
+              <a:schemeClr val="dk1"/>
+            </a:lnRef>
+            <a:fillRef idx="1">
+              <a:schemeClr val="lt1"/>
+            </a:fillRef>
+            <a:effectRef idx="0">
+              <a:schemeClr val="dk1"/>
+            </a:effectRef>
+            <a:fontRef idx="minor">
+              <a:schemeClr val="dk1"/>
+            </a:fontRef>
+          </p:style>
+          <p:txBody>
+            <a:bodyPr rtlCol="0" anchor="ctr"/>
+            <a:lstStyle/>
+            <a:p>
+              <a:pPr algn="ctr">
+                <a:lnSpc>
+                  <a:spcPct val="90000"/>
+                </a:lnSpc>
+                <a:spcBef>
+                  <a:spcPts val="600"/>
+                </a:spcBef>
+              </a:pPr>
+              <a:endParaRPr lang="zh-CN" altLang="en-US" sz="2000" b="1" dirty="0" err="1"/>
+            </a:p>
+          </p:txBody>
+        </p:sp>
+        <p:sp>
+          <p:nvSpPr>
+            <p:cNvPr id="58" name="Rectangle 57"/>
+            <p:cNvSpPr/>
+            <p:nvPr/>
+          </p:nvSpPr>
+          <p:spPr>
+            <a:xfrm>
+              <a:off x="2940074" y="1867599"/>
+              <a:ext cx="992727" cy="1463620"/>
+            </a:xfrm>
+            <a:prstGeom prst="rect">
+              <a:avLst/>
+            </a:prstGeom>
+            <a:ln/>
+          </p:spPr>
+          <p:style>
+            <a:lnRef idx="2">
+              <a:schemeClr val="dk1"/>
+            </a:lnRef>
+            <a:fillRef idx="1">
+              <a:schemeClr val="lt1"/>
+            </a:fillRef>
+            <a:effectRef idx="0">
+              <a:schemeClr val="dk1"/>
+            </a:effectRef>
+            <a:fontRef idx="minor">
+              <a:schemeClr val="dk1"/>
+            </a:fontRef>
+          </p:style>
+          <p:txBody>
+            <a:bodyPr rtlCol="0" anchor="ctr"/>
+            <a:lstStyle/>
+            <a:p>
+              <a:pPr algn="ctr">
+                <a:lnSpc>
+                  <a:spcPct val="90000"/>
+                </a:lnSpc>
+                <a:spcBef>
+                  <a:spcPts val="600"/>
+                </a:spcBef>
+              </a:pPr>
+              <a:endParaRPr lang="zh-CN" altLang="en-US" sz="2000" b="1" dirty="0" err="1"/>
+            </a:p>
+          </p:txBody>
+        </p:sp>
+        <p:sp>
+          <p:nvSpPr>
+            <p:cNvPr id="34" name="Title 2"/>
+            <p:cNvSpPr txBox="1">
+              <a:spLocks/>
+            </p:cNvSpPr>
+            <p:nvPr/>
+          </p:nvSpPr>
+          <p:spPr bwMode="gray">
+            <a:xfrm>
+              <a:off x="2546449" y="1552567"/>
+              <a:ext cx="1723949" cy="156966"/>
+            </a:xfrm>
+            <a:prstGeom prst="rect">
+              <a:avLst/>
+            </a:prstGeom>
+          </p:spPr>
+          <p:txBody>
+            <a:bodyPr vert="horz" wrap="square" lIns="0" tIns="0" rIns="0" bIns="0" rtlCol="0" anchor="ctr">
+              <a:spAutoFit/>
+            </a:bodyPr>
+            <a:lstStyle>
+              <a:lvl1pPr marL="0" marR="0" indent="0" algn="l" defTabSz="685800" rtl="0" eaLnBrk="1" latinLnBrk="0" hangingPunct="1">
+                <a:lnSpc>
+                  <a:spcPct val="85000"/>
+                </a:lnSpc>
+                <a:spcBef>
+                  <a:spcPct val="0"/>
+                </a:spcBef>
+                <a:spcAft>
+                  <a:spcPts val="0"/>
+                </a:spcAft>
+                <a:buNone/>
+                <a:defRPr sz="2100" b="1" kern="1200" cap="none" baseline="0">
+                  <a:solidFill>
+                    <a:schemeClr val="tx2"/>
+                  </a:solidFill>
+                  <a:latin typeface="+mj-lt"/>
+                  <a:ea typeface="+mj-ea"/>
+                  <a:cs typeface="Arial" pitchFamily="34" charset="0"/>
+                </a:defRPr>
+              </a:lvl1pPr>
+            </a:lstStyle>
+            <a:p>
+              <a:pPr algn="ctr"/>
+              <a:r>
+                <a:rPr lang="en-US" sz="1200" dirty="0" smtClean="0">
+                  <a:solidFill>
+                    <a:schemeClr val="tx1"/>
+                  </a:solidFill>
+                </a:rPr>
+                <a:t>Vectoring and Matrixing</a:t>
+              </a:r>
+              <a:endParaRPr lang="en-US" sz="1200" dirty="0">
+                <a:solidFill>
+                  <a:schemeClr val="tx1"/>
+                </a:solidFill>
+              </a:endParaRPr>
+            </a:p>
+          </p:txBody>
+        </p:sp>
+        <p:grpSp>
+          <p:nvGrpSpPr>
+            <p:cNvPr id="35" name="Group 34"/>
+            <p:cNvGrpSpPr/>
+            <p:nvPr/>
+          </p:nvGrpSpPr>
+          <p:grpSpPr>
+            <a:xfrm>
+              <a:off x="4517471" y="1566472"/>
+              <a:ext cx="2438400" cy="3647256"/>
+              <a:chOff x="1636098" y="1152396"/>
+              <a:chExt cx="2873828" cy="3647256"/>
+            </a:xfrm>
+          </p:grpSpPr>
+          <p:sp>
+            <p:nvSpPr>
+              <p:cNvPr id="36" name="Rectangle 35"/>
+              <p:cNvSpPr/>
+              <p:nvPr/>
+            </p:nvSpPr>
+            <p:spPr>
+              <a:xfrm>
+                <a:off x="1826776" y="1389702"/>
+                <a:ext cx="2492471" cy="3409950"/>
+              </a:xfrm>
+              <a:prstGeom prst="rect">
+                <a:avLst/>
+              </a:prstGeom>
+              <a:ln/>
+            </p:spPr>
+            <p:style>
+              <a:lnRef idx="2">
+                <a:schemeClr val="dk1"/>
+              </a:lnRef>
+              <a:fillRef idx="1">
+                <a:schemeClr val="lt1"/>
+              </a:fillRef>
+              <a:effectRef idx="0">
+                <a:schemeClr val="dk1"/>
+              </a:effectRef>
+              <a:fontRef idx="minor">
+                <a:schemeClr val="dk1"/>
+              </a:fontRef>
+            </p:style>
+            <p:txBody>
+              <a:bodyPr rtlCol="0" anchor="ctr"/>
+              <a:lstStyle/>
+              <a:p>
+                <a:pPr algn="ctr">
+                  <a:lnSpc>
+                    <a:spcPct val="90000"/>
+                  </a:lnSpc>
+                  <a:spcBef>
+                    <a:spcPts val="600"/>
+                  </a:spcBef>
+                </a:pPr>
+                <a:endParaRPr lang="zh-CN" altLang="en-US" sz="2000" b="1" dirty="0" err="1"/>
+              </a:p>
+            </p:txBody>
+          </p:sp>
+          <p:sp>
+            <p:nvSpPr>
+              <p:cNvPr id="37" name="Title 2"/>
+              <p:cNvSpPr txBox="1">
+                <a:spLocks/>
+              </p:cNvSpPr>
+              <p:nvPr/>
+            </p:nvSpPr>
+            <p:spPr bwMode="gray">
+              <a:xfrm>
+                <a:off x="1636098" y="1152396"/>
+                <a:ext cx="2873828" cy="156966"/>
+              </a:xfrm>
+              <a:prstGeom prst="rect">
+                <a:avLst/>
+              </a:prstGeom>
+            </p:spPr>
+            <p:txBody>
+              <a:bodyPr vert="horz" wrap="square" lIns="0" tIns="0" rIns="0" bIns="0" rtlCol="0" anchor="ctr">
+                <a:spAutoFit/>
+              </a:bodyPr>
+              <a:lstStyle>
+                <a:lvl1pPr marL="0" marR="0" indent="0" algn="l" defTabSz="685800" rtl="0" eaLnBrk="1" latinLnBrk="0" hangingPunct="1">
+                  <a:lnSpc>
+                    <a:spcPct val="85000"/>
+                  </a:lnSpc>
+                  <a:spcBef>
+                    <a:spcPct val="0"/>
+                  </a:spcBef>
+                  <a:spcAft>
+                    <a:spcPts val="0"/>
+                  </a:spcAft>
+                  <a:buNone/>
+                  <a:defRPr sz="2100" b="1" kern="1200" cap="none" baseline="0">
+                    <a:solidFill>
+                      <a:schemeClr val="tx2"/>
+                    </a:solidFill>
+                    <a:latin typeface="+mj-lt"/>
+                    <a:ea typeface="+mj-ea"/>
+                    <a:cs typeface="Arial" pitchFamily="34" charset="0"/>
+                  </a:defRPr>
+                </a:lvl1pPr>
+              </a:lstStyle>
+              <a:p>
+                <a:pPr algn="ctr"/>
+                <a:r>
+                  <a:rPr lang="en-US" sz="1200" dirty="0">
+                    <a:solidFill>
+                      <a:schemeClr val="tx1"/>
+                    </a:solidFill>
+                  </a:rPr>
+                  <a:t>Model Train and Predict</a:t>
+                </a:r>
+              </a:p>
+            </p:txBody>
+          </p:sp>
+        </p:grpSp>
+        <p:sp>
+          <p:nvSpPr>
+            <p:cNvPr id="38" name="Rounded Rectangle 37"/>
+            <p:cNvSpPr/>
+            <p:nvPr/>
+          </p:nvSpPr>
+          <p:spPr>
+            <a:xfrm>
+              <a:off x="5116990" y="2071544"/>
+              <a:ext cx="1206137" cy="914400"/>
+            </a:xfrm>
+            <a:prstGeom prst="roundRect">
+              <a:avLst/>
+            </a:prstGeom>
+            <a:ln/>
+          </p:spPr>
+          <p:style>
+            <a:lnRef idx="2">
+              <a:schemeClr val="accent1"/>
+            </a:lnRef>
+            <a:fillRef idx="1">
+              <a:schemeClr val="lt1"/>
+            </a:fillRef>
+            <a:effectRef idx="0">
+              <a:schemeClr val="accent1"/>
+            </a:effectRef>
+            <a:fontRef idx="minor">
+              <a:schemeClr val="dk1"/>
+            </a:fontRef>
+          </p:style>
+          <p:txBody>
+            <a:bodyPr rtlCol="0" anchor="ctr"/>
+            <a:lstStyle/>
+            <a:p>
+              <a:pPr algn="ctr">
+                <a:lnSpc>
+                  <a:spcPct val="90000"/>
+                </a:lnSpc>
+                <a:spcBef>
+                  <a:spcPts val="600"/>
+                </a:spcBef>
+              </a:pPr>
+              <a:r>
+                <a:rPr lang="en-US" altLang="zh-CN" sz="2000" dirty="0"/>
+                <a:t>Train</a:t>
+              </a:r>
+              <a:endParaRPr lang="zh-CN" altLang="en-US" sz="2000" dirty="0" err="1"/>
+            </a:p>
+          </p:txBody>
+        </p:sp>
+        <p:sp>
+          <p:nvSpPr>
+            <p:cNvPr id="39" name="Rounded Rectangle 38"/>
+            <p:cNvSpPr/>
+            <p:nvPr/>
+          </p:nvSpPr>
+          <p:spPr>
+            <a:xfrm>
+              <a:off x="5112982" y="3992901"/>
+              <a:ext cx="1206137" cy="905691"/>
+            </a:xfrm>
+            <a:prstGeom prst="roundRect">
+              <a:avLst/>
+            </a:prstGeom>
+            <a:ln/>
+          </p:spPr>
+          <p:style>
+            <a:lnRef idx="2">
+              <a:schemeClr val="accent2"/>
+            </a:lnRef>
+            <a:fillRef idx="1">
+              <a:schemeClr val="lt1"/>
+            </a:fillRef>
+            <a:effectRef idx="0">
+              <a:schemeClr val="accent2"/>
+            </a:effectRef>
+            <a:fontRef idx="minor">
+              <a:schemeClr val="dk1"/>
+            </a:fontRef>
+          </p:style>
+          <p:txBody>
+            <a:bodyPr rtlCol="0" anchor="ctr"/>
+            <a:lstStyle/>
+            <a:p>
+              <a:pPr algn="ctr">
+                <a:lnSpc>
+                  <a:spcPct val="90000"/>
+                </a:lnSpc>
+                <a:spcBef>
+                  <a:spcPts val="600"/>
+                </a:spcBef>
+              </a:pPr>
+              <a:r>
+                <a:rPr lang="en-US" altLang="zh-CN" sz="2000" dirty="0"/>
+                <a:t>Predict</a:t>
+              </a:r>
+              <a:endParaRPr lang="zh-CN" altLang="en-US" sz="2000" dirty="0" err="1"/>
+            </a:p>
+          </p:txBody>
+        </p:sp>
+        <p:grpSp>
+          <p:nvGrpSpPr>
+            <p:cNvPr id="42" name="Group 41"/>
+            <p:cNvGrpSpPr/>
+            <p:nvPr/>
+          </p:nvGrpSpPr>
+          <p:grpSpPr>
+            <a:xfrm>
+              <a:off x="5473734" y="2116070"/>
+              <a:ext cx="2158188" cy="1677979"/>
+              <a:chOff x="3188934" y="1752702"/>
+              <a:chExt cx="2158188" cy="1382715"/>
+            </a:xfrm>
+          </p:grpSpPr>
+          <p:sp>
+            <p:nvSpPr>
+              <p:cNvPr id="43" name="Down Arrow 42"/>
+              <p:cNvSpPr/>
+              <p:nvPr/>
+            </p:nvSpPr>
+            <p:spPr>
+              <a:xfrm>
+                <a:off x="3188934" y="2662372"/>
+                <a:ext cx="484632" cy="473045"/>
+              </a:xfrm>
+              <a:prstGeom prst="downArrow">
+                <a:avLst/>
+              </a:prstGeom>
+              <a:ln>
+                <a:solidFill>
+                  <a:schemeClr val="accent1"/>
+                </a:solidFill>
+              </a:ln>
+            </p:spPr>
+            <p:style>
+              <a:lnRef idx="2">
+                <a:schemeClr val="dk1"/>
+              </a:lnRef>
+              <a:fillRef idx="1">
+                <a:schemeClr val="lt1"/>
+              </a:fillRef>
+              <a:effectRef idx="0">
+                <a:schemeClr val="dk1"/>
+              </a:effectRef>
+              <a:fontRef idx="minor">
+                <a:schemeClr val="dk1"/>
+              </a:fontRef>
+            </p:style>
+            <p:txBody>
+              <a:bodyPr rtlCol="0" anchor="ctr"/>
+              <a:lstStyle/>
+              <a:p>
+                <a:pPr algn="ctr">
+                  <a:lnSpc>
+                    <a:spcPct val="90000"/>
+                  </a:lnSpc>
+                  <a:spcBef>
+                    <a:spcPts val="600"/>
+                  </a:spcBef>
+                </a:pPr>
+                <a:endParaRPr lang="zh-CN" altLang="en-US" sz="2000" b="1" dirty="0" err="1"/>
+              </a:p>
+            </p:txBody>
+          </p:sp>
+          <p:sp>
+            <p:nvSpPr>
+              <p:cNvPr id="44" name="Rounded Rectangular Callout 43"/>
+              <p:cNvSpPr/>
+              <p:nvPr/>
+            </p:nvSpPr>
+            <p:spPr>
+              <a:xfrm>
+                <a:off x="4630367" y="1752702"/>
+                <a:ext cx="716755" cy="796577"/>
+              </a:xfrm>
+              <a:prstGeom prst="wedgeRoundRectCallout">
+                <a:avLst>
+                  <a:gd name="adj1" fmla="val -174203"/>
+                  <a:gd name="adj2" fmla="val 78352"/>
+                  <a:gd name="adj3" fmla="val 16667"/>
+                </a:avLst>
+              </a:prstGeom>
+              <a:ln>
+                <a:solidFill>
+                  <a:schemeClr val="accent1"/>
+                </a:solidFill>
+                <a:prstDash val="sysDot"/>
+              </a:ln>
+            </p:spPr>
+            <p:style>
+              <a:lnRef idx="2">
+                <a:schemeClr val="dk1"/>
+              </a:lnRef>
+              <a:fillRef idx="1">
+                <a:schemeClr val="lt1"/>
+              </a:fillRef>
+              <a:effectRef idx="0">
+                <a:schemeClr val="dk1"/>
+              </a:effectRef>
+              <a:fontRef idx="minor">
+                <a:schemeClr val="dk1"/>
+              </a:fontRef>
+            </p:style>
+            <p:txBody>
+              <a:bodyPr rtlCol="0" anchor="ctr"/>
+              <a:lstStyle/>
+              <a:p>
+                <a:pPr algn="ctr">
+                  <a:lnSpc>
+                    <a:spcPct val="90000"/>
+                  </a:lnSpc>
+                  <a:spcBef>
+                    <a:spcPts val="600"/>
+                  </a:spcBef>
+                </a:pPr>
+                <a:r>
+                  <a:rPr lang="en-US" altLang="zh-CN" sz="1100" dirty="0"/>
+                  <a:t>Persist model para for further use</a:t>
+                </a:r>
+                <a:endParaRPr lang="zh-CN" altLang="en-US" sz="1100" dirty="0" err="1"/>
+              </a:p>
+            </p:txBody>
+          </p:sp>
+        </p:grpSp>
+        <p:sp>
+          <p:nvSpPr>
+            <p:cNvPr id="46" name="Pentagon 45"/>
+            <p:cNvSpPr/>
+            <p:nvPr/>
+          </p:nvSpPr>
+          <p:spPr>
+            <a:xfrm>
+              <a:off x="3590285" y="2225635"/>
+              <a:ext cx="1381423" cy="574962"/>
+            </a:xfrm>
+            <a:prstGeom prst="homePlate">
+              <a:avLst/>
+            </a:prstGeom>
+            <a:ln/>
+          </p:spPr>
+          <p:style>
+            <a:lnRef idx="2">
+              <a:schemeClr val="accent1"/>
+            </a:lnRef>
+            <a:fillRef idx="1">
+              <a:schemeClr val="lt1"/>
+            </a:fillRef>
+            <a:effectRef idx="0">
+              <a:schemeClr val="accent1"/>
+            </a:effectRef>
+            <a:fontRef idx="minor">
+              <a:schemeClr val="dk1"/>
+            </a:fontRef>
+          </p:style>
+          <p:txBody>
+            <a:bodyPr rtlCol="0" anchor="ctr"/>
+            <a:lstStyle/>
+            <a:p>
+              <a:pPr algn="ctr">
+                <a:lnSpc>
+                  <a:spcPct val="90000"/>
+                </a:lnSpc>
+                <a:spcBef>
+                  <a:spcPts val="600"/>
+                </a:spcBef>
+              </a:pPr>
+              <a:r>
+                <a:rPr lang="en-US" altLang="zh-CN" sz="1400" dirty="0" smtClean="0"/>
+                <a:t>Error Context Matrix </a:t>
+              </a:r>
+              <a:r>
+                <a:rPr lang="en-US" altLang="zh-CN" sz="1400" dirty="0" smtClean="0"/>
+                <a:t>with Label Vector</a:t>
+              </a:r>
+              <a:endParaRPr lang="zh-CN" altLang="en-US" sz="1400" dirty="0" err="1"/>
+            </a:p>
+          </p:txBody>
+        </p:sp>
+        <p:sp>
+          <p:nvSpPr>
+            <p:cNvPr id="49" name="Rectangle 48"/>
+            <p:cNvSpPr/>
+            <p:nvPr/>
+          </p:nvSpPr>
+          <p:spPr>
+            <a:xfrm>
+              <a:off x="7736987" y="1802044"/>
+              <a:ext cx="1334659" cy="3409950"/>
+            </a:xfrm>
+            <a:prstGeom prst="rect">
+              <a:avLst/>
+            </a:prstGeom>
+            <a:ln/>
+          </p:spPr>
+          <p:style>
+            <a:lnRef idx="2">
+              <a:schemeClr val="dk1"/>
+            </a:lnRef>
+            <a:fillRef idx="1">
+              <a:schemeClr val="lt1"/>
+            </a:fillRef>
+            <a:effectRef idx="0">
+              <a:schemeClr val="dk1"/>
+            </a:effectRef>
+            <a:fontRef idx="minor">
+              <a:schemeClr val="dk1"/>
+            </a:fontRef>
+          </p:style>
+          <p:txBody>
+            <a:bodyPr rtlCol="0" anchor="ctr"/>
+            <a:lstStyle/>
+            <a:p>
+              <a:pPr algn="ctr">
+                <a:lnSpc>
+                  <a:spcPct val="90000"/>
+                </a:lnSpc>
+                <a:spcBef>
+                  <a:spcPts val="600"/>
+                </a:spcBef>
+              </a:pPr>
+              <a:endParaRPr lang="zh-CN" altLang="en-US" sz="2000" b="1" dirty="0" err="1"/>
+            </a:p>
+          </p:txBody>
+        </p:sp>
+        <p:sp>
+          <p:nvSpPr>
+            <p:cNvPr id="51" name="Pentagon 50"/>
+            <p:cNvSpPr/>
+            <p:nvPr/>
+          </p:nvSpPr>
+          <p:spPr>
+            <a:xfrm>
+              <a:off x="6553514" y="4201991"/>
+              <a:ext cx="1434732" cy="484632"/>
+            </a:xfrm>
+            <a:prstGeom prst="homePlate">
+              <a:avLst/>
+            </a:prstGeom>
+            <a:ln/>
+          </p:spPr>
+          <p:style>
+            <a:lnRef idx="2">
+              <a:schemeClr val="accent2"/>
+            </a:lnRef>
+            <a:fillRef idx="1">
+              <a:schemeClr val="lt1"/>
+            </a:fillRef>
+            <a:effectRef idx="0">
+              <a:schemeClr val="accent2"/>
+            </a:effectRef>
+            <a:fontRef idx="minor">
+              <a:schemeClr val="dk1"/>
+            </a:fontRef>
+          </p:style>
+          <p:txBody>
+            <a:bodyPr rtlCol="0" anchor="ctr"/>
+            <a:lstStyle/>
+            <a:p>
+              <a:pPr algn="ctr">
+                <a:lnSpc>
+                  <a:spcPct val="90000"/>
+                </a:lnSpc>
+                <a:spcBef>
+                  <a:spcPts val="600"/>
+                </a:spcBef>
+              </a:pPr>
+              <a:r>
+                <a:rPr lang="en-US" altLang="zh-CN" sz="1400" dirty="0" smtClean="0"/>
+                <a:t>Predict Output</a:t>
+              </a:r>
+              <a:endParaRPr lang="zh-CN" altLang="en-US" sz="1400" dirty="0" err="1"/>
+            </a:p>
+          </p:txBody>
+        </p:sp>
+        <p:grpSp>
+          <p:nvGrpSpPr>
+            <p:cNvPr id="53" name="Group 52"/>
+            <p:cNvGrpSpPr/>
+            <p:nvPr/>
+          </p:nvGrpSpPr>
+          <p:grpSpPr>
+            <a:xfrm>
+              <a:off x="798360" y="1566472"/>
+              <a:ext cx="1334659" cy="3645523"/>
+              <a:chOff x="152299" y="1156826"/>
+              <a:chExt cx="1334659" cy="3650875"/>
+            </a:xfrm>
+          </p:grpSpPr>
+          <p:sp>
+            <p:nvSpPr>
+              <p:cNvPr id="54" name="Rectangle 53"/>
+              <p:cNvSpPr/>
+              <p:nvPr/>
+            </p:nvSpPr>
+            <p:spPr>
+              <a:xfrm>
+                <a:off x="152299" y="1392744"/>
+                <a:ext cx="1334659" cy="3414957"/>
+              </a:xfrm>
+              <a:prstGeom prst="rect">
+                <a:avLst/>
+              </a:prstGeom>
+              <a:ln/>
+            </p:spPr>
+            <p:style>
+              <a:lnRef idx="2">
+                <a:schemeClr val="dk1"/>
+              </a:lnRef>
+              <a:fillRef idx="1">
+                <a:schemeClr val="lt1"/>
+              </a:fillRef>
+              <a:effectRef idx="0">
+                <a:schemeClr val="dk1"/>
+              </a:effectRef>
+              <a:fontRef idx="minor">
+                <a:schemeClr val="dk1"/>
+              </a:fontRef>
+            </p:style>
+            <p:txBody>
+              <a:bodyPr rtlCol="0" anchor="ctr"/>
+              <a:lstStyle/>
+              <a:p>
+                <a:pPr algn="ctr">
+                  <a:lnSpc>
+                    <a:spcPct val="90000"/>
+                  </a:lnSpc>
+                  <a:spcBef>
+                    <a:spcPts val="600"/>
+                  </a:spcBef>
+                </a:pPr>
+                <a:r>
+                  <a:rPr lang="en-US" altLang="zh-CN" sz="2000" dirty="0" smtClean="0"/>
+                  <a:t>OSS / Loglizer / DeepLog</a:t>
+                </a:r>
+                <a:endParaRPr lang="zh-CN" altLang="en-US" sz="2000" dirty="0" err="1"/>
+              </a:p>
+            </p:txBody>
+          </p:sp>
+          <p:sp>
+            <p:nvSpPr>
+              <p:cNvPr id="55" name="Title 2"/>
+              <p:cNvSpPr txBox="1">
+                <a:spLocks/>
+              </p:cNvSpPr>
+              <p:nvPr/>
+            </p:nvSpPr>
+            <p:spPr bwMode="gray">
+              <a:xfrm>
+                <a:off x="192338" y="1156826"/>
+                <a:ext cx="1254579" cy="157196"/>
+              </a:xfrm>
+              <a:prstGeom prst="rect">
+                <a:avLst/>
+              </a:prstGeom>
+            </p:spPr>
+            <p:txBody>
+              <a:bodyPr vert="horz" wrap="square" lIns="0" tIns="0" rIns="0" bIns="0" rtlCol="0" anchor="ctr">
+                <a:spAutoFit/>
+              </a:bodyPr>
+              <a:lstStyle>
+                <a:lvl1pPr marL="0" marR="0" indent="0" algn="l" defTabSz="685800" rtl="0" eaLnBrk="1" latinLnBrk="0" hangingPunct="1">
+                  <a:lnSpc>
+                    <a:spcPct val="85000"/>
+                  </a:lnSpc>
+                  <a:spcBef>
+                    <a:spcPct val="0"/>
+                  </a:spcBef>
+                  <a:spcAft>
+                    <a:spcPts val="0"/>
+                  </a:spcAft>
+                  <a:buNone/>
+                  <a:defRPr sz="2100" b="1" kern="1200" cap="none" baseline="0">
+                    <a:solidFill>
+                      <a:schemeClr val="tx2"/>
+                    </a:solidFill>
+                    <a:latin typeface="+mj-lt"/>
+                    <a:ea typeface="+mj-ea"/>
+                    <a:cs typeface="Arial" pitchFamily="34" charset="0"/>
+                  </a:defRPr>
+                </a:lvl1pPr>
+              </a:lstStyle>
+              <a:p>
+                <a:pPr algn="ctr"/>
+                <a:r>
+                  <a:rPr lang="en-US" sz="1200" dirty="0" smtClean="0">
+                    <a:solidFill>
+                      <a:schemeClr val="tx1"/>
+                    </a:solidFill>
+                  </a:rPr>
+                  <a:t>Feature Extraction</a:t>
+                </a:r>
+                <a:endParaRPr lang="en-US" sz="1200" dirty="0">
+                  <a:solidFill>
+                    <a:schemeClr val="tx1"/>
+                  </a:solidFill>
+                </a:endParaRPr>
+              </a:p>
+            </p:txBody>
+          </p:sp>
+        </p:grpSp>
+        <p:sp>
+          <p:nvSpPr>
+            <p:cNvPr id="56" name="Pentagon 55"/>
+            <p:cNvSpPr/>
+            <p:nvPr/>
+          </p:nvSpPr>
+          <p:spPr>
+            <a:xfrm>
+              <a:off x="0" y="2154003"/>
+              <a:ext cx="1277854" cy="926641"/>
+            </a:xfrm>
+            <a:prstGeom prst="homePlate">
+              <a:avLst/>
+            </a:prstGeom>
+            <a:ln/>
+          </p:spPr>
+          <p:style>
+            <a:lnRef idx="2">
+              <a:schemeClr val="accent1"/>
+            </a:lnRef>
+            <a:fillRef idx="1">
+              <a:schemeClr val="lt1"/>
+            </a:fillRef>
+            <a:effectRef idx="0">
+              <a:schemeClr val="accent1"/>
+            </a:effectRef>
+            <a:fontRef idx="minor">
+              <a:schemeClr val="dk1"/>
+            </a:fontRef>
+          </p:style>
+          <p:txBody>
+            <a:bodyPr rtlCol="0" anchor="ctr"/>
+            <a:lstStyle/>
+            <a:p>
+              <a:pPr algn="ctr">
+                <a:lnSpc>
+                  <a:spcPct val="90000"/>
+                </a:lnSpc>
+                <a:spcBef>
+                  <a:spcPts val="600"/>
+                </a:spcBef>
+              </a:pPr>
+              <a:r>
+                <a:rPr lang="en-US" altLang="zh-CN" sz="1400" dirty="0"/>
+                <a:t>Train Data </a:t>
+              </a:r>
+              <a:r>
+                <a:rPr lang="en-US" altLang="zh-CN" sz="1400" dirty="0" smtClean="0"/>
+                <a:t>(raw logs with </a:t>
+              </a:r>
+              <a:r>
+                <a:rPr lang="en-US" altLang="zh-CN" sz="1400" dirty="0" smtClean="0"/>
+                <a:t>class labels</a:t>
+              </a:r>
+              <a:r>
+                <a:rPr lang="en-US" altLang="zh-CN" sz="1400" dirty="0" smtClean="0"/>
+                <a:t>)</a:t>
+              </a:r>
+              <a:endParaRPr lang="zh-CN" altLang="en-US" sz="1400" dirty="0" err="1"/>
+            </a:p>
+          </p:txBody>
+        </p:sp>
+        <p:sp>
+          <p:nvSpPr>
+            <p:cNvPr id="57" name="Pentagon 56"/>
+            <p:cNvSpPr/>
+            <p:nvPr/>
+          </p:nvSpPr>
+          <p:spPr>
+            <a:xfrm>
+              <a:off x="13138" y="4262542"/>
+              <a:ext cx="1062386" cy="540582"/>
+            </a:xfrm>
+            <a:prstGeom prst="homePlate">
+              <a:avLst/>
+            </a:prstGeom>
+            <a:ln>
+              <a:solidFill>
+                <a:schemeClr val="accent2"/>
+              </a:solidFill>
+            </a:ln>
+          </p:spPr>
+          <p:style>
+            <a:lnRef idx="2">
+              <a:schemeClr val="accent2"/>
+            </a:lnRef>
+            <a:fillRef idx="1">
+              <a:schemeClr val="lt1"/>
+            </a:fillRef>
+            <a:effectRef idx="0">
+              <a:schemeClr val="accent2"/>
+            </a:effectRef>
+            <a:fontRef idx="minor">
+              <a:schemeClr val="dk1"/>
+            </a:fontRef>
+          </p:style>
+          <p:txBody>
+            <a:bodyPr rtlCol="0" anchor="ctr"/>
+            <a:lstStyle/>
+            <a:p>
+              <a:pPr algn="ctr">
+                <a:lnSpc>
+                  <a:spcPct val="90000"/>
+                </a:lnSpc>
+                <a:spcBef>
+                  <a:spcPts val="600"/>
+                </a:spcBef>
+              </a:pPr>
+              <a:r>
+                <a:rPr lang="en-US" altLang="zh-CN" sz="1400" dirty="0"/>
+                <a:t>Test Data </a:t>
+              </a:r>
+              <a:r>
+                <a:rPr lang="en-US" altLang="zh-CN" sz="1400" dirty="0" smtClean="0"/>
+                <a:t>(raw logs)</a:t>
+              </a:r>
+              <a:endParaRPr lang="zh-CN" altLang="en-US" sz="1400" dirty="0" err="1"/>
+            </a:p>
+          </p:txBody>
+        </p:sp>
+        <p:sp>
+          <p:nvSpPr>
+            <p:cNvPr id="60" name="Pentagon 59"/>
+            <p:cNvSpPr/>
+            <p:nvPr/>
+          </p:nvSpPr>
+          <p:spPr>
+            <a:xfrm>
+              <a:off x="1557306" y="4262542"/>
+              <a:ext cx="1620988" cy="540582"/>
+            </a:xfrm>
+            <a:prstGeom prst="homePlate">
+              <a:avLst/>
+            </a:prstGeom>
+            <a:ln>
+              <a:solidFill>
+                <a:schemeClr val="accent2"/>
+              </a:solidFill>
+            </a:ln>
+          </p:spPr>
+          <p:style>
+            <a:lnRef idx="2">
+              <a:schemeClr val="accent2"/>
+            </a:lnRef>
+            <a:fillRef idx="1">
+              <a:schemeClr val="lt1"/>
+            </a:fillRef>
+            <a:effectRef idx="0">
+              <a:schemeClr val="accent2"/>
+            </a:effectRef>
+            <a:fontRef idx="minor">
+              <a:schemeClr val="dk1"/>
+            </a:fontRef>
+          </p:style>
+          <p:txBody>
+            <a:bodyPr rtlCol="0" anchor="ctr"/>
+            <a:lstStyle/>
+            <a:p>
+              <a:pPr algn="ctr">
+                <a:lnSpc>
+                  <a:spcPct val="90000"/>
+                </a:lnSpc>
+                <a:spcBef>
+                  <a:spcPts val="600"/>
+                </a:spcBef>
+              </a:pPr>
+              <a:r>
+                <a:rPr lang="en-US" altLang="zh-CN" sz="1400" dirty="0"/>
+                <a:t>Template IDs of error and its context</a:t>
+              </a:r>
+              <a:endParaRPr lang="zh-CN" altLang="en-US" sz="1400" dirty="0" err="1"/>
+            </a:p>
+          </p:txBody>
+        </p:sp>
+        <p:sp>
+          <p:nvSpPr>
+            <p:cNvPr id="61" name="Pentagon 60"/>
+            <p:cNvSpPr/>
+            <p:nvPr/>
+          </p:nvSpPr>
+          <p:spPr>
+            <a:xfrm>
+              <a:off x="1557305" y="2154003"/>
+              <a:ext cx="1689635" cy="599929"/>
+            </a:xfrm>
+            <a:prstGeom prst="homePlate">
+              <a:avLst/>
+            </a:prstGeom>
+            <a:ln/>
+          </p:spPr>
+          <p:style>
+            <a:lnRef idx="2">
+              <a:schemeClr val="accent1"/>
+            </a:lnRef>
+            <a:fillRef idx="1">
+              <a:schemeClr val="lt1"/>
+            </a:fillRef>
+            <a:effectRef idx="0">
+              <a:schemeClr val="accent1"/>
+            </a:effectRef>
+            <a:fontRef idx="minor">
+              <a:schemeClr val="dk1"/>
+            </a:fontRef>
+          </p:style>
+          <p:txBody>
+            <a:bodyPr rtlCol="0" anchor="ctr"/>
+            <a:lstStyle/>
+            <a:p>
+              <a:pPr algn="ctr">
+                <a:lnSpc>
+                  <a:spcPct val="90000"/>
+                </a:lnSpc>
+                <a:spcBef>
+                  <a:spcPts val="600"/>
+                </a:spcBef>
+              </a:pPr>
+              <a:r>
+                <a:rPr lang="en-US" altLang="zh-CN" sz="1400" dirty="0" smtClean="0"/>
+                <a:t>Template IDs of error and its context</a:t>
+              </a:r>
+              <a:endParaRPr lang="zh-CN" altLang="en-US" sz="1400" dirty="0" err="1"/>
+            </a:p>
+          </p:txBody>
+        </p:sp>
+        <p:sp>
+          <p:nvSpPr>
+            <p:cNvPr id="62" name="Pentagon 61"/>
+            <p:cNvSpPr/>
+            <p:nvPr/>
+          </p:nvSpPr>
+          <p:spPr>
+            <a:xfrm>
+              <a:off x="1557306" y="2753932"/>
+              <a:ext cx="1521891" cy="284445"/>
+            </a:xfrm>
+            <a:prstGeom prst="homePlate">
+              <a:avLst/>
+            </a:prstGeom>
+            <a:ln/>
+          </p:spPr>
+          <p:style>
+            <a:lnRef idx="2">
+              <a:schemeClr val="accent1"/>
+            </a:lnRef>
+            <a:fillRef idx="1">
+              <a:schemeClr val="lt1"/>
+            </a:fillRef>
+            <a:effectRef idx="0">
+              <a:schemeClr val="accent1"/>
+            </a:effectRef>
+            <a:fontRef idx="minor">
+              <a:schemeClr val="dk1"/>
+            </a:fontRef>
+          </p:style>
+          <p:txBody>
+            <a:bodyPr rtlCol="0" anchor="ctr"/>
+            <a:lstStyle/>
+            <a:p>
+              <a:pPr algn="ctr">
+                <a:lnSpc>
+                  <a:spcPct val="90000"/>
+                </a:lnSpc>
+                <a:spcBef>
+                  <a:spcPts val="600"/>
+                </a:spcBef>
+              </a:pPr>
+              <a:r>
+                <a:rPr lang="en-US" altLang="zh-CN" sz="1400" dirty="0" smtClean="0"/>
+                <a:t>Class Labels</a:t>
+              </a:r>
+              <a:endParaRPr lang="zh-CN" altLang="en-US" sz="1400" dirty="0" err="1"/>
+            </a:p>
+          </p:txBody>
+        </p:sp>
+        <p:sp>
+          <p:nvSpPr>
+            <p:cNvPr id="64" name="Title 2"/>
+            <p:cNvSpPr txBox="1">
+              <a:spLocks/>
+            </p:cNvSpPr>
+            <p:nvPr/>
+          </p:nvSpPr>
+          <p:spPr bwMode="gray">
+            <a:xfrm>
+              <a:off x="2574462" y="3876387"/>
+              <a:ext cx="1723949" cy="156966"/>
+            </a:xfrm>
+            <a:prstGeom prst="rect">
+              <a:avLst/>
+            </a:prstGeom>
+          </p:spPr>
+          <p:txBody>
+            <a:bodyPr vert="horz" wrap="square" lIns="0" tIns="0" rIns="0" bIns="0" rtlCol="0" anchor="ctr">
+              <a:spAutoFit/>
+            </a:bodyPr>
+            <a:lstStyle>
+              <a:lvl1pPr marL="0" marR="0" indent="0" algn="l" defTabSz="685800" rtl="0" eaLnBrk="1" latinLnBrk="0" hangingPunct="1">
+                <a:lnSpc>
+                  <a:spcPct val="85000"/>
+                </a:lnSpc>
+                <a:spcBef>
+                  <a:spcPct val="0"/>
+                </a:spcBef>
+                <a:spcAft>
+                  <a:spcPts val="0"/>
+                </a:spcAft>
+                <a:buNone/>
+                <a:defRPr sz="2100" b="1" kern="1200" cap="none" baseline="0">
+                  <a:solidFill>
+                    <a:schemeClr val="tx2"/>
+                  </a:solidFill>
+                  <a:latin typeface="+mj-lt"/>
+                  <a:ea typeface="+mj-ea"/>
+                  <a:cs typeface="Arial" pitchFamily="34" charset="0"/>
+                </a:defRPr>
+              </a:lvl1pPr>
+            </a:lstStyle>
+            <a:p>
+              <a:pPr algn="ctr"/>
+              <a:r>
+                <a:rPr lang="en-US" sz="1200" dirty="0" smtClean="0">
+                  <a:solidFill>
+                    <a:schemeClr val="tx1"/>
+                  </a:solidFill>
+                </a:rPr>
+                <a:t>Vectoring</a:t>
+              </a:r>
+              <a:endParaRPr lang="en-US" sz="1200" dirty="0">
+                <a:solidFill>
+                  <a:schemeClr val="tx1"/>
+                </a:solidFill>
+              </a:endParaRPr>
+            </a:p>
+          </p:txBody>
+        </p:sp>
+        <p:sp>
+          <p:nvSpPr>
+            <p:cNvPr id="65" name="Pentagon 64"/>
+            <p:cNvSpPr/>
+            <p:nvPr/>
+          </p:nvSpPr>
+          <p:spPr>
+            <a:xfrm>
+              <a:off x="3588663" y="4333587"/>
+              <a:ext cx="1280698" cy="353036"/>
+            </a:xfrm>
+            <a:prstGeom prst="homePlate">
+              <a:avLst/>
+            </a:prstGeom>
+            <a:ln>
+              <a:solidFill>
+                <a:schemeClr val="accent2"/>
+              </a:solidFill>
+            </a:ln>
+          </p:spPr>
+          <p:style>
+            <a:lnRef idx="2">
+              <a:schemeClr val="accent1"/>
+            </a:lnRef>
+            <a:fillRef idx="1">
+              <a:schemeClr val="lt1"/>
+            </a:fillRef>
+            <a:effectRef idx="0">
+              <a:schemeClr val="accent1"/>
+            </a:effectRef>
+            <a:fontRef idx="minor">
+              <a:schemeClr val="dk1"/>
+            </a:fontRef>
+          </p:style>
+          <p:txBody>
+            <a:bodyPr rtlCol="0" anchor="ctr"/>
+            <a:lstStyle/>
+            <a:p>
+              <a:pPr algn="ctr">
+                <a:lnSpc>
+                  <a:spcPct val="90000"/>
+                </a:lnSpc>
+                <a:spcBef>
+                  <a:spcPts val="600"/>
+                </a:spcBef>
+              </a:pPr>
+              <a:r>
+                <a:rPr lang="en-US" altLang="zh-CN" sz="1400" dirty="0" smtClean="0"/>
+                <a:t>Error Context </a:t>
+              </a:r>
+              <a:r>
+                <a:rPr lang="en-US" altLang="zh-CN" sz="1400" dirty="0" smtClean="0"/>
+                <a:t>Vector</a:t>
+              </a:r>
+              <a:endParaRPr lang="zh-CN" altLang="en-US" sz="1400" dirty="0" err="1"/>
+            </a:p>
+          </p:txBody>
+        </p:sp>
+        <p:sp>
+          <p:nvSpPr>
+            <p:cNvPr id="69" name="Title 2"/>
+            <p:cNvSpPr txBox="1">
+              <a:spLocks/>
+            </p:cNvSpPr>
+            <p:nvPr/>
+          </p:nvSpPr>
+          <p:spPr bwMode="gray">
+            <a:xfrm>
+              <a:off x="7117658" y="1572562"/>
+              <a:ext cx="2438400" cy="156966"/>
+            </a:xfrm>
+            <a:prstGeom prst="rect">
+              <a:avLst/>
+            </a:prstGeom>
+          </p:spPr>
+          <p:txBody>
+            <a:bodyPr vert="horz" wrap="square" lIns="0" tIns="0" rIns="0" bIns="0" rtlCol="0" anchor="ctr">
+              <a:spAutoFit/>
+            </a:bodyPr>
+            <a:lstStyle>
+              <a:lvl1pPr marL="0" marR="0" indent="0" algn="l" defTabSz="685800" rtl="0" eaLnBrk="1" latinLnBrk="0" hangingPunct="1">
+                <a:lnSpc>
+                  <a:spcPct val="85000"/>
+                </a:lnSpc>
+                <a:spcBef>
+                  <a:spcPct val="0"/>
+                </a:spcBef>
+                <a:spcAft>
+                  <a:spcPts val="0"/>
+                </a:spcAft>
+                <a:buNone/>
+                <a:defRPr sz="2100" b="1" kern="1200" cap="none" baseline="0">
+                  <a:solidFill>
+                    <a:schemeClr val="tx2"/>
+                  </a:solidFill>
+                  <a:latin typeface="+mj-lt"/>
+                  <a:ea typeface="+mj-ea"/>
+                  <a:cs typeface="Arial" pitchFamily="34" charset="0"/>
+                </a:defRPr>
+              </a:lvl1pPr>
+            </a:lstStyle>
+            <a:p>
+              <a:pPr algn="ctr"/>
+              <a:r>
+                <a:rPr lang="en-US" sz="1200" dirty="0" smtClean="0">
+                  <a:solidFill>
+                    <a:schemeClr val="tx1"/>
+                  </a:solidFill>
+                </a:rPr>
+                <a:t>Multi</a:t>
+              </a:r>
+              <a:r>
+                <a:rPr lang="en-US" sz="1200" dirty="0" smtClean="0">
+                  <a:solidFill>
+                    <a:schemeClr val="tx1"/>
+                  </a:solidFill>
+                </a:rPr>
+                <a:t> </a:t>
+              </a:r>
+              <a:r>
+                <a:rPr lang="en-US" sz="1200" dirty="0" smtClean="0">
+                  <a:solidFill>
+                    <a:schemeClr val="tx1"/>
+                  </a:solidFill>
+                </a:rPr>
+                <a:t>Classes</a:t>
+              </a:r>
+              <a:endParaRPr lang="en-US" sz="1200" dirty="0">
+                <a:solidFill>
+                  <a:schemeClr val="tx1"/>
+                </a:solidFill>
+              </a:endParaRPr>
+            </a:p>
+          </p:txBody>
+        </p:sp>
+        <p:sp>
+          <p:nvSpPr>
+            <p:cNvPr id="2" name="Rounded Rectangle 1"/>
+            <p:cNvSpPr/>
+            <p:nvPr/>
+          </p:nvSpPr>
+          <p:spPr>
+            <a:xfrm>
+              <a:off x="7947116" y="2140982"/>
+              <a:ext cx="914400" cy="446017"/>
+            </a:xfrm>
+            <a:prstGeom prst="roundRect">
+              <a:avLst/>
+            </a:prstGeom>
+            <a:noFill/>
+            <a:ln>
+              <a:solidFill>
+                <a:schemeClr val="tx1"/>
+              </a:solidFill>
+            </a:ln>
+          </p:spPr>
+          <p:style>
+            <a:lnRef idx="2">
+              <a:schemeClr val="accent1">
+                <a:shade val="50000"/>
+              </a:schemeClr>
+            </a:lnRef>
+            <a:fillRef idx="1">
+              <a:schemeClr val="accent1"/>
+            </a:fillRef>
+            <a:effectRef idx="0">
+              <a:schemeClr val="accent1"/>
+            </a:effectRef>
+            <a:fontRef idx="minor">
+              <a:schemeClr val="lt1"/>
+            </a:fontRef>
+          </p:style>
+          <p:txBody>
+            <a:bodyPr rtlCol="0" anchor="ctr"/>
+            <a:lstStyle/>
+            <a:p>
+              <a:pPr algn="ctr"/>
+              <a:r>
+                <a:rPr lang="en-US" dirty="0" smtClean="0">
+                  <a:solidFill>
+                    <a:schemeClr val="tx1"/>
+                  </a:solidFill>
+                </a:rPr>
+                <a:t>Class 1</a:t>
+              </a:r>
+              <a:endParaRPr lang="en-US" dirty="0">
+                <a:solidFill>
+                  <a:schemeClr val="tx1"/>
+                </a:solidFill>
+              </a:endParaRPr>
+            </a:p>
+          </p:txBody>
+        </p:sp>
+        <p:sp>
+          <p:nvSpPr>
+            <p:cNvPr id="66" name="Rounded Rectangle 65"/>
+            <p:cNvSpPr/>
+            <p:nvPr/>
+          </p:nvSpPr>
+          <p:spPr>
+            <a:xfrm>
+              <a:off x="7941414" y="2786533"/>
+              <a:ext cx="914400" cy="446017"/>
+            </a:xfrm>
+            <a:prstGeom prst="roundRect">
+              <a:avLst/>
+            </a:prstGeom>
+            <a:noFill/>
+            <a:ln>
+              <a:solidFill>
+                <a:schemeClr val="tx1"/>
+              </a:solidFill>
+            </a:ln>
+          </p:spPr>
+          <p:style>
+            <a:lnRef idx="2">
+              <a:schemeClr val="accent1">
+                <a:shade val="50000"/>
+              </a:schemeClr>
+            </a:lnRef>
+            <a:fillRef idx="1">
+              <a:schemeClr val="accent1"/>
+            </a:fillRef>
+            <a:effectRef idx="0">
+              <a:schemeClr val="accent1"/>
+            </a:effectRef>
+            <a:fontRef idx="minor">
+              <a:schemeClr val="lt1"/>
+            </a:fontRef>
+          </p:style>
+          <p:txBody>
+            <a:bodyPr rtlCol="0" anchor="ctr"/>
+            <a:lstStyle/>
+            <a:p>
+              <a:pPr algn="ctr"/>
+              <a:r>
+                <a:rPr lang="en-US" dirty="0" smtClean="0">
+                  <a:solidFill>
+                    <a:schemeClr val="tx1"/>
+                  </a:solidFill>
+                </a:rPr>
+                <a:t>Class 2</a:t>
+              </a:r>
+              <a:endParaRPr lang="en-US" dirty="0">
+                <a:solidFill>
+                  <a:schemeClr val="tx1"/>
+                </a:solidFill>
+              </a:endParaRPr>
+            </a:p>
+          </p:txBody>
+        </p:sp>
+        <p:cxnSp>
+          <p:nvCxnSpPr>
+            <p:cNvPr id="4" name="Straight Connector 3"/>
+            <p:cNvCxnSpPr/>
+            <p:nvPr/>
+          </p:nvCxnSpPr>
+          <p:spPr>
+            <a:xfrm>
+              <a:off x="8398614" y="3956100"/>
+              <a:ext cx="0" cy="513244"/>
+            </a:xfrm>
+            <a:prstGeom prst="line">
+              <a:avLst/>
+            </a:prstGeom>
+            <a:ln w="9525" cap="flat" cmpd="sng" algn="ctr">
+              <a:solidFill>
+                <a:schemeClr val="dk1"/>
+              </a:solidFill>
+              <a:prstDash val="dash"/>
+              <a:round/>
+              <a:headEnd type="none" w="med" len="med"/>
+              <a:tailEnd type="none" w="med" len="med"/>
+            </a:ln>
+          </p:spPr>
+          <p:style>
+            <a:lnRef idx="0">
+              <a:scrgbClr r="0" g="0" b="0"/>
+            </a:lnRef>
+            <a:fillRef idx="0">
+              <a:scrgbClr r="0" g="0" b="0"/>
+            </a:fillRef>
+            <a:effectRef idx="0">
+              <a:scrgbClr r="0" g="0" b="0"/>
+            </a:effectRef>
+            <a:fontRef idx="minor">
+              <a:schemeClr val="tx1"/>
+            </a:fontRef>
+          </p:style>
+        </p:cxnSp>
+        <p:sp>
+          <p:nvSpPr>
+            <p:cNvPr id="68" name="Rounded Rectangle 67"/>
+            <p:cNvSpPr/>
+            <p:nvPr/>
+          </p:nvSpPr>
+          <p:spPr>
+            <a:xfrm>
+              <a:off x="7941414" y="4561368"/>
+              <a:ext cx="914400" cy="446017"/>
+            </a:xfrm>
+            <a:prstGeom prst="roundRect">
+              <a:avLst/>
+            </a:prstGeom>
+            <a:noFill/>
+            <a:ln>
+              <a:solidFill>
+                <a:schemeClr val="tx1"/>
+              </a:solidFill>
+            </a:ln>
+          </p:spPr>
+          <p:style>
+            <a:lnRef idx="2">
+              <a:schemeClr val="accent1">
+                <a:shade val="50000"/>
+              </a:schemeClr>
+            </a:lnRef>
+            <a:fillRef idx="1">
+              <a:schemeClr val="accent1"/>
+            </a:fillRef>
+            <a:effectRef idx="0">
+              <a:schemeClr val="accent1"/>
+            </a:effectRef>
+            <a:fontRef idx="minor">
+              <a:schemeClr val="lt1"/>
+            </a:fontRef>
+          </p:style>
+          <p:txBody>
+            <a:bodyPr rtlCol="0" anchor="ctr"/>
+            <a:lstStyle/>
+            <a:p>
+              <a:pPr algn="ctr"/>
+              <a:r>
+                <a:rPr lang="en-US" dirty="0" smtClean="0">
+                  <a:solidFill>
+                    <a:schemeClr val="tx1"/>
+                  </a:solidFill>
+                </a:rPr>
+                <a:t>Class N</a:t>
+              </a:r>
+              <a:endParaRPr lang="en-US" dirty="0">
+                <a:solidFill>
+                  <a:schemeClr val="tx1"/>
+                </a:solidFill>
+              </a:endParaRPr>
+            </a:p>
+          </p:txBody>
+        </p:sp>
+        <p:sp>
+          <p:nvSpPr>
+            <p:cNvPr id="67" name="Rounded Rectangle 66"/>
+            <p:cNvSpPr/>
+            <p:nvPr/>
+          </p:nvSpPr>
+          <p:spPr>
+            <a:xfrm>
+              <a:off x="7941414" y="3434536"/>
+              <a:ext cx="914400" cy="446017"/>
+            </a:xfrm>
+            <a:prstGeom prst="roundRect">
+              <a:avLst/>
+            </a:prstGeom>
+            <a:noFill/>
+            <a:ln>
+              <a:solidFill>
+                <a:schemeClr val="tx1"/>
+              </a:solidFill>
+            </a:ln>
+          </p:spPr>
+          <p:style>
+            <a:lnRef idx="2">
+              <a:schemeClr val="accent1">
+                <a:shade val="50000"/>
+              </a:schemeClr>
+            </a:lnRef>
+            <a:fillRef idx="1">
+              <a:schemeClr val="accent1"/>
+            </a:fillRef>
+            <a:effectRef idx="0">
+              <a:schemeClr val="accent1"/>
+            </a:effectRef>
+            <a:fontRef idx="minor">
+              <a:schemeClr val="lt1"/>
+            </a:fontRef>
+          </p:style>
+          <p:txBody>
+            <a:bodyPr rtlCol="0" anchor="ctr"/>
+            <a:lstStyle/>
+            <a:p>
+              <a:pPr algn="ctr"/>
+              <a:r>
+                <a:rPr lang="en-US" dirty="0" smtClean="0">
+                  <a:solidFill>
+                    <a:schemeClr val="tx1"/>
+                  </a:solidFill>
+                </a:rPr>
+                <a:t>Class 3</a:t>
+              </a:r>
+              <a:endParaRPr lang="en-US" dirty="0">
+                <a:solidFill>
+                  <a:schemeClr val="tx1"/>
+                </a:solidFill>
+              </a:endParaRPr>
+            </a:p>
+          </p:txBody>
+        </p:sp>
+        <p:sp>
+          <p:nvSpPr>
+            <p:cNvPr id="70" name="Rounded Rectangular Callout 69"/>
+            <p:cNvSpPr/>
+            <p:nvPr/>
+          </p:nvSpPr>
+          <p:spPr>
+            <a:xfrm>
+              <a:off x="9482015" y="4526022"/>
+              <a:ext cx="1315571" cy="618508"/>
+            </a:xfrm>
+            <a:prstGeom prst="wedgeRoundRectCallout">
+              <a:avLst>
+                <a:gd name="adj1" fmla="val -91594"/>
+                <a:gd name="adj2" fmla="val -13732"/>
+                <a:gd name="adj3" fmla="val 16667"/>
+              </a:avLst>
+            </a:prstGeom>
+            <a:ln>
+              <a:solidFill>
+                <a:schemeClr val="tx1"/>
+              </a:solidFill>
+              <a:prstDash val="sysDot"/>
+            </a:ln>
+          </p:spPr>
+          <p:style>
+            <a:lnRef idx="2">
+              <a:schemeClr val="dk1"/>
+            </a:lnRef>
+            <a:fillRef idx="1">
+              <a:schemeClr val="lt1"/>
+            </a:fillRef>
+            <a:effectRef idx="0">
+              <a:schemeClr val="dk1"/>
+            </a:effectRef>
+            <a:fontRef idx="minor">
+              <a:schemeClr val="dk1"/>
+            </a:fontRef>
+          </p:style>
+          <p:txBody>
+            <a:bodyPr rtlCol="0" anchor="ctr"/>
+            <a:lstStyle/>
+            <a:p>
+              <a:pPr algn="ctr">
+                <a:lnSpc>
+                  <a:spcPct val="90000"/>
+                </a:lnSpc>
+                <a:spcBef>
+                  <a:spcPts val="600"/>
+                </a:spcBef>
+              </a:pPr>
+              <a:r>
+                <a:rPr lang="en-US" altLang="zh-CN" sz="1100" dirty="0" smtClean="0"/>
+                <a:t>Description</a:t>
+              </a:r>
+            </a:p>
+            <a:p>
+              <a:pPr algn="ctr">
+                <a:lnSpc>
+                  <a:spcPct val="90000"/>
+                </a:lnSpc>
+                <a:spcBef>
+                  <a:spcPts val="600"/>
+                </a:spcBef>
+              </a:pPr>
+              <a:r>
+                <a:rPr lang="en-US" altLang="zh-CN" sz="1100" dirty="0" smtClean="0"/>
+                <a:t>Potential fix</a:t>
+              </a:r>
+            </a:p>
+            <a:p>
+              <a:pPr algn="ctr">
+                <a:lnSpc>
+                  <a:spcPct val="90000"/>
+                </a:lnSpc>
+                <a:spcBef>
+                  <a:spcPts val="600"/>
+                </a:spcBef>
+              </a:pPr>
+              <a:r>
+                <a:rPr lang="en-US" altLang="zh-CN" sz="1100" dirty="0" smtClean="0"/>
+                <a:t>CSPs / JIRAs if exist</a:t>
+              </a:r>
+              <a:endParaRPr lang="zh-CN" altLang="en-US" sz="1100" dirty="0" err="1"/>
+            </a:p>
+          </p:txBody>
+        </p:sp>
+        <p:sp>
+          <p:nvSpPr>
+            <p:cNvPr id="71" name="Rounded Rectangular Callout 70"/>
+            <p:cNvSpPr/>
+            <p:nvPr/>
+          </p:nvSpPr>
+          <p:spPr>
+            <a:xfrm>
+              <a:off x="9482015" y="2096771"/>
+              <a:ext cx="1315571" cy="618508"/>
+            </a:xfrm>
+            <a:prstGeom prst="wedgeRoundRectCallout">
+              <a:avLst>
+                <a:gd name="adj1" fmla="val -91594"/>
+                <a:gd name="adj2" fmla="val -13732"/>
+                <a:gd name="adj3" fmla="val 16667"/>
+              </a:avLst>
+            </a:prstGeom>
+            <a:ln>
+              <a:solidFill>
+                <a:schemeClr val="tx1"/>
+              </a:solidFill>
+              <a:prstDash val="sysDot"/>
+            </a:ln>
+          </p:spPr>
+          <p:style>
+            <a:lnRef idx="2">
+              <a:schemeClr val="dk1"/>
+            </a:lnRef>
+            <a:fillRef idx="1">
+              <a:schemeClr val="lt1"/>
+            </a:fillRef>
+            <a:effectRef idx="0">
+              <a:schemeClr val="dk1"/>
+            </a:effectRef>
+            <a:fontRef idx="minor">
+              <a:schemeClr val="dk1"/>
+            </a:fontRef>
+          </p:style>
+          <p:txBody>
+            <a:bodyPr rtlCol="0" anchor="ctr"/>
+            <a:lstStyle/>
+            <a:p>
+              <a:pPr algn="ctr">
+                <a:lnSpc>
+                  <a:spcPct val="90000"/>
+                </a:lnSpc>
+                <a:spcBef>
+                  <a:spcPts val="600"/>
+                </a:spcBef>
+              </a:pPr>
+              <a:r>
+                <a:rPr lang="en-US" altLang="zh-CN" sz="1100" dirty="0" smtClean="0"/>
+                <a:t>Description</a:t>
+              </a:r>
+            </a:p>
+            <a:p>
+              <a:pPr algn="ctr">
+                <a:lnSpc>
+                  <a:spcPct val="90000"/>
+                </a:lnSpc>
+                <a:spcBef>
+                  <a:spcPts val="600"/>
+                </a:spcBef>
+              </a:pPr>
+              <a:r>
+                <a:rPr lang="en-US" altLang="zh-CN" sz="1100" dirty="0" smtClean="0"/>
+                <a:t>Potential fix</a:t>
+              </a:r>
+            </a:p>
+            <a:p>
+              <a:pPr algn="ctr">
+                <a:lnSpc>
+                  <a:spcPct val="90000"/>
+                </a:lnSpc>
+                <a:spcBef>
+                  <a:spcPts val="600"/>
+                </a:spcBef>
+              </a:pPr>
+              <a:r>
+                <a:rPr lang="en-US" altLang="zh-CN" sz="1100" dirty="0" smtClean="0"/>
+                <a:t>CSPs / JIRAs if exist</a:t>
+              </a:r>
+              <a:endParaRPr lang="zh-CN" altLang="en-US" sz="1100" dirty="0" err="1"/>
+            </a:p>
+          </p:txBody>
+        </p:sp>
+        <p:cxnSp>
+          <p:nvCxnSpPr>
+            <p:cNvPr id="72" name="Straight Connector 71"/>
+            <p:cNvCxnSpPr/>
+            <p:nvPr/>
+          </p:nvCxnSpPr>
+          <p:spPr>
+            <a:xfrm>
+              <a:off x="10139800" y="2817975"/>
+              <a:ext cx="0" cy="1626332"/>
+            </a:xfrm>
+            <a:prstGeom prst="line">
+              <a:avLst/>
+            </a:prstGeom>
+            <a:ln w="9525" cap="flat" cmpd="sng" algn="ctr">
+              <a:solidFill>
+                <a:schemeClr val="dk1"/>
+              </a:solidFill>
+              <a:prstDash val="dash"/>
+              <a:round/>
+              <a:headEnd type="none" w="med" len="med"/>
+              <a:tailEnd type="none" w="med" len="med"/>
+            </a:ln>
+          </p:spPr>
+          <p:style>
+            <a:lnRef idx="0">
+              <a:scrgbClr r="0" g="0" b="0"/>
+            </a:lnRef>
+            <a:fillRef idx="0">
+              <a:scrgbClr r="0" g="0" b="0"/>
+            </a:fillRef>
+            <a:effectRef idx="0">
+              <a:scrgbClr r="0" g="0" b="0"/>
+            </a:effectRef>
+            <a:fontRef idx="minor">
+              <a:schemeClr val="tx1"/>
+            </a:fontRef>
+          </p:style>
+        </p:cxnSp>
+      </p:grpSp>
+    </p:spTree>
+    <p:extLst>
+      <p:ext uri="{BB962C8B-B14F-4D97-AF65-F5344CB8AC3E}">
+        <p14:creationId xmlns:p14="http://schemas.microsoft.com/office/powerpoint/2010/main" val="708405440"/>
+      </p:ext>
+    </p:extLst>
+  </p:cSld>
+  <p:clrMapOvr>
+    <a:masterClrMapping/>
+  </p:clrMapOvr>
+  <p:timing>
+    <p:tnLst>
+      <p:par>
+        <p:cTn id="1" dur="indefinite" restart="never" nodeType="tmRoot"/>
+      </p:par>
+    </p:tnLst>
+  </p:timing>
+</p:sld>
+</file>
+
+<file path=ppt/slides/slide6.xml><?xml version="1.0" encoding="utf-8"?>
+<p:sld xmlns:a="http://schemas.openxmlformats.org/drawingml/2006/main" xmlns:r="http://schemas.openxmlformats.org/officeDocument/2006/relationships" xmlns:p="http://schemas.openxmlformats.org/presentationml/2006/main">
+  <p:cSld>
+    <p:spTree>
+      <p:nvGrpSpPr>
+        <p:cNvPr id="1" name=""/>
+        <p:cNvGrpSpPr/>
+        <p:nvPr/>
+      </p:nvGrpSpPr>
+      <p:grpSpPr>
+        <a:xfrm>
+          <a:off x="0" y="0"/>
+          <a:ext cx="0" cy="0"/>
+          <a:chOff x="0" y="0"/>
+          <a:chExt cx="0" cy="0"/>
+        </a:xfrm>
+      </p:grpSpPr>
+      <p:sp>
+        <p:nvSpPr>
+          <p:cNvPr id="33" name="Rectangle 32"/>
+          <p:cNvSpPr/>
+          <p:nvPr/>
+        </p:nvSpPr>
+        <p:spPr>
+          <a:xfrm>
+            <a:off x="2598058" y="1952813"/>
+            <a:ext cx="1304809" cy="3404951"/>
+          </a:xfrm>
+          <a:prstGeom prst="rect">
+            <a:avLst/>
+          </a:prstGeom>
+          <a:ln/>
+        </p:spPr>
+        <p:style>
+          <a:lnRef idx="2">
+            <a:schemeClr val="dk1"/>
+          </a:lnRef>
+          <a:fillRef idx="1">
+            <a:schemeClr val="lt1"/>
+          </a:fillRef>
+          <a:effectRef idx="0">
+            <a:schemeClr val="dk1"/>
+          </a:effectRef>
+          <a:fontRef idx="minor">
+            <a:schemeClr val="dk1"/>
+          </a:fontRef>
+        </p:style>
+        <p:txBody>
+          <a:bodyPr rtlCol="0" anchor="ctr"/>
+          <a:lstStyle/>
+          <a:p>
+            <a:pPr algn="ctr">
+              <a:lnSpc>
+                <a:spcPct val="90000"/>
+              </a:lnSpc>
+              <a:spcBef>
+                <a:spcPts val="600"/>
+              </a:spcBef>
+            </a:pPr>
+            <a:r>
+              <a:rPr lang="en-US" altLang="zh-CN" sz="2000" dirty="0" smtClean="0"/>
+              <a:t>DRAIN</a:t>
+            </a:r>
+            <a:endParaRPr lang="zh-CN" altLang="en-US" sz="2000" dirty="0" err="1"/>
+          </a:p>
+        </p:txBody>
+      </p:sp>
+      <p:sp>
+        <p:nvSpPr>
+          <p:cNvPr id="34" name="Title 2"/>
+          <p:cNvSpPr txBox="1">
+            <a:spLocks/>
+          </p:cNvSpPr>
+          <p:nvPr/>
+        </p:nvSpPr>
+        <p:spPr bwMode="gray">
+          <a:xfrm>
+            <a:off x="2598058" y="1709332"/>
+            <a:ext cx="1226520" cy="158377"/>
+          </a:xfrm>
+          <a:prstGeom prst="rect">
+            <a:avLst/>
+          </a:prstGeom>
+        </p:spPr>
+        <p:txBody>
+          <a:bodyPr vert="horz" wrap="square" lIns="0" tIns="0" rIns="0" bIns="0" rtlCol="0" anchor="ctr">
+            <a:spAutoFit/>
+          </a:bodyPr>
+          <a:lstStyle>
+            <a:lvl1pPr marL="0" marR="0" indent="0" algn="l" defTabSz="685800" rtl="0" eaLnBrk="1" latinLnBrk="0" hangingPunct="1">
+              <a:lnSpc>
+                <a:spcPct val="85000"/>
+              </a:lnSpc>
+              <a:spcBef>
+                <a:spcPct val="0"/>
+              </a:spcBef>
+              <a:spcAft>
+                <a:spcPts val="0"/>
+              </a:spcAft>
+              <a:buNone/>
+              <a:defRPr sz="2100" b="1" kern="1200" cap="none" baseline="0">
+                <a:solidFill>
+                  <a:schemeClr val="tx2"/>
+                </a:solidFill>
+                <a:latin typeface="+mj-lt"/>
+                <a:ea typeface="+mj-ea"/>
+                <a:cs typeface="Arial" pitchFamily="34" charset="0"/>
+              </a:defRPr>
+            </a:lvl1pPr>
+          </a:lstStyle>
+          <a:p>
+            <a:pPr algn="ctr"/>
+            <a:r>
+              <a:rPr lang="en-US" sz="1200" dirty="0" smtClean="0">
+                <a:solidFill>
+                  <a:schemeClr val="tx1"/>
+                </a:solidFill>
+              </a:rPr>
+              <a:t>Clustering</a:t>
+            </a:r>
+            <a:endParaRPr lang="en-US" sz="1200" dirty="0">
+              <a:solidFill>
+                <a:schemeClr val="tx1"/>
+              </a:solidFill>
+            </a:endParaRPr>
+          </a:p>
+        </p:txBody>
+      </p:sp>
+      <p:sp>
+        <p:nvSpPr>
+          <p:cNvPr id="54" name="Rectangle 53"/>
+          <p:cNvSpPr/>
+          <p:nvPr/>
+        </p:nvSpPr>
+        <p:spPr>
+          <a:xfrm>
+            <a:off x="853827" y="1943028"/>
+            <a:ext cx="1304809" cy="3404951"/>
+          </a:xfrm>
+          <a:prstGeom prst="rect">
+            <a:avLst/>
+          </a:prstGeom>
+          <a:ln/>
+        </p:spPr>
+        <p:style>
+          <a:lnRef idx="2">
+            <a:schemeClr val="dk1"/>
+          </a:lnRef>
+          <a:fillRef idx="1">
+            <a:schemeClr val="lt1"/>
+          </a:fillRef>
+          <a:effectRef idx="0">
+            <a:schemeClr val="dk1"/>
+          </a:effectRef>
+          <a:fontRef idx="minor">
+            <a:schemeClr val="dk1"/>
+          </a:fontRef>
+        </p:style>
+        <p:txBody>
+          <a:bodyPr rtlCol="0" anchor="ctr"/>
+          <a:lstStyle/>
+          <a:p>
+            <a:pPr algn="ctr">
+              <a:lnSpc>
+                <a:spcPct val="90000"/>
+              </a:lnSpc>
+              <a:spcBef>
+                <a:spcPts val="600"/>
+              </a:spcBef>
+            </a:pPr>
+            <a:endParaRPr lang="zh-CN" altLang="en-US" sz="2000" b="1" dirty="0" err="1"/>
+          </a:p>
+        </p:txBody>
+      </p:sp>
+      <p:sp>
+        <p:nvSpPr>
+          <p:cNvPr id="55" name="Title 2"/>
+          <p:cNvSpPr txBox="1">
+            <a:spLocks/>
+          </p:cNvSpPr>
+          <p:nvPr/>
+        </p:nvSpPr>
+        <p:spPr bwMode="gray">
+          <a:xfrm>
+            <a:off x="853827" y="1699547"/>
+            <a:ext cx="1226520" cy="158377"/>
+          </a:xfrm>
+          <a:prstGeom prst="rect">
+            <a:avLst/>
+          </a:prstGeom>
+        </p:spPr>
+        <p:txBody>
+          <a:bodyPr vert="horz" wrap="square" lIns="0" tIns="0" rIns="0" bIns="0" rtlCol="0" anchor="ctr">
+            <a:spAutoFit/>
+          </a:bodyPr>
+          <a:lstStyle>
+            <a:lvl1pPr marL="0" marR="0" indent="0" algn="l" defTabSz="685800" rtl="0" eaLnBrk="1" latinLnBrk="0" hangingPunct="1">
+              <a:lnSpc>
+                <a:spcPct val="85000"/>
+              </a:lnSpc>
+              <a:spcBef>
+                <a:spcPct val="0"/>
+              </a:spcBef>
+              <a:spcAft>
+                <a:spcPts val="0"/>
+              </a:spcAft>
+              <a:buNone/>
+              <a:defRPr sz="2100" b="1" kern="1200" cap="none" baseline="0">
+                <a:solidFill>
+                  <a:schemeClr val="tx2"/>
+                </a:solidFill>
+                <a:latin typeface="+mj-lt"/>
+                <a:ea typeface="+mj-ea"/>
+                <a:cs typeface="Arial" pitchFamily="34" charset="0"/>
+              </a:defRPr>
+            </a:lvl1pPr>
+          </a:lstStyle>
+          <a:p>
+            <a:pPr algn="ctr"/>
+            <a:r>
+              <a:rPr lang="en-US" sz="1200" dirty="0" smtClean="0">
+                <a:solidFill>
+                  <a:schemeClr val="tx1"/>
+                </a:solidFill>
+              </a:rPr>
+              <a:t>Pre Processing</a:t>
+            </a:r>
+            <a:endParaRPr lang="en-US" sz="1200" dirty="0">
+              <a:solidFill>
+                <a:schemeClr val="tx1"/>
+              </a:solidFill>
+            </a:endParaRPr>
+          </a:p>
+        </p:txBody>
+      </p:sp>
+      <p:sp>
+        <p:nvSpPr>
+          <p:cNvPr id="57" name="Pentagon 56"/>
+          <p:cNvSpPr/>
+          <p:nvPr/>
+        </p:nvSpPr>
+        <p:spPr>
+          <a:xfrm>
+            <a:off x="163589" y="4452743"/>
+            <a:ext cx="1013857" cy="484094"/>
+          </a:xfrm>
+          <a:prstGeom prst="homePlate">
+            <a:avLst/>
+          </a:prstGeom>
+          <a:ln/>
+        </p:spPr>
+        <p:style>
+          <a:lnRef idx="2">
+            <a:schemeClr val="accent2"/>
+          </a:lnRef>
+          <a:fillRef idx="1">
+            <a:schemeClr val="lt1"/>
+          </a:fillRef>
+          <a:effectRef idx="0">
+            <a:schemeClr val="accent2"/>
+          </a:effectRef>
+          <a:fontRef idx="minor">
+            <a:schemeClr val="dk1"/>
+          </a:fontRef>
+        </p:style>
+        <p:txBody>
+          <a:bodyPr rtlCol="0" anchor="ctr"/>
+          <a:lstStyle/>
+          <a:p>
+            <a:pPr algn="ctr">
+              <a:lnSpc>
+                <a:spcPct val="90000"/>
+              </a:lnSpc>
+              <a:spcBef>
+                <a:spcPts val="600"/>
+              </a:spcBef>
+            </a:pPr>
+            <a:r>
+              <a:rPr lang="en-US" altLang="zh-CN" sz="1400" dirty="0"/>
+              <a:t>Test Data </a:t>
+            </a:r>
+            <a:r>
+              <a:rPr lang="en-US" altLang="zh-CN" sz="1400" dirty="0" smtClean="0"/>
+              <a:t>(raw logs)</a:t>
+            </a:r>
+            <a:endParaRPr lang="zh-CN" altLang="en-US" sz="1400" dirty="0" err="1"/>
+          </a:p>
+        </p:txBody>
+      </p:sp>
+      <p:sp>
+        <p:nvSpPr>
+          <p:cNvPr id="61" name="Pentagon 60"/>
+          <p:cNvSpPr/>
+          <p:nvPr/>
+        </p:nvSpPr>
+        <p:spPr>
+          <a:xfrm>
+            <a:off x="1751929" y="2403552"/>
+            <a:ext cx="1109859" cy="484632"/>
+          </a:xfrm>
+          <a:prstGeom prst="homePlate">
+            <a:avLst/>
+          </a:prstGeom>
+          <a:ln/>
+        </p:spPr>
+        <p:style>
+          <a:lnRef idx="2">
+            <a:schemeClr val="accent1"/>
+          </a:lnRef>
+          <a:fillRef idx="1">
+            <a:schemeClr val="lt1"/>
+          </a:fillRef>
+          <a:effectRef idx="0">
+            <a:schemeClr val="accent1"/>
+          </a:effectRef>
+          <a:fontRef idx="minor">
+            <a:schemeClr val="dk1"/>
+          </a:fontRef>
+        </p:style>
+        <p:txBody>
+          <a:bodyPr rtlCol="0" anchor="ctr"/>
+          <a:lstStyle/>
+          <a:p>
+            <a:pPr algn="ctr">
+              <a:lnSpc>
+                <a:spcPct val="90000"/>
+              </a:lnSpc>
+              <a:spcBef>
+                <a:spcPts val="600"/>
+              </a:spcBef>
+            </a:pPr>
+            <a:r>
+              <a:rPr lang="en-US" altLang="zh-CN" sz="1400" dirty="0"/>
+              <a:t>Train Data </a:t>
+            </a:r>
+            <a:r>
+              <a:rPr lang="en-US" altLang="zh-CN" sz="1400" dirty="0" smtClean="0"/>
+              <a:t>(norm logs)</a:t>
+            </a:r>
+            <a:endParaRPr lang="zh-CN" altLang="en-US" sz="1400" dirty="0" err="1"/>
+          </a:p>
+        </p:txBody>
+      </p:sp>
+      <p:sp>
+        <p:nvSpPr>
+          <p:cNvPr id="59" name="Pentagon 58"/>
+          <p:cNvSpPr/>
+          <p:nvPr/>
+        </p:nvSpPr>
+        <p:spPr>
+          <a:xfrm>
+            <a:off x="163589" y="2394822"/>
+            <a:ext cx="1109859" cy="484632"/>
+          </a:xfrm>
+          <a:prstGeom prst="homePlate">
+            <a:avLst/>
+          </a:prstGeom>
+          <a:ln/>
+        </p:spPr>
+        <p:style>
+          <a:lnRef idx="2">
+            <a:schemeClr val="accent1"/>
+          </a:lnRef>
+          <a:fillRef idx="1">
+            <a:schemeClr val="lt1"/>
+          </a:fillRef>
+          <a:effectRef idx="0">
+            <a:schemeClr val="accent1"/>
+          </a:effectRef>
+          <a:fontRef idx="minor">
+            <a:schemeClr val="dk1"/>
+          </a:fontRef>
+        </p:style>
+        <p:txBody>
+          <a:bodyPr rtlCol="0" anchor="ctr"/>
+          <a:lstStyle/>
+          <a:p>
+            <a:pPr algn="ctr">
+              <a:lnSpc>
+                <a:spcPct val="90000"/>
+              </a:lnSpc>
+              <a:spcBef>
+                <a:spcPts val="600"/>
+              </a:spcBef>
+            </a:pPr>
+            <a:r>
+              <a:rPr lang="en-US" altLang="zh-CN" sz="1400" dirty="0"/>
+              <a:t>Train Data </a:t>
+            </a:r>
+            <a:r>
+              <a:rPr lang="en-US" altLang="zh-CN" sz="1400" dirty="0" smtClean="0"/>
+              <a:t>(raw logs)</a:t>
+            </a:r>
+            <a:endParaRPr lang="zh-CN" altLang="en-US" sz="1400" dirty="0" err="1"/>
+          </a:p>
+        </p:txBody>
+      </p:sp>
+      <p:sp>
+        <p:nvSpPr>
+          <p:cNvPr id="64" name="Rectangle 63"/>
+          <p:cNvSpPr/>
+          <p:nvPr/>
+        </p:nvSpPr>
+        <p:spPr>
+          <a:xfrm>
+            <a:off x="4538443" y="1943028"/>
+            <a:ext cx="4626105" cy="3404951"/>
+          </a:xfrm>
+          <a:prstGeom prst="rect">
+            <a:avLst/>
+          </a:prstGeom>
+          <a:ln/>
+        </p:spPr>
+        <p:style>
+          <a:lnRef idx="2">
+            <a:schemeClr val="dk1"/>
+          </a:lnRef>
+          <a:fillRef idx="1">
+            <a:schemeClr val="lt1"/>
+          </a:fillRef>
+          <a:effectRef idx="0">
+            <a:schemeClr val="dk1"/>
+          </a:effectRef>
+          <a:fontRef idx="minor">
+            <a:schemeClr val="dk1"/>
+          </a:fontRef>
+        </p:style>
+        <p:txBody>
+          <a:bodyPr rtlCol="0" anchor="ctr"/>
+          <a:lstStyle/>
+          <a:p>
+            <a:pPr algn="ctr">
+              <a:lnSpc>
+                <a:spcPct val="90000"/>
+              </a:lnSpc>
+              <a:spcBef>
+                <a:spcPts val="600"/>
+              </a:spcBef>
+            </a:pPr>
+            <a:endParaRPr lang="zh-CN" altLang="en-US" sz="2000" b="1" dirty="0" err="1"/>
+          </a:p>
+        </p:txBody>
+      </p:sp>
+      <p:sp>
+        <p:nvSpPr>
+          <p:cNvPr id="66" name="Rounded Rectangle 65"/>
+          <p:cNvSpPr/>
+          <p:nvPr/>
+        </p:nvSpPr>
+        <p:spPr>
+          <a:xfrm>
+            <a:off x="4874613" y="2053722"/>
+            <a:ext cx="1104901" cy="3233953"/>
+          </a:xfrm>
+          <a:prstGeom prst="roundRect">
+            <a:avLst/>
+          </a:prstGeom>
+          <a:ln>
+            <a:solidFill>
+              <a:schemeClr val="tx1"/>
+            </a:solidFill>
+          </a:ln>
+        </p:spPr>
+        <p:style>
+          <a:lnRef idx="2">
+            <a:schemeClr val="accent1"/>
+          </a:lnRef>
+          <a:fillRef idx="1">
+            <a:schemeClr val="lt1"/>
+          </a:fillRef>
+          <a:effectRef idx="0">
+            <a:schemeClr val="accent1"/>
+          </a:effectRef>
+          <a:fontRef idx="minor">
+            <a:schemeClr val="dk1"/>
+          </a:fontRef>
+        </p:style>
+        <p:txBody>
+          <a:bodyPr rtlCol="0" anchor="ctr"/>
+          <a:lstStyle/>
+          <a:p>
+            <a:pPr algn="ctr">
+              <a:lnSpc>
+                <a:spcPct val="90000"/>
+              </a:lnSpc>
+              <a:spcBef>
+                <a:spcPts val="600"/>
+              </a:spcBef>
+            </a:pPr>
+            <a:r>
+              <a:rPr lang="en-US" altLang="zh-CN" sz="1400" dirty="0" smtClean="0"/>
+              <a:t>Knowledge base</a:t>
+            </a:r>
+            <a:endParaRPr lang="zh-CN" altLang="en-US" sz="1400" dirty="0" err="1"/>
+          </a:p>
+        </p:txBody>
+      </p:sp>
+      <p:sp>
+        <p:nvSpPr>
+          <p:cNvPr id="41" name="Pentagon 40"/>
+          <p:cNvSpPr/>
+          <p:nvPr/>
+        </p:nvSpPr>
+        <p:spPr>
+          <a:xfrm>
+            <a:off x="3295527" y="4452743"/>
+            <a:ext cx="1476820" cy="484094"/>
+          </a:xfrm>
+          <a:prstGeom prst="homePlate">
+            <a:avLst/>
+          </a:prstGeom>
+          <a:ln/>
+        </p:spPr>
+        <p:style>
+          <a:lnRef idx="2">
+            <a:schemeClr val="accent2"/>
+          </a:lnRef>
+          <a:fillRef idx="1">
+            <a:schemeClr val="lt1"/>
+          </a:fillRef>
+          <a:effectRef idx="0">
+            <a:schemeClr val="accent2"/>
+          </a:effectRef>
+          <a:fontRef idx="minor">
+            <a:schemeClr val="dk1"/>
+          </a:fontRef>
+        </p:style>
+        <p:txBody>
+          <a:bodyPr rtlCol="0" anchor="ctr"/>
+          <a:lstStyle/>
+          <a:p>
+            <a:pPr algn="ctr">
+              <a:lnSpc>
+                <a:spcPct val="90000"/>
+              </a:lnSpc>
+              <a:spcBef>
+                <a:spcPts val="600"/>
+              </a:spcBef>
+            </a:pPr>
+            <a:r>
+              <a:rPr lang="en-US" altLang="zh-CN" sz="1400" dirty="0" smtClean="0"/>
+              <a:t>Test Data </a:t>
+            </a:r>
+          </a:p>
+          <a:p>
+            <a:pPr algn="ctr">
+              <a:lnSpc>
+                <a:spcPct val="90000"/>
+              </a:lnSpc>
+              <a:spcBef>
+                <a:spcPts val="600"/>
+              </a:spcBef>
+            </a:pPr>
+            <a:r>
+              <a:rPr lang="en-US" altLang="zh-CN" sz="1400" dirty="0"/>
+              <a:t>(structured logs</a:t>
+            </a:r>
+            <a:r>
+              <a:rPr lang="en-US" altLang="zh-CN" sz="1400" dirty="0" smtClean="0"/>
+              <a:t>)</a:t>
+            </a:r>
+            <a:endParaRPr lang="zh-CN" altLang="en-US" sz="1400" dirty="0"/>
+          </a:p>
+        </p:txBody>
+      </p:sp>
+      <p:sp>
+        <p:nvSpPr>
+          <p:cNvPr id="40" name="Pentagon 39"/>
+          <p:cNvSpPr/>
+          <p:nvPr/>
+        </p:nvSpPr>
+        <p:spPr>
+          <a:xfrm>
+            <a:off x="3295526" y="2255178"/>
+            <a:ext cx="1564784" cy="633006"/>
+          </a:xfrm>
+          <a:prstGeom prst="homePlate">
+            <a:avLst/>
+          </a:prstGeom>
+          <a:ln/>
+        </p:spPr>
+        <p:style>
+          <a:lnRef idx="2">
+            <a:schemeClr val="accent1"/>
+          </a:lnRef>
+          <a:fillRef idx="1">
+            <a:schemeClr val="lt1"/>
+          </a:fillRef>
+          <a:effectRef idx="0">
+            <a:schemeClr val="accent1"/>
+          </a:effectRef>
+          <a:fontRef idx="minor">
+            <a:schemeClr val="dk1"/>
+          </a:fontRef>
+        </p:style>
+        <p:txBody>
+          <a:bodyPr rtlCol="0" anchor="ctr"/>
+          <a:lstStyle/>
+          <a:p>
+            <a:pPr algn="ctr">
+              <a:lnSpc>
+                <a:spcPct val="90000"/>
+              </a:lnSpc>
+              <a:spcBef>
+                <a:spcPts val="600"/>
+              </a:spcBef>
+            </a:pPr>
+            <a:r>
+              <a:rPr lang="en-US" altLang="zh-CN" sz="1400" dirty="0"/>
+              <a:t>Train Data </a:t>
+            </a:r>
+            <a:endParaRPr lang="en-US" altLang="zh-CN" sz="1400" dirty="0" smtClean="0"/>
+          </a:p>
+          <a:p>
+            <a:pPr algn="ctr">
+              <a:lnSpc>
+                <a:spcPct val="90000"/>
+              </a:lnSpc>
+              <a:spcBef>
+                <a:spcPts val="600"/>
+              </a:spcBef>
+            </a:pPr>
+            <a:r>
+              <a:rPr lang="en-US" altLang="zh-CN" sz="1400" dirty="0" smtClean="0"/>
+              <a:t>(structured </a:t>
+            </a:r>
+            <a:r>
+              <a:rPr lang="en-US" altLang="zh-CN" sz="1400" dirty="0" smtClean="0"/>
+              <a:t>logs)</a:t>
+            </a:r>
+            <a:endParaRPr lang="zh-CN" altLang="en-US" sz="1400" dirty="0" err="1"/>
+          </a:p>
+        </p:txBody>
+      </p:sp>
+      <p:sp>
+        <p:nvSpPr>
+          <p:cNvPr id="68" name="Pentagon 67"/>
+          <p:cNvSpPr/>
+          <p:nvPr/>
+        </p:nvSpPr>
+        <p:spPr>
+          <a:xfrm>
+            <a:off x="1751929" y="4452743"/>
+            <a:ext cx="1169074" cy="484632"/>
+          </a:xfrm>
+          <a:prstGeom prst="homePlate">
+            <a:avLst/>
+          </a:prstGeom>
+          <a:ln/>
+        </p:spPr>
+        <p:style>
+          <a:lnRef idx="2">
+            <a:schemeClr val="accent2"/>
+          </a:lnRef>
+          <a:fillRef idx="1">
+            <a:schemeClr val="lt1"/>
+          </a:fillRef>
+          <a:effectRef idx="0">
+            <a:schemeClr val="accent2"/>
+          </a:effectRef>
+          <a:fontRef idx="minor">
+            <a:schemeClr val="dk1"/>
+          </a:fontRef>
+        </p:style>
+        <p:txBody>
+          <a:bodyPr rtlCol="0" anchor="ctr"/>
+          <a:lstStyle/>
+          <a:p>
+            <a:pPr algn="ctr">
+              <a:lnSpc>
+                <a:spcPct val="90000"/>
+              </a:lnSpc>
+              <a:spcBef>
+                <a:spcPts val="600"/>
+              </a:spcBef>
+            </a:pPr>
+            <a:r>
+              <a:rPr lang="en-US" altLang="zh-CN" sz="1400" dirty="0"/>
+              <a:t>Test Data </a:t>
+            </a:r>
+            <a:r>
+              <a:rPr lang="en-US" altLang="zh-CN" sz="1400" dirty="0" smtClean="0"/>
+              <a:t>(norm logs)</a:t>
+            </a:r>
+            <a:endParaRPr lang="zh-CN" altLang="en-US" sz="1400" dirty="0" err="1"/>
+          </a:p>
+        </p:txBody>
+      </p:sp>
+      <p:sp>
+        <p:nvSpPr>
+          <p:cNvPr id="69" name="Title 2"/>
+          <p:cNvSpPr txBox="1">
+            <a:spLocks/>
+          </p:cNvSpPr>
+          <p:nvPr/>
+        </p:nvSpPr>
+        <p:spPr bwMode="gray">
+          <a:xfrm>
+            <a:off x="5682953" y="1729549"/>
+            <a:ext cx="2547931" cy="156966"/>
+          </a:xfrm>
+          <a:prstGeom prst="rect">
+            <a:avLst/>
+          </a:prstGeom>
+        </p:spPr>
+        <p:txBody>
+          <a:bodyPr vert="horz" wrap="square" lIns="0" tIns="0" rIns="0" bIns="0" rtlCol="0" anchor="ctr">
+            <a:spAutoFit/>
+          </a:bodyPr>
+          <a:lstStyle>
+            <a:lvl1pPr marL="0" marR="0" indent="0" algn="l" defTabSz="685800" rtl="0" eaLnBrk="1" latinLnBrk="0" hangingPunct="1">
+              <a:lnSpc>
+                <a:spcPct val="85000"/>
+              </a:lnSpc>
+              <a:spcBef>
+                <a:spcPct val="0"/>
+              </a:spcBef>
+              <a:spcAft>
+                <a:spcPts val="0"/>
+              </a:spcAft>
+              <a:buNone/>
+              <a:defRPr sz="2100" b="1" kern="1200" cap="none" baseline="0">
+                <a:solidFill>
+                  <a:schemeClr val="tx2"/>
+                </a:solidFill>
+                <a:latin typeface="+mj-lt"/>
+                <a:ea typeface="+mj-ea"/>
+                <a:cs typeface="Arial" pitchFamily="34" charset="0"/>
+              </a:defRPr>
+            </a:lvl1pPr>
+          </a:lstStyle>
+          <a:p>
+            <a:pPr algn="ctr"/>
+            <a:r>
+              <a:rPr lang="en-US" sz="1200" dirty="0" smtClean="0">
+                <a:solidFill>
+                  <a:schemeClr val="tx1"/>
+                </a:solidFill>
+              </a:rPr>
+              <a:t>Knowledgebase retrieve &amp; error set build</a:t>
+            </a:r>
+            <a:endParaRPr lang="en-US" sz="1200" dirty="0">
+              <a:solidFill>
+                <a:schemeClr val="tx1"/>
+              </a:solidFill>
+            </a:endParaRPr>
+          </a:p>
+        </p:txBody>
+      </p:sp>
+      <p:sp>
+        <p:nvSpPr>
+          <p:cNvPr id="24" name="Pentagon 23"/>
+          <p:cNvSpPr/>
+          <p:nvPr/>
+        </p:nvSpPr>
+        <p:spPr>
+          <a:xfrm>
+            <a:off x="158683" y="2888184"/>
+            <a:ext cx="1114765" cy="284445"/>
+          </a:xfrm>
+          <a:prstGeom prst="homePlate">
+            <a:avLst/>
+          </a:prstGeom>
+          <a:ln/>
+        </p:spPr>
+        <p:style>
+          <a:lnRef idx="2">
+            <a:schemeClr val="accent1"/>
+          </a:lnRef>
+          <a:fillRef idx="1">
+            <a:schemeClr val="lt1"/>
+          </a:fillRef>
+          <a:effectRef idx="0">
+            <a:schemeClr val="accent1"/>
+          </a:effectRef>
+          <a:fontRef idx="minor">
+            <a:schemeClr val="dk1"/>
+          </a:fontRef>
+        </p:style>
+        <p:txBody>
+          <a:bodyPr rtlCol="0" anchor="ctr"/>
+          <a:lstStyle/>
+          <a:p>
+            <a:pPr algn="ctr">
+              <a:lnSpc>
+                <a:spcPct val="90000"/>
+              </a:lnSpc>
+              <a:spcBef>
+                <a:spcPts val="600"/>
+              </a:spcBef>
+            </a:pPr>
+            <a:r>
+              <a:rPr lang="en-US" altLang="zh-CN" sz="1400" dirty="0" smtClean="0"/>
+              <a:t>Class Label</a:t>
+            </a:r>
+            <a:endParaRPr lang="zh-CN" altLang="en-US" sz="1400" dirty="0" err="1"/>
+          </a:p>
+        </p:txBody>
+      </p:sp>
+      <p:sp>
+        <p:nvSpPr>
+          <p:cNvPr id="25" name="Pentagon 24"/>
+          <p:cNvSpPr/>
+          <p:nvPr/>
+        </p:nvSpPr>
+        <p:spPr>
+          <a:xfrm>
+            <a:off x="1741338" y="2879454"/>
+            <a:ext cx="1114765" cy="284445"/>
+          </a:xfrm>
+          <a:prstGeom prst="homePlate">
+            <a:avLst/>
+          </a:prstGeom>
+          <a:ln/>
+        </p:spPr>
+        <p:style>
+          <a:lnRef idx="2">
+            <a:schemeClr val="accent1"/>
+          </a:lnRef>
+          <a:fillRef idx="1">
+            <a:schemeClr val="lt1"/>
+          </a:fillRef>
+          <a:effectRef idx="0">
+            <a:schemeClr val="accent1"/>
+          </a:effectRef>
+          <a:fontRef idx="minor">
+            <a:schemeClr val="dk1"/>
+          </a:fontRef>
+        </p:style>
+        <p:txBody>
+          <a:bodyPr rtlCol="0" anchor="ctr"/>
+          <a:lstStyle/>
+          <a:p>
+            <a:pPr algn="ctr">
+              <a:lnSpc>
+                <a:spcPct val="90000"/>
+              </a:lnSpc>
+              <a:spcBef>
+                <a:spcPts val="600"/>
+              </a:spcBef>
+            </a:pPr>
+            <a:r>
+              <a:rPr lang="en-US" altLang="zh-CN" sz="1400" dirty="0" smtClean="0"/>
+              <a:t>Class Label</a:t>
+            </a:r>
+            <a:endParaRPr lang="zh-CN" altLang="en-US" sz="1400" dirty="0" err="1"/>
+          </a:p>
+        </p:txBody>
+      </p:sp>
+      <p:sp>
+        <p:nvSpPr>
+          <p:cNvPr id="26" name="Pentagon 25"/>
+          <p:cNvSpPr/>
+          <p:nvPr/>
+        </p:nvSpPr>
+        <p:spPr>
+          <a:xfrm>
+            <a:off x="3301211" y="2888184"/>
+            <a:ext cx="1378668" cy="284445"/>
+          </a:xfrm>
+          <a:prstGeom prst="homePlate">
+            <a:avLst/>
+          </a:prstGeom>
+          <a:ln/>
+        </p:spPr>
+        <p:style>
+          <a:lnRef idx="2">
+            <a:schemeClr val="accent1"/>
+          </a:lnRef>
+          <a:fillRef idx="1">
+            <a:schemeClr val="lt1"/>
+          </a:fillRef>
+          <a:effectRef idx="0">
+            <a:schemeClr val="accent1"/>
+          </a:effectRef>
+          <a:fontRef idx="minor">
+            <a:schemeClr val="dk1"/>
+          </a:fontRef>
+        </p:style>
+        <p:txBody>
+          <a:bodyPr rtlCol="0" anchor="ctr"/>
+          <a:lstStyle/>
+          <a:p>
+            <a:pPr algn="ctr">
+              <a:lnSpc>
+                <a:spcPct val="90000"/>
+              </a:lnSpc>
+              <a:spcBef>
+                <a:spcPts val="600"/>
+              </a:spcBef>
+            </a:pPr>
+            <a:r>
+              <a:rPr lang="en-US" altLang="zh-CN" sz="1400" dirty="0" smtClean="0"/>
+              <a:t>Class Label</a:t>
+            </a:r>
+            <a:endParaRPr lang="zh-CN" altLang="en-US" sz="1400" dirty="0" err="1"/>
+          </a:p>
+        </p:txBody>
+      </p:sp>
+      <p:sp>
+        <p:nvSpPr>
+          <p:cNvPr id="27" name="Rectangle 26"/>
+          <p:cNvSpPr/>
+          <p:nvPr/>
+        </p:nvSpPr>
+        <p:spPr>
+          <a:xfrm>
+            <a:off x="6825436" y="2128466"/>
+            <a:ext cx="411607" cy="1542233"/>
+          </a:xfrm>
+          <a:prstGeom prst="rect">
+            <a:avLst/>
+          </a:prstGeom>
+          <a:ln/>
+        </p:spPr>
+        <p:style>
+          <a:lnRef idx="2">
+            <a:schemeClr val="dk1"/>
+          </a:lnRef>
+          <a:fillRef idx="1">
+            <a:schemeClr val="lt1"/>
+          </a:fillRef>
+          <a:effectRef idx="0">
+            <a:schemeClr val="dk1"/>
+          </a:effectRef>
+          <a:fontRef idx="minor">
+            <a:schemeClr val="dk1"/>
+          </a:fontRef>
+        </p:style>
+        <p:txBody>
+          <a:bodyPr rtlCol="0" anchor="ctr"/>
+          <a:lstStyle/>
+          <a:p>
+            <a:pPr algn="ctr">
+              <a:lnSpc>
+                <a:spcPct val="90000"/>
+              </a:lnSpc>
+              <a:spcBef>
+                <a:spcPts val="600"/>
+              </a:spcBef>
+            </a:pPr>
+            <a:endParaRPr lang="zh-CN" altLang="en-US" sz="2000" b="1" dirty="0" err="1"/>
+          </a:p>
+        </p:txBody>
+      </p:sp>
+      <p:sp>
+        <p:nvSpPr>
+          <p:cNvPr id="28" name="Rectangle 27"/>
+          <p:cNvSpPr/>
+          <p:nvPr/>
+        </p:nvSpPr>
+        <p:spPr>
+          <a:xfrm>
+            <a:off x="6825436" y="4222679"/>
+            <a:ext cx="411607" cy="951981"/>
+          </a:xfrm>
+          <a:prstGeom prst="rect">
+            <a:avLst/>
+          </a:prstGeom>
+          <a:ln/>
+        </p:spPr>
+        <p:style>
+          <a:lnRef idx="2">
+            <a:schemeClr val="dk1"/>
+          </a:lnRef>
+          <a:fillRef idx="1">
+            <a:schemeClr val="lt1"/>
+          </a:fillRef>
+          <a:effectRef idx="0">
+            <a:schemeClr val="dk1"/>
+          </a:effectRef>
+          <a:fontRef idx="minor">
+            <a:schemeClr val="dk1"/>
+          </a:fontRef>
+        </p:style>
+        <p:txBody>
+          <a:bodyPr rtlCol="0" anchor="ctr"/>
+          <a:lstStyle/>
+          <a:p>
+            <a:pPr algn="ctr">
+              <a:lnSpc>
+                <a:spcPct val="90000"/>
+              </a:lnSpc>
+              <a:spcBef>
+                <a:spcPts val="600"/>
+              </a:spcBef>
+            </a:pPr>
+            <a:endParaRPr lang="zh-CN" altLang="en-US" sz="2000" b="1" dirty="0" err="1"/>
+          </a:p>
+        </p:txBody>
+      </p:sp>
+      <p:cxnSp>
+        <p:nvCxnSpPr>
+          <p:cNvPr id="29" name="Straight Connector 28"/>
+          <p:cNvCxnSpPr>
+            <a:stCxn id="27" idx="0"/>
+            <a:endCxn id="27" idx="2"/>
+          </p:cNvCxnSpPr>
+          <p:nvPr/>
+        </p:nvCxnSpPr>
+        <p:spPr>
+          <a:xfrm>
+            <a:off x="7031240" y="2128466"/>
+            <a:ext cx="0" cy="1542233"/>
+          </a:xfrm>
+          <a:prstGeom prst="line">
+            <a:avLst/>
+          </a:prstGeom>
+          <a:ln w="9525" cap="flat" cmpd="sng" algn="ctr">
+            <a:solidFill>
+              <a:schemeClr val="dk1"/>
+            </a:solidFill>
+            <a:prstDash val="dash"/>
+            <a:round/>
+            <a:headEnd type="none" w="med" len="med"/>
+            <a:tailEnd type="none" w="med" len="med"/>
+          </a:ln>
+        </p:spPr>
+        <p:style>
+          <a:lnRef idx="0">
+            <a:scrgbClr r="0" g="0" b="0"/>
+          </a:lnRef>
+          <a:fillRef idx="0">
+            <a:scrgbClr r="0" g="0" b="0"/>
+          </a:fillRef>
+          <a:effectRef idx="0">
+            <a:scrgbClr r="0" g="0" b="0"/>
+          </a:effectRef>
+          <a:fontRef idx="minor">
+            <a:schemeClr val="tx1"/>
+          </a:fontRef>
+        </p:style>
+      </p:cxnSp>
+      <p:cxnSp>
+        <p:nvCxnSpPr>
+          <p:cNvPr id="35" name="Straight Connector 34"/>
+          <p:cNvCxnSpPr>
+            <a:stCxn id="28" idx="0"/>
+          </p:cNvCxnSpPr>
+          <p:nvPr/>
+        </p:nvCxnSpPr>
+        <p:spPr>
+          <a:xfrm>
+            <a:off x="7031240" y="4222679"/>
+            <a:ext cx="0" cy="951981"/>
+          </a:xfrm>
+          <a:prstGeom prst="line">
+            <a:avLst/>
+          </a:prstGeom>
+          <a:ln w="9525" cap="flat" cmpd="sng" algn="ctr">
+            <a:solidFill>
+              <a:schemeClr val="dk1"/>
+            </a:solidFill>
+            <a:prstDash val="dash"/>
+            <a:round/>
+            <a:headEnd type="none" w="med" len="med"/>
+            <a:tailEnd type="none" w="med" len="med"/>
+          </a:ln>
+        </p:spPr>
+        <p:style>
+          <a:lnRef idx="0">
+            <a:scrgbClr r="0" g="0" b="0"/>
+          </a:lnRef>
+          <a:fillRef idx="0">
+            <a:scrgbClr r="0" g="0" b="0"/>
+          </a:fillRef>
+          <a:effectRef idx="0">
+            <a:scrgbClr r="0" g="0" b="0"/>
+          </a:effectRef>
+          <a:fontRef idx="minor">
+            <a:schemeClr val="tx1"/>
+          </a:fontRef>
+        </p:style>
+      </p:cxnSp>
+      <p:sp>
+        <p:nvSpPr>
+          <p:cNvPr id="7" name="Rectangle 6"/>
+          <p:cNvSpPr/>
+          <p:nvPr/>
+        </p:nvSpPr>
+        <p:spPr>
+          <a:xfrm>
+            <a:off x="6574039" y="2255178"/>
+            <a:ext cx="914400" cy="390418"/>
+          </a:xfrm>
+          <a:prstGeom prst="rect">
+            <a:avLst/>
+          </a:prstGeom>
+          <a:noFill/>
+          <a:ln w="9525" cap="flat" cmpd="sng" algn="ctr">
+            <a:solidFill>
+              <a:schemeClr val="dk1"/>
+            </a:solidFill>
+            <a:prstDash val="solid"/>
+            <a:round/>
+            <a:headEnd type="none" w="med" len="med"/>
+            <a:tailEnd type="none" w="med" len="med"/>
+          </a:ln>
+        </p:spPr>
+        <p:style>
+          <a:lnRef idx="0">
+            <a:scrgbClr r="0" g="0" b="0"/>
+          </a:lnRef>
+          <a:fillRef idx="0">
+            <a:scrgbClr r="0" g="0" b="0"/>
+          </a:fillRef>
+          <a:effectRef idx="0">
+            <a:scrgbClr r="0" g="0" b="0"/>
+          </a:effectRef>
+          <a:fontRef idx="minor">
+            <a:schemeClr val="dk1"/>
+          </a:fontRef>
+        </p:style>
+        <p:txBody>
+          <a:bodyPr rtlCol="0" anchor="ctr"/>
+          <a:lstStyle/>
+          <a:p>
+            <a:pPr algn="ctr"/>
+            <a:endParaRPr lang="en-US"/>
+          </a:p>
+        </p:txBody>
+      </p:sp>
+      <p:sp>
+        <p:nvSpPr>
+          <p:cNvPr id="37" name="Rectangle 36"/>
+          <p:cNvSpPr/>
+          <p:nvPr/>
+        </p:nvSpPr>
+        <p:spPr>
+          <a:xfrm>
+            <a:off x="6574039" y="2922498"/>
+            <a:ext cx="914400" cy="390418"/>
+          </a:xfrm>
+          <a:prstGeom prst="rect">
+            <a:avLst/>
+          </a:prstGeom>
+          <a:noFill/>
+          <a:ln w="9525" cap="flat" cmpd="sng" algn="ctr">
+            <a:solidFill>
+              <a:schemeClr val="dk1"/>
+            </a:solidFill>
+            <a:prstDash val="solid"/>
+            <a:round/>
+            <a:headEnd type="none" w="med" len="med"/>
+            <a:tailEnd type="none" w="med" len="med"/>
+          </a:ln>
+        </p:spPr>
+        <p:style>
+          <a:lnRef idx="0">
+            <a:scrgbClr r="0" g="0" b="0"/>
+          </a:lnRef>
+          <a:fillRef idx="0">
+            <a:scrgbClr r="0" g="0" b="0"/>
+          </a:fillRef>
+          <a:effectRef idx="0">
+            <a:scrgbClr r="0" g="0" b="0"/>
+          </a:effectRef>
+          <a:fontRef idx="minor">
+            <a:schemeClr val="dk1"/>
+          </a:fontRef>
+        </p:style>
+        <p:txBody>
+          <a:bodyPr rtlCol="0" anchor="ctr"/>
+          <a:lstStyle/>
+          <a:p>
+            <a:pPr algn="ctr"/>
+            <a:endParaRPr lang="en-US"/>
+          </a:p>
+        </p:txBody>
+      </p:sp>
+      <p:sp>
+        <p:nvSpPr>
+          <p:cNvPr id="42" name="Rectangle 41"/>
+          <p:cNvSpPr/>
+          <p:nvPr/>
+        </p:nvSpPr>
+        <p:spPr>
+          <a:xfrm>
+            <a:off x="6574039" y="4495747"/>
+            <a:ext cx="914400" cy="390418"/>
+          </a:xfrm>
+          <a:prstGeom prst="rect">
+            <a:avLst/>
+          </a:prstGeom>
+          <a:noFill/>
+          <a:ln w="9525" cap="flat" cmpd="sng" algn="ctr">
+            <a:solidFill>
+              <a:schemeClr val="dk1"/>
+            </a:solidFill>
+            <a:prstDash val="solid"/>
+            <a:round/>
+            <a:headEnd type="none" w="med" len="med"/>
+            <a:tailEnd type="none" w="med" len="med"/>
+          </a:ln>
+        </p:spPr>
+        <p:style>
+          <a:lnRef idx="0">
+            <a:scrgbClr r="0" g="0" b="0"/>
+          </a:lnRef>
+          <a:fillRef idx="0">
+            <a:scrgbClr r="0" g="0" b="0"/>
+          </a:fillRef>
+          <a:effectRef idx="0">
+            <a:scrgbClr r="0" g="0" b="0"/>
+          </a:effectRef>
+          <a:fontRef idx="minor">
+            <a:schemeClr val="dk1"/>
+          </a:fontRef>
+        </p:style>
+        <p:txBody>
+          <a:bodyPr rtlCol="0" anchor="ctr"/>
+          <a:lstStyle/>
+          <a:p>
+            <a:pPr algn="ctr"/>
+            <a:endParaRPr lang="en-US"/>
+          </a:p>
+        </p:txBody>
+      </p:sp>
+      <p:cxnSp>
+        <p:nvCxnSpPr>
+          <p:cNvPr id="12" name="Curved Connector 11"/>
+          <p:cNvCxnSpPr/>
+          <p:nvPr/>
+        </p:nvCxnSpPr>
+        <p:spPr>
+          <a:xfrm>
+            <a:off x="5495886" y="2307140"/>
+            <a:ext cx="1461032" cy="143247"/>
+          </a:xfrm>
+          <a:prstGeom prst="curvedConnector3">
+            <a:avLst/>
+          </a:prstGeom>
+          <a:ln>
+            <a:tailEnd type="triangle"/>
+          </a:ln>
+        </p:spPr>
+        <p:style>
+          <a:lnRef idx="1">
+            <a:schemeClr val="accent1"/>
+          </a:lnRef>
+          <a:fillRef idx="0">
+            <a:schemeClr val="accent1"/>
+          </a:fillRef>
+          <a:effectRef idx="0">
+            <a:schemeClr val="accent1"/>
+          </a:effectRef>
+          <a:fontRef idx="minor">
+            <a:schemeClr val="tx1"/>
+          </a:fontRef>
+        </p:style>
+      </p:cxnSp>
+      <p:cxnSp>
+        <p:nvCxnSpPr>
+          <p:cNvPr id="45" name="Curved Connector 44"/>
+          <p:cNvCxnSpPr/>
+          <p:nvPr/>
+        </p:nvCxnSpPr>
+        <p:spPr>
+          <a:xfrm flipV="1">
+            <a:off x="5457393" y="3110433"/>
+            <a:ext cx="1514770" cy="1042157"/>
+          </a:xfrm>
+          <a:prstGeom prst="curvedConnector3">
+            <a:avLst/>
+          </a:prstGeom>
+          <a:ln>
+            <a:tailEnd type="triangle"/>
+          </a:ln>
+        </p:spPr>
+        <p:style>
+          <a:lnRef idx="1">
+            <a:schemeClr val="accent1"/>
+          </a:lnRef>
+          <a:fillRef idx="0">
+            <a:schemeClr val="accent1"/>
+          </a:fillRef>
+          <a:effectRef idx="0">
+            <a:schemeClr val="accent1"/>
+          </a:effectRef>
+          <a:fontRef idx="minor">
+            <a:schemeClr val="tx1"/>
+          </a:fontRef>
+        </p:style>
+      </p:cxnSp>
+      <p:cxnSp>
+        <p:nvCxnSpPr>
+          <p:cNvPr id="30" name="Straight Connector 29"/>
+          <p:cNvCxnSpPr/>
+          <p:nvPr/>
+        </p:nvCxnSpPr>
+        <p:spPr>
+          <a:xfrm>
+            <a:off x="5460931" y="2255178"/>
+            <a:ext cx="1195" cy="1104471"/>
+          </a:xfrm>
+          <a:prstGeom prst="line">
+            <a:avLst/>
+          </a:prstGeom>
+          <a:ln w="19050" cap="flat" cmpd="sng" algn="ctr">
+            <a:solidFill>
+              <a:schemeClr val="dk1"/>
+            </a:solidFill>
+            <a:prstDash val="dash"/>
+            <a:round/>
+            <a:headEnd type="none" w="med" len="med"/>
+            <a:tailEnd type="none" w="med" len="med"/>
+          </a:ln>
+        </p:spPr>
+        <p:style>
+          <a:lnRef idx="0">
+            <a:scrgbClr r="0" g="0" b="0"/>
+          </a:lnRef>
+          <a:fillRef idx="0">
+            <a:scrgbClr r="0" g="0" b="0"/>
+          </a:fillRef>
+          <a:effectRef idx="0">
+            <a:scrgbClr r="0" g="0" b="0"/>
+          </a:effectRef>
+          <a:fontRef idx="minor">
+            <a:schemeClr val="tx1"/>
+          </a:fontRef>
+        </p:style>
+      </p:cxnSp>
+      <p:cxnSp>
+        <p:nvCxnSpPr>
+          <p:cNvPr id="70" name="Straight Connector 69"/>
+          <p:cNvCxnSpPr/>
+          <p:nvPr/>
+        </p:nvCxnSpPr>
+        <p:spPr>
+          <a:xfrm>
+            <a:off x="5457393" y="4020621"/>
+            <a:ext cx="1195" cy="1104471"/>
+          </a:xfrm>
+          <a:prstGeom prst="line">
+            <a:avLst/>
+          </a:prstGeom>
+          <a:ln w="19050" cap="flat" cmpd="sng" algn="ctr">
+            <a:solidFill>
+              <a:schemeClr val="dk1"/>
+            </a:solidFill>
+            <a:prstDash val="dash"/>
+            <a:round/>
+            <a:headEnd type="none" w="med" len="med"/>
+            <a:tailEnd type="none" w="med" len="med"/>
+          </a:ln>
+        </p:spPr>
+        <p:style>
+          <a:lnRef idx="0">
+            <a:scrgbClr r="0" g="0" b="0"/>
+          </a:lnRef>
+          <a:fillRef idx="0">
+            <a:scrgbClr r="0" g="0" b="0"/>
+          </a:fillRef>
+          <a:effectRef idx="0">
+            <a:scrgbClr r="0" g="0" b="0"/>
+          </a:effectRef>
+          <a:fontRef idx="minor">
+            <a:schemeClr val="tx1"/>
+          </a:fontRef>
+        </p:style>
+      </p:cxnSp>
+      <p:cxnSp>
+        <p:nvCxnSpPr>
+          <p:cNvPr id="71" name="Curved Connector 70"/>
+          <p:cNvCxnSpPr>
+            <a:endCxn id="103" idx="2"/>
+          </p:cNvCxnSpPr>
+          <p:nvPr/>
+        </p:nvCxnSpPr>
+        <p:spPr>
+          <a:xfrm>
+            <a:off x="5482016" y="4183784"/>
+            <a:ext cx="1490147" cy="507172"/>
+          </a:xfrm>
+          <a:prstGeom prst="curvedConnector3">
+            <a:avLst/>
+          </a:prstGeom>
+          <a:ln>
+            <a:solidFill>
+              <a:schemeClr val="accent2"/>
+            </a:solidFill>
+            <a:tailEnd type="triangle"/>
+          </a:ln>
+        </p:spPr>
+        <p:style>
+          <a:lnRef idx="1">
+            <a:schemeClr val="accent1"/>
+          </a:lnRef>
+          <a:fillRef idx="0">
+            <a:schemeClr val="accent1"/>
+          </a:fillRef>
+          <a:effectRef idx="0">
+            <a:schemeClr val="accent1"/>
+          </a:effectRef>
+          <a:fontRef idx="minor">
+            <a:schemeClr val="tx1"/>
+          </a:fontRef>
+        </p:style>
+      </p:cxnSp>
+      <p:cxnSp>
+        <p:nvCxnSpPr>
+          <p:cNvPr id="72" name="Curved Connector 71"/>
+          <p:cNvCxnSpPr/>
+          <p:nvPr/>
+        </p:nvCxnSpPr>
+        <p:spPr>
+          <a:xfrm flipV="1">
+            <a:off x="4860310" y="2307140"/>
+            <a:ext cx="539716" cy="264544"/>
+          </a:xfrm>
+          <a:prstGeom prst="curvedConnector3">
+            <a:avLst/>
+          </a:prstGeom>
+          <a:ln>
+            <a:tailEnd type="triangle"/>
+          </a:ln>
+        </p:spPr>
+        <p:style>
+          <a:lnRef idx="1">
+            <a:schemeClr val="accent1"/>
+          </a:lnRef>
+          <a:fillRef idx="0">
+            <a:schemeClr val="accent1"/>
+          </a:fillRef>
+          <a:effectRef idx="0">
+            <a:schemeClr val="accent1"/>
+          </a:effectRef>
+          <a:fontRef idx="minor">
+            <a:schemeClr val="tx1"/>
+          </a:fontRef>
+        </p:style>
+      </p:cxnSp>
+      <p:cxnSp>
+        <p:nvCxnSpPr>
+          <p:cNvPr id="75" name="Curved Connector 74"/>
+          <p:cNvCxnSpPr>
+            <a:stCxn id="41" idx="3"/>
+          </p:cNvCxnSpPr>
+          <p:nvPr/>
+        </p:nvCxnSpPr>
+        <p:spPr>
+          <a:xfrm flipV="1">
+            <a:off x="4772347" y="4183785"/>
+            <a:ext cx="635576" cy="511005"/>
+          </a:xfrm>
+          <a:prstGeom prst="curvedConnector3">
+            <a:avLst>
+              <a:gd name="adj1" fmla="val 50000"/>
+            </a:avLst>
+          </a:prstGeom>
+          <a:ln>
+            <a:solidFill>
+              <a:schemeClr val="accent2"/>
+            </a:solidFill>
+            <a:tailEnd type="triangle"/>
+          </a:ln>
+        </p:spPr>
+        <p:style>
+          <a:lnRef idx="1">
+            <a:schemeClr val="accent1"/>
+          </a:lnRef>
+          <a:fillRef idx="0">
+            <a:schemeClr val="accent1"/>
+          </a:fillRef>
+          <a:effectRef idx="0">
+            <a:schemeClr val="accent1"/>
+          </a:effectRef>
+          <a:fontRef idx="minor">
+            <a:schemeClr val="tx1"/>
+          </a:fontRef>
+        </p:style>
+      </p:cxnSp>
+      <p:cxnSp>
+        <p:nvCxnSpPr>
+          <p:cNvPr id="79" name="Curved Connector 78"/>
+          <p:cNvCxnSpPr/>
+          <p:nvPr/>
+        </p:nvCxnSpPr>
+        <p:spPr>
+          <a:xfrm rot="16200000" flipH="1">
+            <a:off x="4370893" y="3093368"/>
+            <a:ext cx="1542832" cy="499458"/>
+          </a:xfrm>
+          <a:prstGeom prst="curvedConnector3">
+            <a:avLst>
+              <a:gd name="adj1" fmla="val 88291"/>
+            </a:avLst>
+          </a:prstGeom>
+          <a:ln>
+            <a:tailEnd type="triangle"/>
+          </a:ln>
+        </p:spPr>
+        <p:style>
+          <a:lnRef idx="1">
+            <a:schemeClr val="accent1"/>
+          </a:lnRef>
+          <a:fillRef idx="0">
+            <a:schemeClr val="accent1"/>
+          </a:fillRef>
+          <a:effectRef idx="0">
+            <a:schemeClr val="accent1"/>
+          </a:effectRef>
+          <a:fontRef idx="minor">
+            <a:schemeClr val="tx1"/>
+          </a:fontRef>
+        </p:style>
+      </p:cxnSp>
+      <p:sp>
+        <p:nvSpPr>
+          <p:cNvPr id="95" name="Flowchart: Connector 94"/>
+          <p:cNvSpPr/>
+          <p:nvPr/>
+        </p:nvSpPr>
+        <p:spPr>
+          <a:xfrm>
+            <a:off x="6972163" y="2423207"/>
+            <a:ext cx="118153" cy="61701"/>
+          </a:xfrm>
+          <a:prstGeom prst="flowChartConnector">
+            <a:avLst/>
+          </a:prstGeom>
+          <a:solidFill>
+            <a:schemeClr val="bg1"/>
+          </a:solidFill>
+          <a:ln>
+            <a:solidFill>
+              <a:schemeClr val="tx1"/>
+            </a:solidFill>
+          </a:ln>
+        </p:spPr>
+        <p:style>
+          <a:lnRef idx="2">
+            <a:schemeClr val="accent1">
+              <a:shade val="50000"/>
+            </a:schemeClr>
+          </a:lnRef>
+          <a:fillRef idx="1">
+            <a:schemeClr val="accent1"/>
+          </a:fillRef>
+          <a:effectRef idx="0">
+            <a:schemeClr val="accent1"/>
+          </a:effectRef>
+          <a:fontRef idx="minor">
+            <a:schemeClr val="lt1"/>
+          </a:fontRef>
+        </p:style>
+        <p:txBody>
+          <a:bodyPr rtlCol="0" anchor="ctr"/>
+          <a:lstStyle/>
+          <a:p>
+            <a:pPr algn="ctr"/>
+            <a:endParaRPr lang="en-US"/>
+          </a:p>
+        </p:txBody>
+      </p:sp>
+      <p:sp>
+        <p:nvSpPr>
+          <p:cNvPr id="101" name="Flowchart: Connector 100"/>
+          <p:cNvSpPr/>
+          <p:nvPr/>
+        </p:nvSpPr>
+        <p:spPr>
+          <a:xfrm>
+            <a:off x="6958292" y="3083253"/>
+            <a:ext cx="118153" cy="61701"/>
+          </a:xfrm>
+          <a:prstGeom prst="flowChartConnector">
+            <a:avLst/>
+          </a:prstGeom>
+          <a:solidFill>
+            <a:schemeClr val="bg1"/>
+          </a:solidFill>
+          <a:ln>
+            <a:solidFill>
+              <a:schemeClr val="tx1"/>
+            </a:solidFill>
+          </a:ln>
+        </p:spPr>
+        <p:style>
+          <a:lnRef idx="2">
+            <a:schemeClr val="accent1">
+              <a:shade val="50000"/>
+            </a:schemeClr>
+          </a:lnRef>
+          <a:fillRef idx="1">
+            <a:schemeClr val="accent1"/>
+          </a:fillRef>
+          <a:effectRef idx="0">
+            <a:schemeClr val="accent1"/>
+          </a:effectRef>
+          <a:fontRef idx="minor">
+            <a:schemeClr val="lt1"/>
+          </a:fontRef>
+        </p:style>
+        <p:txBody>
+          <a:bodyPr rtlCol="0" anchor="ctr"/>
+          <a:lstStyle/>
+          <a:p>
+            <a:pPr algn="ctr"/>
+            <a:endParaRPr lang="en-US"/>
+          </a:p>
+        </p:txBody>
+      </p:sp>
+      <p:sp>
+        <p:nvSpPr>
+          <p:cNvPr id="103" name="Flowchart: Connector 102"/>
+          <p:cNvSpPr/>
+          <p:nvPr/>
+        </p:nvSpPr>
+        <p:spPr>
+          <a:xfrm>
+            <a:off x="6972163" y="4660105"/>
+            <a:ext cx="118153" cy="61701"/>
+          </a:xfrm>
+          <a:prstGeom prst="flowChartConnector">
+            <a:avLst/>
+          </a:prstGeom>
+          <a:solidFill>
+            <a:schemeClr val="bg1"/>
+          </a:solidFill>
+          <a:ln>
+            <a:solidFill>
+              <a:schemeClr val="tx1"/>
+            </a:solidFill>
+          </a:ln>
+        </p:spPr>
+        <p:style>
+          <a:lnRef idx="2">
+            <a:schemeClr val="accent1">
+              <a:shade val="50000"/>
+            </a:schemeClr>
+          </a:lnRef>
+          <a:fillRef idx="1">
+            <a:schemeClr val="accent1"/>
+          </a:fillRef>
+          <a:effectRef idx="0">
+            <a:schemeClr val="accent1"/>
+          </a:effectRef>
+          <a:fontRef idx="minor">
+            <a:schemeClr val="lt1"/>
+          </a:fontRef>
+        </p:style>
+        <p:txBody>
+          <a:bodyPr rtlCol="0" anchor="ctr"/>
+          <a:lstStyle/>
+          <a:p>
+            <a:pPr algn="ctr"/>
+            <a:endParaRPr lang="en-US"/>
+          </a:p>
+        </p:txBody>
+      </p:sp>
+      <p:sp>
+        <p:nvSpPr>
+          <p:cNvPr id="106" name="Flowchart: Connector 105"/>
+          <p:cNvSpPr/>
+          <p:nvPr/>
+        </p:nvSpPr>
+        <p:spPr>
+          <a:xfrm>
+            <a:off x="5404878" y="2281851"/>
+            <a:ext cx="118153" cy="61701"/>
+          </a:xfrm>
+          <a:prstGeom prst="flowChartConnector">
+            <a:avLst/>
+          </a:prstGeom>
+          <a:solidFill>
+            <a:schemeClr val="bg1"/>
+          </a:solidFill>
+          <a:ln>
+            <a:solidFill>
+              <a:schemeClr val="tx1"/>
+            </a:solidFill>
+          </a:ln>
+        </p:spPr>
+        <p:style>
+          <a:lnRef idx="2">
+            <a:schemeClr val="accent1">
+              <a:shade val="50000"/>
+            </a:schemeClr>
+          </a:lnRef>
+          <a:fillRef idx="1">
+            <a:schemeClr val="accent1"/>
+          </a:fillRef>
+          <a:effectRef idx="0">
+            <a:schemeClr val="accent1"/>
+          </a:effectRef>
+          <a:fontRef idx="minor">
+            <a:schemeClr val="lt1"/>
+          </a:fontRef>
+        </p:style>
+        <p:txBody>
+          <a:bodyPr rtlCol="0" anchor="ctr"/>
+          <a:lstStyle/>
+          <a:p>
+            <a:pPr algn="ctr"/>
+            <a:endParaRPr lang="en-US"/>
+          </a:p>
+        </p:txBody>
+      </p:sp>
+      <p:sp>
+        <p:nvSpPr>
+          <p:cNvPr id="112" name="Flowchart: Connector 111"/>
+          <p:cNvSpPr/>
+          <p:nvPr/>
+        </p:nvSpPr>
+        <p:spPr>
+          <a:xfrm>
+            <a:off x="5392036" y="4152590"/>
+            <a:ext cx="118153" cy="61701"/>
+          </a:xfrm>
+          <a:prstGeom prst="flowChartConnector">
+            <a:avLst/>
+          </a:prstGeom>
+          <a:solidFill>
+            <a:schemeClr val="bg1"/>
+          </a:solidFill>
+          <a:ln>
+            <a:solidFill>
+              <a:schemeClr val="tx1"/>
+            </a:solidFill>
+          </a:ln>
+        </p:spPr>
+        <p:style>
+          <a:lnRef idx="2">
+            <a:schemeClr val="accent1">
+              <a:shade val="50000"/>
+            </a:schemeClr>
+          </a:lnRef>
+          <a:fillRef idx="1">
+            <a:schemeClr val="accent1"/>
+          </a:fillRef>
+          <a:effectRef idx="0">
+            <a:schemeClr val="accent1"/>
+          </a:effectRef>
+          <a:fontRef idx="minor">
+            <a:schemeClr val="lt1"/>
+          </a:fontRef>
+        </p:style>
+        <p:txBody>
+          <a:bodyPr rtlCol="0" anchor="ctr"/>
+          <a:lstStyle/>
+          <a:p>
+            <a:pPr algn="ctr"/>
+            <a:endParaRPr lang="en-US"/>
+          </a:p>
+        </p:txBody>
+      </p:sp>
+      <p:sp>
+        <p:nvSpPr>
+          <p:cNvPr id="118" name="Title 2"/>
+          <p:cNvSpPr txBox="1">
+            <a:spLocks/>
+          </p:cNvSpPr>
+          <p:nvPr/>
+        </p:nvSpPr>
+        <p:spPr bwMode="gray">
+          <a:xfrm>
+            <a:off x="6417979" y="3709594"/>
+            <a:ext cx="1226520" cy="472309"/>
+          </a:xfrm>
+          <a:prstGeom prst="rect">
+            <a:avLst/>
+          </a:prstGeom>
+        </p:spPr>
+        <p:txBody>
+          <a:bodyPr vert="horz" wrap="square" lIns="0" tIns="0" rIns="0" bIns="0" rtlCol="0" anchor="ctr">
+            <a:spAutoFit/>
+          </a:bodyPr>
+          <a:lstStyle>
+            <a:lvl1pPr marL="0" marR="0" indent="0" algn="l" defTabSz="685800" rtl="0" eaLnBrk="1" latinLnBrk="0" hangingPunct="1">
+              <a:lnSpc>
+                <a:spcPct val="85000"/>
+              </a:lnSpc>
+              <a:spcBef>
+                <a:spcPct val="0"/>
+              </a:spcBef>
+              <a:spcAft>
+                <a:spcPts val="0"/>
+              </a:spcAft>
+              <a:buNone/>
+              <a:defRPr sz="2100" b="1" kern="1200" cap="none" baseline="0">
+                <a:solidFill>
+                  <a:schemeClr val="tx2"/>
+                </a:solidFill>
+                <a:latin typeface="+mj-lt"/>
+                <a:ea typeface="+mj-ea"/>
+                <a:cs typeface="Arial" pitchFamily="34" charset="0"/>
+              </a:defRPr>
+            </a:lvl1pPr>
+          </a:lstStyle>
+          <a:p>
+            <a:pPr algn="ctr"/>
+            <a:r>
+              <a:rPr lang="en-US" sz="1200" dirty="0" smtClean="0">
+                <a:solidFill>
+                  <a:schemeClr val="tx1"/>
+                </a:solidFill>
+              </a:rPr>
+              <a:t>Windowing</a:t>
+            </a:r>
+          </a:p>
+          <a:p>
+            <a:pPr algn="ctr"/>
+            <a:r>
+              <a:rPr lang="en-US" sz="1200" dirty="0">
+                <a:solidFill>
+                  <a:schemeClr val="tx1"/>
+                </a:solidFill>
+              </a:rPr>
+              <a:t>a</a:t>
+            </a:r>
+            <a:r>
+              <a:rPr lang="en-US" sz="1200" dirty="0" smtClean="0">
+                <a:solidFill>
+                  <a:schemeClr val="tx1"/>
+                </a:solidFill>
+              </a:rPr>
+              <a:t>round</a:t>
+            </a:r>
+          </a:p>
+          <a:p>
+            <a:pPr algn="ctr"/>
+            <a:r>
+              <a:rPr lang="en-US" sz="1200" dirty="0" smtClean="0">
+                <a:solidFill>
+                  <a:schemeClr val="tx1"/>
+                </a:solidFill>
+              </a:rPr>
+              <a:t>Typical Templates</a:t>
+            </a:r>
+            <a:endParaRPr lang="en-US" sz="1200" dirty="0">
+              <a:solidFill>
+                <a:schemeClr val="tx1"/>
+              </a:solidFill>
+            </a:endParaRPr>
+          </a:p>
+        </p:txBody>
+      </p:sp>
+      <p:sp>
+        <p:nvSpPr>
+          <p:cNvPr id="119" name="Rounded Rectangle 118"/>
+          <p:cNvSpPr/>
+          <p:nvPr/>
+        </p:nvSpPr>
+        <p:spPr>
+          <a:xfrm>
+            <a:off x="8124015" y="2423207"/>
+            <a:ext cx="791263" cy="802102"/>
+          </a:xfrm>
+          <a:prstGeom prst="roundRect">
+            <a:avLst/>
+          </a:prstGeom>
+          <a:ln>
+            <a:solidFill>
+              <a:schemeClr val="accent1"/>
+            </a:solidFill>
+          </a:ln>
+        </p:spPr>
+        <p:style>
+          <a:lnRef idx="2">
+            <a:schemeClr val="accent1"/>
+          </a:lnRef>
+          <a:fillRef idx="1">
+            <a:schemeClr val="lt1"/>
+          </a:fillRef>
+          <a:effectRef idx="0">
+            <a:schemeClr val="accent1"/>
+          </a:effectRef>
+          <a:fontRef idx="minor">
+            <a:schemeClr val="dk1"/>
+          </a:fontRef>
+        </p:style>
+        <p:txBody>
+          <a:bodyPr rtlCol="0" anchor="ctr"/>
+          <a:lstStyle/>
+          <a:p>
+            <a:pPr algn="ctr">
+              <a:lnSpc>
+                <a:spcPct val="90000"/>
+              </a:lnSpc>
+              <a:spcBef>
+                <a:spcPts val="600"/>
+              </a:spcBef>
+            </a:pPr>
+            <a:r>
+              <a:rPr lang="en-US" altLang="zh-CN" sz="1400" dirty="0" smtClean="0"/>
+              <a:t>Event IDs of a Train sample</a:t>
+            </a:r>
+            <a:endParaRPr lang="zh-CN" altLang="en-US" sz="1400" dirty="0" err="1"/>
+          </a:p>
+        </p:txBody>
+      </p:sp>
+      <p:sp>
+        <p:nvSpPr>
+          <p:cNvPr id="120" name="Rounded Rectangle 119"/>
+          <p:cNvSpPr/>
+          <p:nvPr/>
+        </p:nvSpPr>
+        <p:spPr>
+          <a:xfrm>
+            <a:off x="8124014" y="4259054"/>
+            <a:ext cx="791263" cy="802102"/>
+          </a:xfrm>
+          <a:prstGeom prst="roundRect">
+            <a:avLst/>
+          </a:prstGeom>
+          <a:ln>
+            <a:solidFill>
+              <a:schemeClr val="accent2"/>
+            </a:solidFill>
+          </a:ln>
+        </p:spPr>
+        <p:style>
+          <a:lnRef idx="2">
+            <a:schemeClr val="accent1"/>
+          </a:lnRef>
+          <a:fillRef idx="1">
+            <a:schemeClr val="lt1"/>
+          </a:fillRef>
+          <a:effectRef idx="0">
+            <a:schemeClr val="accent1"/>
+          </a:effectRef>
+          <a:fontRef idx="minor">
+            <a:schemeClr val="dk1"/>
+          </a:fontRef>
+        </p:style>
+        <p:txBody>
+          <a:bodyPr rtlCol="0" anchor="ctr"/>
+          <a:lstStyle/>
+          <a:p>
+            <a:pPr algn="ctr">
+              <a:lnSpc>
+                <a:spcPct val="90000"/>
+              </a:lnSpc>
+              <a:spcBef>
+                <a:spcPts val="600"/>
+              </a:spcBef>
+            </a:pPr>
+            <a:r>
+              <a:rPr lang="en-US" altLang="zh-CN" sz="1400" dirty="0" smtClean="0"/>
+              <a:t>Event</a:t>
+            </a:r>
+            <a:r>
+              <a:rPr lang="en-US" altLang="zh-CN" sz="1400" dirty="0" smtClean="0"/>
+              <a:t> IDs of </a:t>
+            </a:r>
+            <a:r>
+              <a:rPr lang="en-US" altLang="zh-CN" sz="1400" dirty="0" smtClean="0"/>
+              <a:t>Te</a:t>
+            </a:r>
+            <a:r>
+              <a:rPr lang="en-US" altLang="zh-CN" sz="1400" dirty="0" smtClean="0"/>
+              <a:t>st Data</a:t>
+            </a:r>
+            <a:endParaRPr lang="zh-CN" altLang="en-US" sz="1400" dirty="0" err="1"/>
+          </a:p>
+        </p:txBody>
+      </p:sp>
+      <p:sp>
+        <p:nvSpPr>
+          <p:cNvPr id="122" name="Right Brace 121"/>
+          <p:cNvSpPr/>
+          <p:nvPr/>
+        </p:nvSpPr>
+        <p:spPr>
+          <a:xfrm>
+            <a:off x="7578257" y="2343552"/>
+            <a:ext cx="344110" cy="914400"/>
+          </a:xfrm>
+          <a:prstGeom prst="rightBrace">
+            <a:avLst>
+              <a:gd name="adj1" fmla="val 8333"/>
+              <a:gd name="adj2" fmla="val 50562"/>
+            </a:avLst>
+          </a:prstGeom>
+        </p:spPr>
+        <p:style>
+          <a:lnRef idx="1">
+            <a:schemeClr val="accent1"/>
+          </a:lnRef>
+          <a:fillRef idx="0">
+            <a:schemeClr val="accent1"/>
+          </a:fillRef>
+          <a:effectRef idx="0">
+            <a:schemeClr val="accent1"/>
+          </a:effectRef>
+          <a:fontRef idx="minor">
+            <a:schemeClr val="tx1"/>
+          </a:fontRef>
+        </p:style>
+        <p:txBody>
+          <a:bodyPr rtlCol="0" anchor="ctr"/>
+          <a:lstStyle/>
+          <a:p>
+            <a:pPr algn="ctr"/>
+            <a:endParaRPr lang="en-US"/>
+          </a:p>
+        </p:txBody>
+      </p:sp>
+      <p:sp>
+        <p:nvSpPr>
+          <p:cNvPr id="123" name="Right Brace 122"/>
+          <p:cNvSpPr/>
+          <p:nvPr/>
+        </p:nvSpPr>
+        <p:spPr>
+          <a:xfrm>
+            <a:off x="7578257" y="4495747"/>
+            <a:ext cx="344110" cy="390418"/>
+          </a:xfrm>
+          <a:prstGeom prst="rightBrace">
+            <a:avLst>
+              <a:gd name="adj1" fmla="val 8333"/>
+              <a:gd name="adj2" fmla="val 50562"/>
+            </a:avLst>
+          </a:prstGeom>
+          <a:ln>
+            <a:solidFill>
+              <a:schemeClr val="accent2"/>
+            </a:solidFill>
+          </a:ln>
+        </p:spPr>
+        <p:style>
+          <a:lnRef idx="1">
+            <a:schemeClr val="accent1"/>
+          </a:lnRef>
+          <a:fillRef idx="0">
+            <a:schemeClr val="accent1"/>
+          </a:fillRef>
+          <a:effectRef idx="0">
+            <a:schemeClr val="accent1"/>
+          </a:effectRef>
+          <a:fontRef idx="minor">
+            <a:schemeClr val="tx1"/>
+          </a:fontRef>
+        </p:style>
+        <p:txBody>
+          <a:bodyPr rtlCol="0" anchor="ctr"/>
+          <a:lstStyle/>
+          <a:p>
+            <a:pPr algn="ctr"/>
+            <a:endParaRPr lang="en-US"/>
+          </a:p>
+        </p:txBody>
+      </p:sp>
+    </p:spTree>
+    <p:extLst>
+      <p:ext uri="{BB962C8B-B14F-4D97-AF65-F5344CB8AC3E}">
+        <p14:creationId xmlns:p14="http://schemas.microsoft.com/office/powerpoint/2010/main" val="2247277392"/>
+      </p:ext>
+    </p:extLst>
+  </p:cSld>
+  <p:clrMapOvr>
+    <a:masterClrMapping/>
+  </p:clrMapOvr>
+  <p:timing>
+    <p:tnLst>
+      <p:par>
+        <p:cTn id="1" dur="indefinite" restart="never" nodeType="tmRoot"/>
+      </p:par>
+    </p:tnLst>
+  </p:timing>
+</p:sld>
+</file>
+
+<file path=ppt/slides/slide7.xml><?xml version="1.0" encoding="utf-8"?>
+<p:sld xmlns:a="http://schemas.openxmlformats.org/drawingml/2006/main" xmlns:r="http://schemas.openxmlformats.org/officeDocument/2006/relationships" xmlns:p="http://schemas.openxmlformats.org/presentationml/2006/main">
+  <p:cSld>
+    <p:spTree>
+      <p:nvGrpSpPr>
+        <p:cNvPr id="1" name=""/>
+        <p:cNvGrpSpPr/>
+        <p:nvPr/>
+      </p:nvGrpSpPr>
+      <p:grpSpPr>
+        <a:xfrm>
+          <a:off x="0" y="0"/>
+          <a:ext cx="0" cy="0"/>
+          <a:chOff x="0" y="0"/>
+          <a:chExt cx="0" cy="0"/>
+        </a:xfrm>
+      </p:grpSpPr>
+      <p:sp>
+        <p:nvSpPr>
+          <p:cNvPr id="64" name="Rectangle 63"/>
+          <p:cNvSpPr/>
+          <p:nvPr/>
+        </p:nvSpPr>
+        <p:spPr>
+          <a:xfrm>
+            <a:off x="1743872" y="1844932"/>
+            <a:ext cx="4641517" cy="3404951"/>
+          </a:xfrm>
+          <a:prstGeom prst="rect">
+            <a:avLst/>
+          </a:prstGeom>
+          <a:ln/>
+        </p:spPr>
+        <p:style>
+          <a:lnRef idx="2">
+            <a:schemeClr val="dk1"/>
+          </a:lnRef>
+          <a:fillRef idx="1">
+            <a:schemeClr val="lt1"/>
+          </a:fillRef>
+          <a:effectRef idx="0">
+            <a:schemeClr val="dk1"/>
+          </a:effectRef>
+          <a:fontRef idx="minor">
+            <a:schemeClr val="dk1"/>
+          </a:fontRef>
+        </p:style>
+        <p:txBody>
+          <a:bodyPr rtlCol="0" anchor="ctr"/>
+          <a:lstStyle/>
+          <a:p>
+            <a:pPr algn="ctr">
+              <a:lnSpc>
+                <a:spcPct val="90000"/>
+              </a:lnSpc>
+              <a:spcBef>
+                <a:spcPts val="600"/>
+              </a:spcBef>
+            </a:pPr>
+            <a:endParaRPr lang="zh-CN" altLang="en-US" sz="2000" b="1" dirty="0" err="1"/>
+          </a:p>
+        </p:txBody>
+      </p:sp>
+      <p:sp>
+        <p:nvSpPr>
+          <p:cNvPr id="66" name="Rounded Rectangle 65"/>
+          <p:cNvSpPr/>
+          <p:nvPr/>
+        </p:nvSpPr>
+        <p:spPr>
+          <a:xfrm>
+            <a:off x="2069768" y="1930432"/>
+            <a:ext cx="1104901" cy="3233953"/>
+          </a:xfrm>
+          <a:prstGeom prst="roundRect">
+            <a:avLst/>
+          </a:prstGeom>
+          <a:ln>
+            <a:solidFill>
+              <a:schemeClr val="tx1"/>
+            </a:solidFill>
+          </a:ln>
+        </p:spPr>
+        <p:style>
+          <a:lnRef idx="2">
+            <a:schemeClr val="accent1"/>
+          </a:lnRef>
+          <a:fillRef idx="1">
+            <a:schemeClr val="lt1"/>
+          </a:fillRef>
+          <a:effectRef idx="0">
+            <a:schemeClr val="accent1"/>
+          </a:effectRef>
+          <a:fontRef idx="minor">
+            <a:schemeClr val="dk1"/>
+          </a:fontRef>
+        </p:style>
+        <p:txBody>
+          <a:bodyPr rtlCol="0" anchor="ctr"/>
+          <a:lstStyle/>
+          <a:p>
+            <a:pPr algn="ctr">
+              <a:lnSpc>
+                <a:spcPct val="90000"/>
+              </a:lnSpc>
+              <a:spcBef>
+                <a:spcPts val="600"/>
+              </a:spcBef>
+            </a:pPr>
+            <a:r>
+              <a:rPr lang="en-US" altLang="zh-CN" sz="1400" dirty="0" smtClean="0"/>
+              <a:t>Knowledge base</a:t>
+            </a:r>
+            <a:endParaRPr lang="zh-CN" altLang="en-US" sz="1400" dirty="0" err="1"/>
+          </a:p>
+        </p:txBody>
+      </p:sp>
+      <p:sp>
+        <p:nvSpPr>
+          <p:cNvPr id="41" name="Pentagon 40"/>
+          <p:cNvSpPr/>
+          <p:nvPr/>
+        </p:nvSpPr>
+        <p:spPr>
+          <a:xfrm>
+            <a:off x="490682" y="4329453"/>
+            <a:ext cx="1476820" cy="484094"/>
+          </a:xfrm>
+          <a:prstGeom prst="homePlate">
+            <a:avLst/>
+          </a:prstGeom>
+          <a:ln/>
+        </p:spPr>
+        <p:style>
+          <a:lnRef idx="2">
+            <a:schemeClr val="accent2"/>
+          </a:lnRef>
+          <a:fillRef idx="1">
+            <a:schemeClr val="lt1"/>
+          </a:fillRef>
+          <a:effectRef idx="0">
+            <a:schemeClr val="accent2"/>
+          </a:effectRef>
+          <a:fontRef idx="minor">
+            <a:schemeClr val="dk1"/>
+          </a:fontRef>
+        </p:style>
+        <p:txBody>
+          <a:bodyPr rtlCol="0" anchor="ctr"/>
+          <a:lstStyle/>
+          <a:p>
+            <a:pPr algn="ctr">
+              <a:lnSpc>
+                <a:spcPct val="90000"/>
+              </a:lnSpc>
+              <a:spcBef>
+                <a:spcPts val="600"/>
+              </a:spcBef>
+            </a:pPr>
+            <a:r>
+              <a:rPr lang="en-US" altLang="zh-CN" sz="1400" dirty="0" smtClean="0"/>
+              <a:t>Test Data </a:t>
+            </a:r>
+          </a:p>
+          <a:p>
+            <a:pPr algn="ctr">
+              <a:lnSpc>
+                <a:spcPct val="90000"/>
+              </a:lnSpc>
+              <a:spcBef>
+                <a:spcPts val="600"/>
+              </a:spcBef>
+            </a:pPr>
+            <a:r>
+              <a:rPr lang="en-US" altLang="zh-CN" sz="1400" dirty="0"/>
+              <a:t>(structured logs</a:t>
+            </a:r>
+            <a:r>
+              <a:rPr lang="en-US" altLang="zh-CN" sz="1400" dirty="0" smtClean="0"/>
+              <a:t>)</a:t>
+            </a:r>
+            <a:endParaRPr lang="zh-CN" altLang="en-US" sz="1400" dirty="0"/>
+          </a:p>
+        </p:txBody>
+      </p:sp>
+      <p:sp>
+        <p:nvSpPr>
+          <p:cNvPr id="40" name="Pentagon 39"/>
+          <p:cNvSpPr/>
+          <p:nvPr/>
+        </p:nvSpPr>
+        <p:spPr>
+          <a:xfrm>
+            <a:off x="490681" y="2131888"/>
+            <a:ext cx="1564784" cy="633006"/>
+          </a:xfrm>
+          <a:prstGeom prst="homePlate">
+            <a:avLst/>
+          </a:prstGeom>
+          <a:ln/>
+        </p:spPr>
+        <p:style>
+          <a:lnRef idx="2">
+            <a:schemeClr val="accent1"/>
+          </a:lnRef>
+          <a:fillRef idx="1">
+            <a:schemeClr val="lt1"/>
+          </a:fillRef>
+          <a:effectRef idx="0">
+            <a:schemeClr val="accent1"/>
+          </a:effectRef>
+          <a:fontRef idx="minor">
+            <a:schemeClr val="dk1"/>
+          </a:fontRef>
+        </p:style>
+        <p:txBody>
+          <a:bodyPr rtlCol="0" anchor="ctr"/>
+          <a:lstStyle/>
+          <a:p>
+            <a:pPr algn="ctr">
+              <a:lnSpc>
+                <a:spcPct val="90000"/>
+              </a:lnSpc>
+              <a:spcBef>
+                <a:spcPts val="600"/>
+              </a:spcBef>
+            </a:pPr>
+            <a:r>
+              <a:rPr lang="en-US" altLang="zh-CN" sz="1400" dirty="0"/>
+              <a:t>Train Data </a:t>
+            </a:r>
+            <a:endParaRPr lang="en-US" altLang="zh-CN" sz="1400" dirty="0" smtClean="0"/>
+          </a:p>
+          <a:p>
+            <a:pPr algn="ctr">
+              <a:lnSpc>
+                <a:spcPct val="90000"/>
+              </a:lnSpc>
+              <a:spcBef>
+                <a:spcPts val="600"/>
+              </a:spcBef>
+            </a:pPr>
+            <a:r>
+              <a:rPr lang="en-US" altLang="zh-CN" sz="1400" dirty="0" smtClean="0"/>
+              <a:t>(structured </a:t>
+            </a:r>
+            <a:r>
+              <a:rPr lang="en-US" altLang="zh-CN" sz="1400" dirty="0" smtClean="0"/>
+              <a:t>logs)</a:t>
+            </a:r>
+            <a:endParaRPr lang="zh-CN" altLang="en-US" sz="1400" dirty="0" err="1"/>
+          </a:p>
+        </p:txBody>
+      </p:sp>
+      <p:sp>
+        <p:nvSpPr>
+          <p:cNvPr id="69" name="Title 2"/>
+          <p:cNvSpPr txBox="1">
+            <a:spLocks/>
+          </p:cNvSpPr>
+          <p:nvPr/>
+        </p:nvSpPr>
+        <p:spPr bwMode="gray">
+          <a:xfrm>
+            <a:off x="2878108" y="1606259"/>
+            <a:ext cx="2547931" cy="156966"/>
+          </a:xfrm>
+          <a:prstGeom prst="rect">
+            <a:avLst/>
+          </a:prstGeom>
+        </p:spPr>
+        <p:txBody>
+          <a:bodyPr vert="horz" wrap="square" lIns="0" tIns="0" rIns="0" bIns="0" rtlCol="0" anchor="ctr">
+            <a:spAutoFit/>
+          </a:bodyPr>
+          <a:lstStyle>
+            <a:lvl1pPr marL="0" marR="0" indent="0" algn="l" defTabSz="685800" rtl="0" eaLnBrk="1" latinLnBrk="0" hangingPunct="1">
+              <a:lnSpc>
+                <a:spcPct val="85000"/>
+              </a:lnSpc>
+              <a:spcBef>
+                <a:spcPct val="0"/>
+              </a:spcBef>
+              <a:spcAft>
+                <a:spcPts val="0"/>
+              </a:spcAft>
+              <a:buNone/>
+              <a:defRPr sz="2100" b="1" kern="1200" cap="none" baseline="0">
+                <a:solidFill>
+                  <a:schemeClr val="tx2"/>
+                </a:solidFill>
+                <a:latin typeface="+mj-lt"/>
+                <a:ea typeface="+mj-ea"/>
+                <a:cs typeface="Arial" pitchFamily="34" charset="0"/>
+              </a:defRPr>
+            </a:lvl1pPr>
+          </a:lstStyle>
+          <a:p>
+            <a:pPr algn="ctr"/>
+            <a:r>
+              <a:rPr lang="en-US" sz="1200" dirty="0" smtClean="0">
+                <a:solidFill>
+                  <a:schemeClr val="tx1"/>
+                </a:solidFill>
+              </a:rPr>
+              <a:t>Knowledgebase retrieve &amp; error set build</a:t>
+            </a:r>
+            <a:endParaRPr lang="en-US" sz="1200" dirty="0">
+              <a:solidFill>
+                <a:schemeClr val="tx1"/>
+              </a:solidFill>
+            </a:endParaRPr>
+          </a:p>
+        </p:txBody>
+      </p:sp>
+      <p:sp>
+        <p:nvSpPr>
+          <p:cNvPr id="26" name="Pentagon 25"/>
+          <p:cNvSpPr/>
+          <p:nvPr/>
+        </p:nvSpPr>
+        <p:spPr>
+          <a:xfrm>
+            <a:off x="496366" y="2764894"/>
+            <a:ext cx="1378668" cy="284445"/>
+          </a:xfrm>
+          <a:prstGeom prst="homePlate">
+            <a:avLst/>
+          </a:prstGeom>
+          <a:ln/>
+        </p:spPr>
+        <p:style>
+          <a:lnRef idx="2">
+            <a:schemeClr val="accent1"/>
+          </a:lnRef>
+          <a:fillRef idx="1">
+            <a:schemeClr val="lt1"/>
+          </a:fillRef>
+          <a:effectRef idx="0">
+            <a:schemeClr val="accent1"/>
+          </a:effectRef>
+          <a:fontRef idx="minor">
+            <a:schemeClr val="dk1"/>
+          </a:fontRef>
+        </p:style>
+        <p:txBody>
+          <a:bodyPr rtlCol="0" anchor="ctr"/>
+          <a:lstStyle/>
+          <a:p>
+            <a:pPr algn="ctr">
+              <a:lnSpc>
+                <a:spcPct val="90000"/>
+              </a:lnSpc>
+              <a:spcBef>
+                <a:spcPts val="600"/>
+              </a:spcBef>
+            </a:pPr>
+            <a:r>
+              <a:rPr lang="en-US" altLang="zh-CN" sz="1400" dirty="0" smtClean="0"/>
+              <a:t>Class Label</a:t>
+            </a:r>
+            <a:endParaRPr lang="zh-CN" altLang="en-US" sz="1400" dirty="0" err="1"/>
+          </a:p>
+        </p:txBody>
+      </p:sp>
+      <p:sp>
+        <p:nvSpPr>
+          <p:cNvPr id="28" name="Rectangle 27"/>
+          <p:cNvSpPr/>
+          <p:nvPr/>
+        </p:nvSpPr>
+        <p:spPr>
+          <a:xfrm>
+            <a:off x="4020591" y="4099389"/>
+            <a:ext cx="411607" cy="951981"/>
+          </a:xfrm>
+          <a:prstGeom prst="rect">
+            <a:avLst/>
+          </a:prstGeom>
+          <a:ln/>
+        </p:spPr>
+        <p:style>
+          <a:lnRef idx="2">
+            <a:schemeClr val="dk1"/>
+          </a:lnRef>
+          <a:fillRef idx="1">
+            <a:schemeClr val="lt1"/>
+          </a:fillRef>
+          <a:effectRef idx="0">
+            <a:schemeClr val="dk1"/>
+          </a:effectRef>
+          <a:fontRef idx="minor">
+            <a:schemeClr val="dk1"/>
+          </a:fontRef>
+        </p:style>
+        <p:txBody>
+          <a:bodyPr rtlCol="0" anchor="ctr"/>
+          <a:lstStyle/>
+          <a:p>
+            <a:pPr algn="ctr">
+              <a:lnSpc>
+                <a:spcPct val="90000"/>
+              </a:lnSpc>
+              <a:spcBef>
+                <a:spcPts val="600"/>
+              </a:spcBef>
+            </a:pPr>
+            <a:endParaRPr lang="zh-CN" altLang="en-US" sz="2000" b="1" dirty="0" err="1"/>
+          </a:p>
+        </p:txBody>
+      </p:sp>
+      <p:cxnSp>
+        <p:nvCxnSpPr>
+          <p:cNvPr id="35" name="Straight Connector 34"/>
+          <p:cNvCxnSpPr>
+            <a:stCxn id="28" idx="0"/>
+          </p:cNvCxnSpPr>
+          <p:nvPr/>
+        </p:nvCxnSpPr>
+        <p:spPr>
+          <a:xfrm>
+            <a:off x="4226395" y="4099389"/>
+            <a:ext cx="0" cy="951981"/>
+          </a:xfrm>
+          <a:prstGeom prst="line">
+            <a:avLst/>
+          </a:prstGeom>
+          <a:ln w="9525" cap="flat" cmpd="sng" algn="ctr">
+            <a:solidFill>
+              <a:schemeClr val="dk1"/>
+            </a:solidFill>
+            <a:prstDash val="dash"/>
+            <a:round/>
+            <a:headEnd type="none" w="med" len="med"/>
+            <a:tailEnd type="none" w="med" len="med"/>
+          </a:ln>
+        </p:spPr>
+        <p:style>
+          <a:lnRef idx="0">
+            <a:scrgbClr r="0" g="0" b="0"/>
+          </a:lnRef>
+          <a:fillRef idx="0">
+            <a:scrgbClr r="0" g="0" b="0"/>
+          </a:fillRef>
+          <a:effectRef idx="0">
+            <a:scrgbClr r="0" g="0" b="0"/>
+          </a:effectRef>
+          <a:fontRef idx="minor">
+            <a:schemeClr val="tx1"/>
+          </a:fontRef>
+        </p:style>
+      </p:cxnSp>
+      <p:sp>
+        <p:nvSpPr>
+          <p:cNvPr id="42" name="Rectangle 41"/>
+          <p:cNvSpPr/>
+          <p:nvPr/>
+        </p:nvSpPr>
+        <p:spPr>
+          <a:xfrm>
+            <a:off x="3769194" y="4372457"/>
+            <a:ext cx="914400" cy="390418"/>
+          </a:xfrm>
+          <a:prstGeom prst="rect">
+            <a:avLst/>
+          </a:prstGeom>
+          <a:noFill/>
+          <a:ln w="9525" cap="flat" cmpd="sng" algn="ctr">
+            <a:solidFill>
+              <a:schemeClr val="dk1"/>
+            </a:solidFill>
+            <a:prstDash val="solid"/>
+            <a:round/>
+            <a:headEnd type="none" w="med" len="med"/>
+            <a:tailEnd type="none" w="med" len="med"/>
+          </a:ln>
+        </p:spPr>
+        <p:style>
+          <a:lnRef idx="0">
+            <a:scrgbClr r="0" g="0" b="0"/>
+          </a:lnRef>
+          <a:fillRef idx="0">
+            <a:scrgbClr r="0" g="0" b="0"/>
+          </a:fillRef>
+          <a:effectRef idx="0">
+            <a:scrgbClr r="0" g="0" b="0"/>
+          </a:effectRef>
+          <a:fontRef idx="minor">
+            <a:schemeClr val="dk1"/>
+          </a:fontRef>
+        </p:style>
+        <p:txBody>
+          <a:bodyPr rtlCol="0" anchor="ctr"/>
+          <a:lstStyle/>
+          <a:p>
+            <a:pPr algn="ctr"/>
+            <a:endParaRPr lang="en-US"/>
+          </a:p>
+        </p:txBody>
+      </p:sp>
+      <p:cxnSp>
+        <p:nvCxnSpPr>
+          <p:cNvPr id="30" name="Straight Connector 29"/>
+          <p:cNvCxnSpPr/>
+          <p:nvPr/>
+        </p:nvCxnSpPr>
+        <p:spPr>
+          <a:xfrm>
+            <a:off x="2656086" y="2131888"/>
+            <a:ext cx="1195" cy="1104471"/>
+          </a:xfrm>
+          <a:prstGeom prst="line">
+            <a:avLst/>
+          </a:prstGeom>
+          <a:ln w="19050" cap="flat" cmpd="sng" algn="ctr">
+            <a:solidFill>
+              <a:schemeClr val="dk1"/>
+            </a:solidFill>
+            <a:prstDash val="dash"/>
+            <a:round/>
+            <a:headEnd type="none" w="med" len="med"/>
+            <a:tailEnd type="none" w="med" len="med"/>
+          </a:ln>
+        </p:spPr>
+        <p:style>
+          <a:lnRef idx="0">
+            <a:scrgbClr r="0" g="0" b="0"/>
+          </a:lnRef>
+          <a:fillRef idx="0">
+            <a:scrgbClr r="0" g="0" b="0"/>
+          </a:fillRef>
+          <a:effectRef idx="0">
+            <a:scrgbClr r="0" g="0" b="0"/>
+          </a:effectRef>
+          <a:fontRef idx="minor">
+            <a:schemeClr val="tx1"/>
+          </a:fontRef>
+        </p:style>
+      </p:cxnSp>
+      <p:cxnSp>
+        <p:nvCxnSpPr>
+          <p:cNvPr id="70" name="Straight Connector 69"/>
+          <p:cNvCxnSpPr/>
+          <p:nvPr/>
+        </p:nvCxnSpPr>
+        <p:spPr>
+          <a:xfrm>
+            <a:off x="2652548" y="3897331"/>
+            <a:ext cx="1195" cy="1104471"/>
+          </a:xfrm>
+          <a:prstGeom prst="line">
+            <a:avLst/>
+          </a:prstGeom>
+          <a:ln w="19050" cap="flat" cmpd="sng" algn="ctr">
+            <a:solidFill>
+              <a:schemeClr val="dk1"/>
+            </a:solidFill>
+            <a:prstDash val="dash"/>
+            <a:round/>
+            <a:headEnd type="none" w="med" len="med"/>
+            <a:tailEnd type="none" w="med" len="med"/>
+          </a:ln>
+        </p:spPr>
+        <p:style>
+          <a:lnRef idx="0">
+            <a:scrgbClr r="0" g="0" b="0"/>
+          </a:lnRef>
+          <a:fillRef idx="0">
+            <a:scrgbClr r="0" g="0" b="0"/>
+          </a:fillRef>
+          <a:effectRef idx="0">
+            <a:scrgbClr r="0" g="0" b="0"/>
+          </a:effectRef>
+          <a:fontRef idx="minor">
+            <a:schemeClr val="tx1"/>
+          </a:fontRef>
+        </p:style>
+      </p:cxnSp>
+      <p:cxnSp>
+        <p:nvCxnSpPr>
+          <p:cNvPr id="71" name="Curved Connector 70"/>
+          <p:cNvCxnSpPr>
+            <a:endCxn id="103" idx="2"/>
+          </p:cNvCxnSpPr>
+          <p:nvPr/>
+        </p:nvCxnSpPr>
+        <p:spPr>
+          <a:xfrm>
+            <a:off x="2677171" y="4060494"/>
+            <a:ext cx="1490147" cy="507172"/>
+          </a:xfrm>
+          <a:prstGeom prst="curvedConnector3">
+            <a:avLst/>
+          </a:prstGeom>
+          <a:ln>
+            <a:solidFill>
+              <a:schemeClr val="accent2"/>
+            </a:solidFill>
+            <a:tailEnd type="triangle"/>
+          </a:ln>
+        </p:spPr>
+        <p:style>
+          <a:lnRef idx="1">
+            <a:schemeClr val="accent1"/>
+          </a:lnRef>
+          <a:fillRef idx="0">
+            <a:schemeClr val="accent1"/>
+          </a:fillRef>
+          <a:effectRef idx="0">
+            <a:schemeClr val="accent1"/>
+          </a:effectRef>
+          <a:fontRef idx="minor">
+            <a:schemeClr val="tx1"/>
+          </a:fontRef>
+        </p:style>
+      </p:cxnSp>
+      <p:cxnSp>
+        <p:nvCxnSpPr>
+          <p:cNvPr id="75" name="Curved Connector 74"/>
+          <p:cNvCxnSpPr>
+            <a:stCxn id="41" idx="3"/>
+          </p:cNvCxnSpPr>
+          <p:nvPr/>
+        </p:nvCxnSpPr>
+        <p:spPr>
+          <a:xfrm flipV="1">
+            <a:off x="1967502" y="4060495"/>
+            <a:ext cx="635576" cy="511005"/>
+          </a:xfrm>
+          <a:prstGeom prst="curvedConnector3">
+            <a:avLst>
+              <a:gd name="adj1" fmla="val 50000"/>
+            </a:avLst>
+          </a:prstGeom>
+          <a:ln>
+            <a:solidFill>
+              <a:schemeClr val="accent2"/>
+            </a:solidFill>
+            <a:tailEnd type="triangle"/>
+          </a:ln>
+        </p:spPr>
+        <p:style>
+          <a:lnRef idx="1">
+            <a:schemeClr val="accent1"/>
+          </a:lnRef>
+          <a:fillRef idx="0">
+            <a:schemeClr val="accent1"/>
+          </a:fillRef>
+          <a:effectRef idx="0">
+            <a:schemeClr val="accent1"/>
+          </a:effectRef>
+          <a:fontRef idx="minor">
+            <a:schemeClr val="tx1"/>
+          </a:fontRef>
+        </p:style>
+      </p:cxnSp>
+      <p:sp>
+        <p:nvSpPr>
+          <p:cNvPr id="103" name="Flowchart: Connector 102"/>
+          <p:cNvSpPr/>
+          <p:nvPr/>
+        </p:nvSpPr>
+        <p:spPr>
+          <a:xfrm>
+            <a:off x="4167318" y="4536815"/>
+            <a:ext cx="118153" cy="61701"/>
+          </a:xfrm>
+          <a:prstGeom prst="flowChartConnector">
+            <a:avLst/>
+          </a:prstGeom>
+          <a:solidFill>
+            <a:schemeClr val="bg1"/>
+          </a:solidFill>
+          <a:ln>
+            <a:solidFill>
+              <a:schemeClr val="tx1"/>
+            </a:solidFill>
+          </a:ln>
+        </p:spPr>
+        <p:style>
+          <a:lnRef idx="2">
+            <a:schemeClr val="accent1">
+              <a:shade val="50000"/>
+            </a:schemeClr>
+          </a:lnRef>
+          <a:fillRef idx="1">
+            <a:schemeClr val="accent1"/>
+          </a:fillRef>
+          <a:effectRef idx="0">
+            <a:schemeClr val="accent1"/>
+          </a:effectRef>
+          <a:fontRef idx="minor">
+            <a:schemeClr val="lt1"/>
+          </a:fontRef>
+        </p:style>
+        <p:txBody>
+          <a:bodyPr rtlCol="0" anchor="ctr"/>
+          <a:lstStyle/>
+          <a:p>
+            <a:pPr algn="ctr"/>
+            <a:endParaRPr lang="en-US"/>
+          </a:p>
+        </p:txBody>
+      </p:sp>
+      <p:sp>
+        <p:nvSpPr>
+          <p:cNvPr id="106" name="Flowchart: Connector 105"/>
+          <p:cNvSpPr/>
+          <p:nvPr/>
+        </p:nvSpPr>
+        <p:spPr>
+          <a:xfrm>
+            <a:off x="2600033" y="2158561"/>
+            <a:ext cx="118153" cy="61701"/>
+          </a:xfrm>
+          <a:prstGeom prst="flowChartConnector">
+            <a:avLst/>
+          </a:prstGeom>
+          <a:solidFill>
+            <a:schemeClr val="bg1"/>
+          </a:solidFill>
+          <a:ln>
+            <a:solidFill>
+              <a:schemeClr val="tx1"/>
+            </a:solidFill>
+          </a:ln>
+        </p:spPr>
+        <p:style>
+          <a:lnRef idx="2">
+            <a:schemeClr val="accent1">
+              <a:shade val="50000"/>
+            </a:schemeClr>
+          </a:lnRef>
+          <a:fillRef idx="1">
+            <a:schemeClr val="accent1"/>
+          </a:fillRef>
+          <a:effectRef idx="0">
+            <a:schemeClr val="accent1"/>
+          </a:effectRef>
+          <a:fontRef idx="minor">
+            <a:schemeClr val="lt1"/>
+          </a:fontRef>
+        </p:style>
+        <p:txBody>
+          <a:bodyPr rtlCol="0" anchor="ctr"/>
+          <a:lstStyle/>
+          <a:p>
+            <a:pPr algn="ctr"/>
+            <a:endParaRPr lang="en-US"/>
+          </a:p>
+        </p:txBody>
+      </p:sp>
+      <p:sp>
+        <p:nvSpPr>
+          <p:cNvPr id="112" name="Flowchart: Connector 111"/>
+          <p:cNvSpPr/>
+          <p:nvPr/>
+        </p:nvSpPr>
+        <p:spPr>
+          <a:xfrm>
+            <a:off x="2587191" y="4029300"/>
+            <a:ext cx="118153" cy="61701"/>
+          </a:xfrm>
+          <a:prstGeom prst="flowChartConnector">
+            <a:avLst/>
+          </a:prstGeom>
+          <a:solidFill>
+            <a:schemeClr val="bg1"/>
+          </a:solidFill>
+          <a:ln>
+            <a:solidFill>
+              <a:schemeClr val="tx1"/>
+            </a:solidFill>
+          </a:ln>
+        </p:spPr>
+        <p:style>
+          <a:lnRef idx="2">
+            <a:schemeClr val="accent1">
+              <a:shade val="50000"/>
+            </a:schemeClr>
+          </a:lnRef>
+          <a:fillRef idx="1">
+            <a:schemeClr val="accent1"/>
+          </a:fillRef>
+          <a:effectRef idx="0">
+            <a:schemeClr val="accent1"/>
+          </a:effectRef>
+          <a:fontRef idx="minor">
+            <a:schemeClr val="lt1"/>
+          </a:fontRef>
+        </p:style>
+        <p:txBody>
+          <a:bodyPr rtlCol="0" anchor="ctr"/>
+          <a:lstStyle/>
+          <a:p>
+            <a:pPr algn="ctr"/>
+            <a:endParaRPr lang="en-US"/>
+          </a:p>
+        </p:txBody>
+      </p:sp>
+      <p:sp>
+        <p:nvSpPr>
+          <p:cNvPr id="118" name="Title 2"/>
+          <p:cNvSpPr txBox="1">
+            <a:spLocks/>
+          </p:cNvSpPr>
+          <p:nvPr/>
+        </p:nvSpPr>
+        <p:spPr bwMode="gray">
+          <a:xfrm>
+            <a:off x="3613134" y="3586304"/>
+            <a:ext cx="1226520" cy="472309"/>
+          </a:xfrm>
+          <a:prstGeom prst="rect">
+            <a:avLst/>
+          </a:prstGeom>
+        </p:spPr>
+        <p:txBody>
+          <a:bodyPr vert="horz" wrap="square" lIns="0" tIns="0" rIns="0" bIns="0" rtlCol="0" anchor="ctr">
+            <a:spAutoFit/>
+          </a:bodyPr>
+          <a:lstStyle>
+            <a:lvl1pPr marL="0" marR="0" indent="0" algn="l" defTabSz="685800" rtl="0" eaLnBrk="1" latinLnBrk="0" hangingPunct="1">
+              <a:lnSpc>
+                <a:spcPct val="85000"/>
+              </a:lnSpc>
+              <a:spcBef>
+                <a:spcPct val="0"/>
+              </a:spcBef>
+              <a:spcAft>
+                <a:spcPts val="0"/>
+              </a:spcAft>
+              <a:buNone/>
+              <a:defRPr sz="2100" b="1" kern="1200" cap="none" baseline="0">
+                <a:solidFill>
+                  <a:schemeClr val="tx2"/>
+                </a:solidFill>
+                <a:latin typeface="+mj-lt"/>
+                <a:ea typeface="+mj-ea"/>
+                <a:cs typeface="Arial" pitchFamily="34" charset="0"/>
+              </a:defRPr>
+            </a:lvl1pPr>
+          </a:lstStyle>
+          <a:p>
+            <a:pPr algn="ctr"/>
+            <a:r>
+              <a:rPr lang="en-US" sz="1200" dirty="0" smtClean="0">
+                <a:solidFill>
+                  <a:schemeClr val="tx1"/>
+                </a:solidFill>
+              </a:rPr>
+              <a:t>Windowing</a:t>
+            </a:r>
+          </a:p>
+          <a:p>
+            <a:pPr algn="ctr"/>
+            <a:r>
+              <a:rPr lang="en-US" sz="1200" dirty="0">
+                <a:solidFill>
+                  <a:schemeClr val="tx1"/>
+                </a:solidFill>
+              </a:rPr>
+              <a:t>a</a:t>
+            </a:r>
+            <a:r>
+              <a:rPr lang="en-US" sz="1200" dirty="0" smtClean="0">
+                <a:solidFill>
+                  <a:schemeClr val="tx1"/>
+                </a:solidFill>
+              </a:rPr>
+              <a:t>round</a:t>
+            </a:r>
+          </a:p>
+          <a:p>
+            <a:pPr algn="ctr"/>
+            <a:r>
+              <a:rPr lang="en-US" sz="1200" dirty="0" smtClean="0">
+                <a:solidFill>
+                  <a:schemeClr val="tx1"/>
+                </a:solidFill>
+              </a:rPr>
+              <a:t>Typical Templates</a:t>
+            </a:r>
+            <a:endParaRPr lang="en-US" sz="1200" dirty="0">
+              <a:solidFill>
+                <a:schemeClr val="tx1"/>
+              </a:solidFill>
+            </a:endParaRPr>
+          </a:p>
+        </p:txBody>
+      </p:sp>
+      <p:sp>
+        <p:nvSpPr>
+          <p:cNvPr id="120" name="Rounded Rectangle 119"/>
+          <p:cNvSpPr/>
+          <p:nvPr/>
+        </p:nvSpPr>
+        <p:spPr>
+          <a:xfrm>
+            <a:off x="5319169" y="4135764"/>
+            <a:ext cx="791263" cy="802102"/>
+          </a:xfrm>
+          <a:prstGeom prst="roundRect">
+            <a:avLst/>
+          </a:prstGeom>
+          <a:ln>
+            <a:solidFill>
+              <a:schemeClr val="accent2"/>
+            </a:solidFill>
+          </a:ln>
+        </p:spPr>
+        <p:style>
+          <a:lnRef idx="2">
+            <a:schemeClr val="accent1"/>
+          </a:lnRef>
+          <a:fillRef idx="1">
+            <a:schemeClr val="lt1"/>
+          </a:fillRef>
+          <a:effectRef idx="0">
+            <a:schemeClr val="accent1"/>
+          </a:effectRef>
+          <a:fontRef idx="minor">
+            <a:schemeClr val="dk1"/>
+          </a:fontRef>
+        </p:style>
+        <p:txBody>
+          <a:bodyPr rtlCol="0" anchor="ctr"/>
+          <a:lstStyle/>
+          <a:p>
+            <a:pPr algn="ctr">
+              <a:lnSpc>
+                <a:spcPct val="90000"/>
+              </a:lnSpc>
+              <a:spcBef>
+                <a:spcPts val="600"/>
+              </a:spcBef>
+            </a:pPr>
+            <a:r>
+              <a:rPr lang="en-US" altLang="zh-CN" sz="1400" dirty="0" smtClean="0"/>
+              <a:t>Event</a:t>
+            </a:r>
+            <a:r>
+              <a:rPr lang="en-US" altLang="zh-CN" sz="1400" dirty="0" smtClean="0"/>
+              <a:t> IDs of </a:t>
+            </a:r>
+            <a:r>
+              <a:rPr lang="en-US" altLang="zh-CN" sz="1400" dirty="0" smtClean="0"/>
+              <a:t>Te</a:t>
+            </a:r>
+            <a:r>
+              <a:rPr lang="en-US" altLang="zh-CN" sz="1400" dirty="0" smtClean="0"/>
+              <a:t>st Data</a:t>
+            </a:r>
+            <a:endParaRPr lang="zh-CN" altLang="en-US" sz="1400" dirty="0" err="1"/>
+          </a:p>
+        </p:txBody>
+      </p:sp>
+      <p:sp>
+        <p:nvSpPr>
+          <p:cNvPr id="123" name="Right Brace 122"/>
+          <p:cNvSpPr/>
+          <p:nvPr/>
+        </p:nvSpPr>
+        <p:spPr>
+          <a:xfrm>
+            <a:off x="4773412" y="4372457"/>
+            <a:ext cx="344110" cy="390418"/>
+          </a:xfrm>
+          <a:prstGeom prst="rightBrace">
+            <a:avLst>
+              <a:gd name="adj1" fmla="val 8333"/>
+              <a:gd name="adj2" fmla="val 50562"/>
+            </a:avLst>
+          </a:prstGeom>
+          <a:ln>
+            <a:solidFill>
+              <a:schemeClr val="accent2"/>
+            </a:solidFill>
+          </a:ln>
+        </p:spPr>
+        <p:style>
+          <a:lnRef idx="1">
+            <a:schemeClr val="accent1"/>
+          </a:lnRef>
+          <a:fillRef idx="0">
+            <a:schemeClr val="accent1"/>
+          </a:fillRef>
+          <a:effectRef idx="0">
+            <a:schemeClr val="accent1"/>
+          </a:effectRef>
+          <a:fontRef idx="minor">
+            <a:schemeClr val="tx1"/>
+          </a:fontRef>
+        </p:style>
+        <p:txBody>
+          <a:bodyPr rtlCol="0" anchor="ctr"/>
+          <a:lstStyle/>
+          <a:p>
+            <a:pPr algn="ctr"/>
+            <a:endParaRPr lang="en-US"/>
+          </a:p>
+        </p:txBody>
+      </p:sp>
+      <p:cxnSp>
+        <p:nvCxnSpPr>
+          <p:cNvPr id="44" name="Curved Connector 43"/>
+          <p:cNvCxnSpPr/>
+          <p:nvPr/>
+        </p:nvCxnSpPr>
+        <p:spPr>
+          <a:xfrm flipV="1">
+            <a:off x="2694334" y="2634800"/>
+            <a:ext cx="1561974" cy="1403015"/>
+          </a:xfrm>
+          <a:prstGeom prst="curvedConnector3">
+            <a:avLst/>
+          </a:prstGeom>
+          <a:ln>
+            <a:solidFill>
+              <a:schemeClr val="accent2"/>
+            </a:solidFill>
+            <a:tailEnd type="triangle"/>
+          </a:ln>
+        </p:spPr>
+        <p:style>
+          <a:lnRef idx="1">
+            <a:schemeClr val="accent1"/>
+          </a:lnRef>
+          <a:fillRef idx="0">
+            <a:schemeClr val="accent1"/>
+          </a:fillRef>
+          <a:effectRef idx="0">
+            <a:schemeClr val="accent1"/>
+          </a:effectRef>
+          <a:fontRef idx="minor">
+            <a:schemeClr val="tx1"/>
+          </a:fontRef>
+        </p:style>
+      </p:cxnSp>
+      <p:sp>
+        <p:nvSpPr>
+          <p:cNvPr id="46" name="Rounded Rectangle 45"/>
+          <p:cNvSpPr/>
+          <p:nvPr/>
+        </p:nvSpPr>
+        <p:spPr>
+          <a:xfrm>
+            <a:off x="4256308" y="2302420"/>
+            <a:ext cx="1471535" cy="651553"/>
+          </a:xfrm>
+          <a:prstGeom prst="roundRect">
+            <a:avLst/>
+          </a:prstGeom>
+          <a:ln>
+            <a:solidFill>
+              <a:schemeClr val="tx1"/>
+            </a:solidFill>
+          </a:ln>
+        </p:spPr>
+        <p:style>
+          <a:lnRef idx="2">
+            <a:schemeClr val="accent1"/>
+          </a:lnRef>
+          <a:fillRef idx="1">
+            <a:schemeClr val="lt1"/>
+          </a:fillRef>
+          <a:effectRef idx="0">
+            <a:schemeClr val="accent1"/>
+          </a:effectRef>
+          <a:fontRef idx="minor">
+            <a:schemeClr val="dk1"/>
+          </a:fontRef>
+        </p:style>
+        <p:txBody>
+          <a:bodyPr rtlCol="0" anchor="ctr"/>
+          <a:lstStyle/>
+          <a:p>
+            <a:pPr algn="ctr">
+              <a:lnSpc>
+                <a:spcPct val="90000"/>
+              </a:lnSpc>
+              <a:spcBef>
+                <a:spcPts val="600"/>
+              </a:spcBef>
+            </a:pPr>
+            <a:r>
+              <a:rPr lang="en-US" altLang="zh-CN" sz="1400" dirty="0" smtClean="0"/>
+              <a:t>Pass through to specific target</a:t>
+            </a:r>
+            <a:endParaRPr lang="zh-CN" altLang="en-US" sz="1400" dirty="0" err="1"/>
+          </a:p>
+        </p:txBody>
+      </p:sp>
+      <p:sp>
+        <p:nvSpPr>
+          <p:cNvPr id="47" name="Rectangle 46"/>
+          <p:cNvSpPr/>
+          <p:nvPr/>
+        </p:nvSpPr>
+        <p:spPr>
+          <a:xfrm>
+            <a:off x="7632895" y="1839933"/>
+            <a:ext cx="1334659" cy="3409950"/>
+          </a:xfrm>
+          <a:prstGeom prst="rect">
+            <a:avLst/>
+          </a:prstGeom>
+          <a:ln/>
+        </p:spPr>
+        <p:style>
+          <a:lnRef idx="2">
+            <a:schemeClr val="dk1"/>
+          </a:lnRef>
+          <a:fillRef idx="1">
+            <a:schemeClr val="lt1"/>
+          </a:fillRef>
+          <a:effectRef idx="0">
+            <a:schemeClr val="dk1"/>
+          </a:effectRef>
+          <a:fontRef idx="minor">
+            <a:schemeClr val="dk1"/>
+          </a:fontRef>
+        </p:style>
+        <p:txBody>
+          <a:bodyPr rtlCol="0" anchor="ctr"/>
+          <a:lstStyle/>
+          <a:p>
+            <a:pPr algn="ctr">
+              <a:lnSpc>
+                <a:spcPct val="90000"/>
+              </a:lnSpc>
+              <a:spcBef>
+                <a:spcPts val="600"/>
+              </a:spcBef>
+            </a:pPr>
+            <a:endParaRPr lang="zh-CN" altLang="en-US" sz="2000" b="1" dirty="0" err="1"/>
+          </a:p>
+        </p:txBody>
+      </p:sp>
+      <p:sp>
+        <p:nvSpPr>
+          <p:cNvPr id="48" name="Rounded Rectangle 47"/>
+          <p:cNvSpPr/>
+          <p:nvPr/>
+        </p:nvSpPr>
+        <p:spPr>
+          <a:xfrm>
+            <a:off x="7843024" y="2178871"/>
+            <a:ext cx="914400" cy="446017"/>
+          </a:xfrm>
+          <a:prstGeom prst="roundRect">
+            <a:avLst/>
+          </a:prstGeom>
+          <a:noFill/>
+          <a:ln>
+            <a:solidFill>
+              <a:schemeClr val="tx1"/>
+            </a:solidFill>
+          </a:ln>
+        </p:spPr>
+        <p:style>
+          <a:lnRef idx="2">
+            <a:schemeClr val="accent1">
+              <a:shade val="50000"/>
+            </a:schemeClr>
+          </a:lnRef>
+          <a:fillRef idx="1">
+            <a:schemeClr val="accent1"/>
+          </a:fillRef>
+          <a:effectRef idx="0">
+            <a:schemeClr val="accent1"/>
+          </a:effectRef>
+          <a:fontRef idx="minor">
+            <a:schemeClr val="lt1"/>
+          </a:fontRef>
+        </p:style>
+        <p:txBody>
+          <a:bodyPr rtlCol="0" anchor="ctr"/>
+          <a:lstStyle/>
+          <a:p>
+            <a:pPr algn="ctr"/>
+            <a:r>
+              <a:rPr lang="en-US" dirty="0" smtClean="0">
+                <a:solidFill>
+                  <a:schemeClr val="tx1"/>
+                </a:solidFill>
+              </a:rPr>
+              <a:t>Class 1</a:t>
+            </a:r>
+            <a:endParaRPr lang="en-US" dirty="0">
+              <a:solidFill>
+                <a:schemeClr val="tx1"/>
+              </a:solidFill>
+            </a:endParaRPr>
+          </a:p>
+        </p:txBody>
+      </p:sp>
+      <p:sp>
+        <p:nvSpPr>
+          <p:cNvPr id="49" name="Rounded Rectangle 48"/>
+          <p:cNvSpPr/>
+          <p:nvPr/>
+        </p:nvSpPr>
+        <p:spPr>
+          <a:xfrm>
+            <a:off x="7837322" y="2824422"/>
+            <a:ext cx="914400" cy="446017"/>
+          </a:xfrm>
+          <a:prstGeom prst="roundRect">
+            <a:avLst/>
+          </a:prstGeom>
+          <a:noFill/>
+          <a:ln>
+            <a:solidFill>
+              <a:schemeClr val="tx1"/>
+            </a:solidFill>
+          </a:ln>
+        </p:spPr>
+        <p:style>
+          <a:lnRef idx="2">
+            <a:schemeClr val="accent1">
+              <a:shade val="50000"/>
+            </a:schemeClr>
+          </a:lnRef>
+          <a:fillRef idx="1">
+            <a:schemeClr val="accent1"/>
+          </a:fillRef>
+          <a:effectRef idx="0">
+            <a:schemeClr val="accent1"/>
+          </a:effectRef>
+          <a:fontRef idx="minor">
+            <a:schemeClr val="lt1"/>
+          </a:fontRef>
+        </p:style>
+        <p:txBody>
+          <a:bodyPr rtlCol="0" anchor="ctr"/>
+          <a:lstStyle/>
+          <a:p>
+            <a:pPr algn="ctr"/>
+            <a:r>
+              <a:rPr lang="en-US" dirty="0" smtClean="0">
+                <a:solidFill>
+                  <a:schemeClr val="tx1"/>
+                </a:solidFill>
+              </a:rPr>
+              <a:t>Class 2</a:t>
+            </a:r>
+            <a:endParaRPr lang="en-US" dirty="0">
+              <a:solidFill>
+                <a:schemeClr val="tx1"/>
+              </a:solidFill>
+            </a:endParaRPr>
+          </a:p>
+        </p:txBody>
+      </p:sp>
+      <p:cxnSp>
+        <p:nvCxnSpPr>
+          <p:cNvPr id="50" name="Straight Connector 49"/>
+          <p:cNvCxnSpPr/>
+          <p:nvPr/>
+        </p:nvCxnSpPr>
+        <p:spPr>
+          <a:xfrm>
+            <a:off x="8294522" y="3993989"/>
+            <a:ext cx="0" cy="513244"/>
+          </a:xfrm>
+          <a:prstGeom prst="line">
+            <a:avLst/>
+          </a:prstGeom>
+          <a:ln w="9525" cap="flat" cmpd="sng" algn="ctr">
+            <a:solidFill>
+              <a:schemeClr val="dk1"/>
+            </a:solidFill>
+            <a:prstDash val="dash"/>
+            <a:round/>
+            <a:headEnd type="none" w="med" len="med"/>
+            <a:tailEnd type="none" w="med" len="med"/>
+          </a:ln>
+        </p:spPr>
+        <p:style>
+          <a:lnRef idx="0">
+            <a:scrgbClr r="0" g="0" b="0"/>
+          </a:lnRef>
+          <a:fillRef idx="0">
+            <a:scrgbClr r="0" g="0" b="0"/>
+          </a:fillRef>
+          <a:effectRef idx="0">
+            <a:scrgbClr r="0" g="0" b="0"/>
+          </a:effectRef>
+          <a:fontRef idx="minor">
+            <a:schemeClr val="tx1"/>
+          </a:fontRef>
+        </p:style>
+      </p:cxnSp>
+      <p:sp>
+        <p:nvSpPr>
+          <p:cNvPr id="51" name="Rounded Rectangle 50"/>
+          <p:cNvSpPr/>
+          <p:nvPr/>
+        </p:nvSpPr>
+        <p:spPr>
+          <a:xfrm>
+            <a:off x="7837322" y="4599257"/>
+            <a:ext cx="914400" cy="446017"/>
+          </a:xfrm>
+          <a:prstGeom prst="roundRect">
+            <a:avLst/>
+          </a:prstGeom>
+          <a:noFill/>
+          <a:ln>
+            <a:solidFill>
+              <a:schemeClr val="tx1"/>
+            </a:solidFill>
+          </a:ln>
+        </p:spPr>
+        <p:style>
+          <a:lnRef idx="2">
+            <a:schemeClr val="accent1">
+              <a:shade val="50000"/>
+            </a:schemeClr>
+          </a:lnRef>
+          <a:fillRef idx="1">
+            <a:schemeClr val="accent1"/>
+          </a:fillRef>
+          <a:effectRef idx="0">
+            <a:schemeClr val="accent1"/>
+          </a:effectRef>
+          <a:fontRef idx="minor">
+            <a:schemeClr val="lt1"/>
+          </a:fontRef>
+        </p:style>
+        <p:txBody>
+          <a:bodyPr rtlCol="0" anchor="ctr"/>
+          <a:lstStyle/>
+          <a:p>
+            <a:pPr algn="ctr"/>
+            <a:r>
+              <a:rPr lang="en-US" dirty="0" smtClean="0">
+                <a:solidFill>
+                  <a:schemeClr val="tx1"/>
+                </a:solidFill>
+              </a:rPr>
+              <a:t>Class N</a:t>
+            </a:r>
+            <a:endParaRPr lang="en-US" dirty="0">
+              <a:solidFill>
+                <a:schemeClr val="tx1"/>
+              </a:solidFill>
+            </a:endParaRPr>
+          </a:p>
+        </p:txBody>
+      </p:sp>
+      <p:sp>
+        <p:nvSpPr>
+          <p:cNvPr id="52" name="Rounded Rectangle 51"/>
+          <p:cNvSpPr/>
+          <p:nvPr/>
+        </p:nvSpPr>
+        <p:spPr>
+          <a:xfrm>
+            <a:off x="7837322" y="3472425"/>
+            <a:ext cx="914400" cy="446017"/>
+          </a:xfrm>
+          <a:prstGeom prst="roundRect">
+            <a:avLst/>
+          </a:prstGeom>
+          <a:noFill/>
+          <a:ln>
+            <a:solidFill>
+              <a:schemeClr val="tx1"/>
+            </a:solidFill>
+          </a:ln>
+        </p:spPr>
+        <p:style>
+          <a:lnRef idx="2">
+            <a:schemeClr val="accent1">
+              <a:shade val="50000"/>
+            </a:schemeClr>
+          </a:lnRef>
+          <a:fillRef idx="1">
+            <a:schemeClr val="accent1"/>
+          </a:fillRef>
+          <a:effectRef idx="0">
+            <a:schemeClr val="accent1"/>
+          </a:effectRef>
+          <a:fontRef idx="minor">
+            <a:schemeClr val="lt1"/>
+          </a:fontRef>
+        </p:style>
+        <p:txBody>
+          <a:bodyPr rtlCol="0" anchor="ctr"/>
+          <a:lstStyle/>
+          <a:p>
+            <a:pPr algn="ctr"/>
+            <a:r>
+              <a:rPr lang="en-US" dirty="0" smtClean="0">
+                <a:solidFill>
+                  <a:schemeClr val="tx1"/>
+                </a:solidFill>
+              </a:rPr>
+              <a:t>Class 3</a:t>
+            </a:r>
+            <a:endParaRPr lang="en-US" dirty="0">
+              <a:solidFill>
+                <a:schemeClr val="tx1"/>
+              </a:solidFill>
+            </a:endParaRPr>
+          </a:p>
+        </p:txBody>
+      </p:sp>
+      <p:sp>
+        <p:nvSpPr>
+          <p:cNvPr id="53" name="Rounded Rectangular Callout 52"/>
+          <p:cNvSpPr/>
+          <p:nvPr/>
+        </p:nvSpPr>
+        <p:spPr>
+          <a:xfrm>
+            <a:off x="9377923" y="4563911"/>
+            <a:ext cx="1315571" cy="618508"/>
+          </a:xfrm>
+          <a:prstGeom prst="wedgeRoundRectCallout">
+            <a:avLst>
+              <a:gd name="adj1" fmla="val -91594"/>
+              <a:gd name="adj2" fmla="val -13732"/>
+              <a:gd name="adj3" fmla="val 16667"/>
+            </a:avLst>
+          </a:prstGeom>
+          <a:ln>
+            <a:solidFill>
+              <a:schemeClr val="tx1"/>
+            </a:solidFill>
+            <a:prstDash val="sysDot"/>
+          </a:ln>
+        </p:spPr>
+        <p:style>
+          <a:lnRef idx="2">
+            <a:schemeClr val="dk1"/>
+          </a:lnRef>
+          <a:fillRef idx="1">
+            <a:schemeClr val="lt1"/>
+          </a:fillRef>
+          <a:effectRef idx="0">
+            <a:schemeClr val="dk1"/>
+          </a:effectRef>
+          <a:fontRef idx="minor">
+            <a:schemeClr val="dk1"/>
+          </a:fontRef>
+        </p:style>
+        <p:txBody>
+          <a:bodyPr rtlCol="0" anchor="ctr"/>
+          <a:lstStyle/>
+          <a:p>
+            <a:pPr algn="ctr">
+              <a:lnSpc>
+                <a:spcPct val="90000"/>
+              </a:lnSpc>
+              <a:spcBef>
+                <a:spcPts val="600"/>
+              </a:spcBef>
+            </a:pPr>
+            <a:r>
+              <a:rPr lang="en-US" altLang="zh-CN" sz="1100" dirty="0" smtClean="0"/>
+              <a:t>Description</a:t>
+            </a:r>
+          </a:p>
+          <a:p>
+            <a:pPr algn="ctr">
+              <a:lnSpc>
+                <a:spcPct val="90000"/>
+              </a:lnSpc>
+              <a:spcBef>
+                <a:spcPts val="600"/>
+              </a:spcBef>
+            </a:pPr>
+            <a:r>
+              <a:rPr lang="en-US" altLang="zh-CN" sz="1100" dirty="0" smtClean="0"/>
+              <a:t>Potential fix</a:t>
+            </a:r>
+          </a:p>
+          <a:p>
+            <a:pPr algn="ctr">
+              <a:lnSpc>
+                <a:spcPct val="90000"/>
+              </a:lnSpc>
+              <a:spcBef>
+                <a:spcPts val="600"/>
+              </a:spcBef>
+            </a:pPr>
+            <a:r>
+              <a:rPr lang="en-US" altLang="zh-CN" sz="1100" dirty="0" smtClean="0"/>
+              <a:t>CSPs / JIRAs if exist</a:t>
+            </a:r>
+            <a:endParaRPr lang="zh-CN" altLang="en-US" sz="1100" dirty="0" err="1"/>
+          </a:p>
+        </p:txBody>
+      </p:sp>
+      <p:sp>
+        <p:nvSpPr>
+          <p:cNvPr id="56" name="Rounded Rectangular Callout 55"/>
+          <p:cNvSpPr/>
+          <p:nvPr/>
+        </p:nvSpPr>
+        <p:spPr>
+          <a:xfrm>
+            <a:off x="9377923" y="2134660"/>
+            <a:ext cx="1315571" cy="618508"/>
+          </a:xfrm>
+          <a:prstGeom prst="wedgeRoundRectCallout">
+            <a:avLst>
+              <a:gd name="adj1" fmla="val -91594"/>
+              <a:gd name="adj2" fmla="val -13732"/>
+              <a:gd name="adj3" fmla="val 16667"/>
+            </a:avLst>
+          </a:prstGeom>
+          <a:ln>
+            <a:solidFill>
+              <a:schemeClr val="tx1"/>
+            </a:solidFill>
+            <a:prstDash val="sysDot"/>
+          </a:ln>
+        </p:spPr>
+        <p:style>
+          <a:lnRef idx="2">
+            <a:schemeClr val="dk1"/>
+          </a:lnRef>
+          <a:fillRef idx="1">
+            <a:schemeClr val="lt1"/>
+          </a:fillRef>
+          <a:effectRef idx="0">
+            <a:schemeClr val="dk1"/>
+          </a:effectRef>
+          <a:fontRef idx="minor">
+            <a:schemeClr val="dk1"/>
+          </a:fontRef>
+        </p:style>
+        <p:txBody>
+          <a:bodyPr rtlCol="0" anchor="ctr"/>
+          <a:lstStyle/>
+          <a:p>
+            <a:pPr algn="ctr">
+              <a:lnSpc>
+                <a:spcPct val="90000"/>
+              </a:lnSpc>
+              <a:spcBef>
+                <a:spcPts val="600"/>
+              </a:spcBef>
+            </a:pPr>
+            <a:r>
+              <a:rPr lang="en-US" altLang="zh-CN" sz="1100" dirty="0" smtClean="0"/>
+              <a:t>Description</a:t>
+            </a:r>
+          </a:p>
+          <a:p>
+            <a:pPr algn="ctr">
+              <a:lnSpc>
+                <a:spcPct val="90000"/>
+              </a:lnSpc>
+              <a:spcBef>
+                <a:spcPts val="600"/>
+              </a:spcBef>
+            </a:pPr>
+            <a:r>
+              <a:rPr lang="en-US" altLang="zh-CN" sz="1100" dirty="0" smtClean="0"/>
+              <a:t>Potential fix</a:t>
+            </a:r>
+          </a:p>
+          <a:p>
+            <a:pPr algn="ctr">
+              <a:lnSpc>
+                <a:spcPct val="90000"/>
+              </a:lnSpc>
+              <a:spcBef>
+                <a:spcPts val="600"/>
+              </a:spcBef>
+            </a:pPr>
+            <a:r>
+              <a:rPr lang="en-US" altLang="zh-CN" sz="1100" dirty="0" smtClean="0"/>
+              <a:t>CSPs / JIRAs if exist</a:t>
+            </a:r>
+            <a:endParaRPr lang="zh-CN" altLang="en-US" sz="1100" dirty="0" err="1"/>
+          </a:p>
+        </p:txBody>
+      </p:sp>
+      <p:cxnSp>
+        <p:nvCxnSpPr>
+          <p:cNvPr id="58" name="Straight Connector 57"/>
+          <p:cNvCxnSpPr/>
+          <p:nvPr/>
+        </p:nvCxnSpPr>
+        <p:spPr>
+          <a:xfrm>
+            <a:off x="10035708" y="2855864"/>
+            <a:ext cx="0" cy="1626332"/>
+          </a:xfrm>
+          <a:prstGeom prst="line">
+            <a:avLst/>
+          </a:prstGeom>
+          <a:ln w="9525" cap="flat" cmpd="sng" algn="ctr">
+            <a:solidFill>
+              <a:schemeClr val="dk1"/>
+            </a:solidFill>
+            <a:prstDash val="dash"/>
+            <a:round/>
+            <a:headEnd type="none" w="med" len="med"/>
+            <a:tailEnd type="none" w="med" len="med"/>
+          </a:ln>
+        </p:spPr>
+        <p:style>
+          <a:lnRef idx="0">
+            <a:scrgbClr r="0" g="0" b="0"/>
+          </a:lnRef>
+          <a:fillRef idx="0">
+            <a:scrgbClr r="0" g="0" b="0"/>
+          </a:fillRef>
+          <a:effectRef idx="0">
+            <a:scrgbClr r="0" g="0" b="0"/>
+          </a:effectRef>
+          <a:fontRef idx="minor">
+            <a:schemeClr val="tx1"/>
+          </a:fontRef>
+        </p:style>
+      </p:cxnSp>
+      <p:cxnSp>
+        <p:nvCxnSpPr>
+          <p:cNvPr id="60" name="Curved Connector 59"/>
+          <p:cNvCxnSpPr/>
+          <p:nvPr/>
+        </p:nvCxnSpPr>
+        <p:spPr>
+          <a:xfrm>
+            <a:off x="5727843" y="2624889"/>
+            <a:ext cx="2109479" cy="424450"/>
+          </a:xfrm>
+          <a:prstGeom prst="curvedConnector3">
+            <a:avLst/>
+          </a:prstGeom>
+          <a:ln>
+            <a:solidFill>
+              <a:schemeClr val="accent2"/>
+            </a:solidFill>
+            <a:tailEnd type="triangle"/>
+          </a:ln>
+        </p:spPr>
+        <p:style>
+          <a:lnRef idx="1">
+            <a:schemeClr val="accent1"/>
+          </a:lnRef>
+          <a:fillRef idx="0">
+            <a:schemeClr val="accent1"/>
+          </a:fillRef>
+          <a:effectRef idx="0">
+            <a:schemeClr val="accent1"/>
+          </a:effectRef>
+          <a:fontRef idx="minor">
+            <a:schemeClr val="tx1"/>
+          </a:fontRef>
+        </p:style>
+      </p:cxnSp>
+      <p:cxnSp>
+        <p:nvCxnSpPr>
+          <p:cNvPr id="62" name="Straight Connector 61"/>
+          <p:cNvCxnSpPr/>
+          <p:nvPr/>
+        </p:nvCxnSpPr>
+        <p:spPr>
+          <a:xfrm>
+            <a:off x="6619361" y="3472425"/>
+            <a:ext cx="809374" cy="0"/>
+          </a:xfrm>
+          <a:prstGeom prst="line">
+            <a:avLst/>
+          </a:prstGeom>
+          <a:ln w="9525" cap="flat" cmpd="sng" algn="ctr">
+            <a:solidFill>
+              <a:schemeClr val="dk1"/>
+            </a:solidFill>
+            <a:prstDash val="dash"/>
+            <a:round/>
+            <a:headEnd type="none" w="med" len="med"/>
+            <a:tailEnd type="none" w="med" len="med"/>
+          </a:ln>
+        </p:spPr>
+        <p:style>
+          <a:lnRef idx="0">
+            <a:scrgbClr r="0" g="0" b="0"/>
+          </a:lnRef>
+          <a:fillRef idx="0">
+            <a:scrgbClr r="0" g="0" b="0"/>
+          </a:fillRef>
+          <a:effectRef idx="0">
+            <a:scrgbClr r="0" g="0" b="0"/>
+          </a:effectRef>
+          <a:fontRef idx="minor">
+            <a:schemeClr val="tx1"/>
+          </a:fontRef>
+        </p:style>
+      </p:cxnSp>
+      <p:sp>
+        <p:nvSpPr>
+          <p:cNvPr id="63" name="Title 2"/>
+          <p:cNvSpPr txBox="1">
+            <a:spLocks/>
+          </p:cNvSpPr>
+          <p:nvPr/>
+        </p:nvSpPr>
+        <p:spPr bwMode="gray">
+          <a:xfrm>
+            <a:off x="7117658" y="1572562"/>
+            <a:ext cx="2438400" cy="156966"/>
+          </a:xfrm>
+          <a:prstGeom prst="rect">
+            <a:avLst/>
+          </a:prstGeom>
+        </p:spPr>
+        <p:txBody>
+          <a:bodyPr vert="horz" wrap="square" lIns="0" tIns="0" rIns="0" bIns="0" rtlCol="0" anchor="ctr">
+            <a:spAutoFit/>
+          </a:bodyPr>
+          <a:lstStyle>
+            <a:lvl1pPr marL="0" marR="0" indent="0" algn="l" defTabSz="685800" rtl="0" eaLnBrk="1" latinLnBrk="0" hangingPunct="1">
+              <a:lnSpc>
+                <a:spcPct val="85000"/>
+              </a:lnSpc>
+              <a:spcBef>
+                <a:spcPct val="0"/>
+              </a:spcBef>
+              <a:spcAft>
+                <a:spcPts val="0"/>
+              </a:spcAft>
+              <a:buNone/>
+              <a:defRPr sz="2100" b="1" kern="1200" cap="none" baseline="0">
+                <a:solidFill>
+                  <a:schemeClr val="tx2"/>
+                </a:solidFill>
+                <a:latin typeface="+mj-lt"/>
+                <a:ea typeface="+mj-ea"/>
+                <a:cs typeface="Arial" pitchFamily="34" charset="0"/>
+              </a:defRPr>
+            </a:lvl1pPr>
+          </a:lstStyle>
+          <a:p>
+            <a:pPr algn="ctr"/>
+            <a:r>
+              <a:rPr lang="en-US" sz="1200" dirty="0" smtClean="0">
+                <a:solidFill>
+                  <a:schemeClr val="tx1"/>
+                </a:solidFill>
+              </a:rPr>
+              <a:t>Multi</a:t>
+            </a:r>
+            <a:r>
+              <a:rPr lang="en-US" sz="1200" dirty="0" smtClean="0">
+                <a:solidFill>
+                  <a:schemeClr val="tx1"/>
+                </a:solidFill>
+              </a:rPr>
+              <a:t> </a:t>
+            </a:r>
+            <a:r>
+              <a:rPr lang="en-US" sz="1200" dirty="0" smtClean="0">
+                <a:solidFill>
+                  <a:schemeClr val="tx1"/>
+                </a:solidFill>
+              </a:rPr>
+              <a:t>Classes</a:t>
+            </a:r>
+            <a:endParaRPr lang="en-US" sz="1200" dirty="0">
+              <a:solidFill>
+                <a:schemeClr val="tx1"/>
+              </a:solidFill>
+            </a:endParaRPr>
+          </a:p>
+        </p:txBody>
+      </p:sp>
+      <p:cxnSp>
+        <p:nvCxnSpPr>
+          <p:cNvPr id="65" name="Curved Connector 64"/>
+          <p:cNvCxnSpPr>
+            <a:endCxn id="52" idx="1"/>
+          </p:cNvCxnSpPr>
+          <p:nvPr/>
+        </p:nvCxnSpPr>
+        <p:spPr>
+          <a:xfrm flipV="1">
+            <a:off x="6106170" y="3695434"/>
+            <a:ext cx="1731152" cy="838801"/>
+          </a:xfrm>
+          <a:prstGeom prst="curvedConnector3">
+            <a:avLst/>
+          </a:prstGeom>
+          <a:ln>
+            <a:solidFill>
+              <a:schemeClr val="accent2"/>
+            </a:solidFill>
+            <a:tailEnd type="triangle"/>
+          </a:ln>
+        </p:spPr>
+        <p:style>
+          <a:lnRef idx="1">
+            <a:schemeClr val="accent1"/>
+          </a:lnRef>
+          <a:fillRef idx="0">
+            <a:schemeClr val="accent1"/>
+          </a:fillRef>
+          <a:effectRef idx="0">
+            <a:schemeClr val="accent1"/>
+          </a:effectRef>
+          <a:fontRef idx="minor">
+            <a:schemeClr val="tx1"/>
+          </a:fontRef>
+        </p:style>
+      </p:cxnSp>
+      <p:cxnSp>
+        <p:nvCxnSpPr>
+          <p:cNvPr id="73" name="Straight Connector 72"/>
+          <p:cNvCxnSpPr/>
+          <p:nvPr/>
+        </p:nvCxnSpPr>
+        <p:spPr>
+          <a:xfrm>
+            <a:off x="175752" y="3403931"/>
+            <a:ext cx="809374" cy="0"/>
+          </a:xfrm>
+          <a:prstGeom prst="line">
+            <a:avLst/>
+          </a:prstGeom>
+          <a:ln w="9525" cap="flat" cmpd="sng" algn="ctr">
+            <a:solidFill>
+              <a:schemeClr val="dk1"/>
+            </a:solidFill>
+            <a:prstDash val="dash"/>
+            <a:round/>
+            <a:headEnd type="none" w="med" len="med"/>
+            <a:tailEnd type="none" w="med" len="med"/>
+          </a:ln>
+        </p:spPr>
+        <p:style>
+          <a:lnRef idx="0">
+            <a:scrgbClr r="0" g="0" b="0"/>
+          </a:lnRef>
+          <a:fillRef idx="0">
+            <a:scrgbClr r="0" g="0" b="0"/>
+          </a:fillRef>
+          <a:effectRef idx="0">
+            <a:scrgbClr r="0" g="0" b="0"/>
+          </a:effectRef>
+          <a:fontRef idx="minor">
+            <a:schemeClr val="tx1"/>
+          </a:fontRef>
+        </p:style>
+      </p:cxnSp>
+    </p:spTree>
+    <p:extLst>
+      <p:ext uri="{BB962C8B-B14F-4D97-AF65-F5344CB8AC3E}">
+        <p14:creationId xmlns:p14="http://schemas.microsoft.com/office/powerpoint/2010/main" val="3949426560"/>
+      </p:ext>
+    </p:extLst>
+  </p:cSld>
+  <p:clrMapOvr>
+    <a:masterClrMapping/>
+  </p:clrMapOvr>
+  <p:timing>
+    <p:tnLst>
+      <p:par>
+        <p:cTn id="1" dur="indefinite" restart="never" nodeType="tmRoot"/>
+      </p:par>
+    </p:tnLst>
+  </p:timing>
+</p:sld>
+</file>
+
+<file path=ppt/slides/slide8.xml><?xml version="1.0" encoding="utf-8"?>
+<p:sld xmlns:a="http://schemas.openxmlformats.org/drawingml/2006/main" xmlns:r="http://schemas.openxmlformats.org/officeDocument/2006/relationships" xmlns:p="http://schemas.openxmlformats.org/presentationml/2006/main">
+  <p:cSld>
+    <p:spTree>
+      <p:nvGrpSpPr>
+        <p:cNvPr id="1" name=""/>
+        <p:cNvGrpSpPr/>
+        <p:nvPr/>
+      </p:nvGrpSpPr>
+      <p:grpSpPr>
+        <a:xfrm>
+          <a:off x="0" y="0"/>
+          <a:ext cx="0" cy="0"/>
+          <a:chOff x="0" y="0"/>
+          <a:chExt cx="0" cy="0"/>
+        </a:xfrm>
+      </p:grpSpPr>
+      <p:sp>
+        <p:nvSpPr>
+          <p:cNvPr id="64" name="Rectangle 63"/>
+          <p:cNvSpPr/>
+          <p:nvPr/>
+        </p:nvSpPr>
+        <p:spPr>
+          <a:xfrm>
+            <a:off x="4646457" y="1986989"/>
+            <a:ext cx="4963591" cy="1228822"/>
+          </a:xfrm>
+          <a:prstGeom prst="rect">
+            <a:avLst/>
+          </a:prstGeom>
+          <a:ln/>
+        </p:spPr>
+        <p:style>
+          <a:lnRef idx="2">
+            <a:schemeClr val="dk1"/>
+          </a:lnRef>
+          <a:fillRef idx="1">
+            <a:schemeClr val="lt1"/>
+          </a:fillRef>
+          <a:effectRef idx="0">
+            <a:schemeClr val="dk1"/>
+          </a:effectRef>
+          <a:fontRef idx="minor">
+            <a:schemeClr val="dk1"/>
+          </a:fontRef>
+        </p:style>
+        <p:txBody>
+          <a:bodyPr rtlCol="0" anchor="ctr"/>
+          <a:lstStyle/>
+          <a:p>
+            <a:pPr algn="ctr">
+              <a:lnSpc>
+                <a:spcPct val="90000"/>
+              </a:lnSpc>
+              <a:spcBef>
+                <a:spcPts val="600"/>
+              </a:spcBef>
+            </a:pPr>
+            <a:endParaRPr lang="zh-CN" altLang="en-US" sz="2000" b="1" dirty="0" err="1"/>
+          </a:p>
+        </p:txBody>
+      </p:sp>
+      <p:sp>
+        <p:nvSpPr>
+          <p:cNvPr id="65" name="Rounded Rectangle 64"/>
+          <p:cNvSpPr/>
+          <p:nvPr/>
+        </p:nvSpPr>
+        <p:spPr>
+          <a:xfrm>
+            <a:off x="5091143" y="2144694"/>
+            <a:ext cx="1591904" cy="914400"/>
+          </a:xfrm>
+          <a:prstGeom prst="roundRect">
+            <a:avLst/>
+          </a:prstGeom>
+          <a:ln>
+            <a:solidFill>
+              <a:schemeClr val="tx1"/>
+            </a:solidFill>
+          </a:ln>
+        </p:spPr>
+        <p:style>
+          <a:lnRef idx="2">
+            <a:schemeClr val="accent1"/>
+          </a:lnRef>
+          <a:fillRef idx="1">
+            <a:schemeClr val="lt1"/>
+          </a:fillRef>
+          <a:effectRef idx="0">
+            <a:schemeClr val="accent1"/>
+          </a:effectRef>
+          <a:fontRef idx="minor">
+            <a:schemeClr val="dk1"/>
+          </a:fontRef>
+        </p:style>
+        <p:txBody>
+          <a:bodyPr rtlCol="0" anchor="ctr"/>
+          <a:lstStyle/>
+          <a:p>
+            <a:pPr algn="ctr">
+              <a:lnSpc>
+                <a:spcPct val="90000"/>
+              </a:lnSpc>
+              <a:spcBef>
+                <a:spcPts val="600"/>
+              </a:spcBef>
+            </a:pPr>
+            <a:r>
+              <a:rPr lang="en-US" altLang="zh-CN" sz="1400" dirty="0" smtClean="0"/>
+              <a:t>Extract the </a:t>
+            </a:r>
+            <a:r>
+              <a:rPr lang="en-US" altLang="zh-CN" sz="1400" dirty="0" smtClean="0"/>
+              <a:t>new typical  </a:t>
+            </a:r>
+            <a:r>
+              <a:rPr lang="en-US" altLang="zh-CN" sz="1400" dirty="0" smtClean="0"/>
+              <a:t>templates from library manually </a:t>
+            </a:r>
+            <a:endParaRPr lang="zh-CN" altLang="en-US" sz="1400" dirty="0" err="1"/>
+          </a:p>
+        </p:txBody>
+      </p:sp>
+      <p:sp>
+        <p:nvSpPr>
+          <p:cNvPr id="66" name="Rounded Rectangle 65"/>
+          <p:cNvSpPr/>
+          <p:nvPr/>
+        </p:nvSpPr>
+        <p:spPr>
+          <a:xfrm>
+            <a:off x="7903090" y="1987979"/>
+            <a:ext cx="1548011" cy="1227831"/>
+          </a:xfrm>
+          <a:prstGeom prst="roundRect">
+            <a:avLst/>
+          </a:prstGeom>
+          <a:ln>
+            <a:solidFill>
+              <a:schemeClr val="tx1"/>
+            </a:solidFill>
+          </a:ln>
+        </p:spPr>
+        <p:style>
+          <a:lnRef idx="2">
+            <a:schemeClr val="accent1"/>
+          </a:lnRef>
+          <a:fillRef idx="1">
+            <a:schemeClr val="lt1"/>
+          </a:fillRef>
+          <a:effectRef idx="0">
+            <a:schemeClr val="accent1"/>
+          </a:effectRef>
+          <a:fontRef idx="minor">
+            <a:schemeClr val="dk1"/>
+          </a:fontRef>
+        </p:style>
+        <p:txBody>
+          <a:bodyPr rtlCol="0" anchor="ctr"/>
+          <a:lstStyle/>
+          <a:p>
+            <a:pPr algn="ctr">
+              <a:lnSpc>
+                <a:spcPct val="90000"/>
+              </a:lnSpc>
+              <a:spcBef>
+                <a:spcPts val="600"/>
+              </a:spcBef>
+            </a:pPr>
+            <a:r>
+              <a:rPr lang="en-US" altLang="zh-CN" sz="1400" dirty="0" smtClean="0"/>
+              <a:t>Knowledge base</a:t>
+            </a:r>
+            <a:endParaRPr lang="zh-CN" altLang="en-US" sz="1400" dirty="0" err="1"/>
+          </a:p>
+        </p:txBody>
+      </p:sp>
+      <p:sp>
+        <p:nvSpPr>
+          <p:cNvPr id="67" name="Pentagon 66"/>
+          <p:cNvSpPr/>
+          <p:nvPr/>
+        </p:nvSpPr>
+        <p:spPr>
+          <a:xfrm>
+            <a:off x="6683047" y="2320487"/>
+            <a:ext cx="1189816" cy="484632"/>
+          </a:xfrm>
+          <a:prstGeom prst="homePlate">
+            <a:avLst/>
+          </a:prstGeom>
+          <a:ln/>
+        </p:spPr>
+        <p:style>
+          <a:lnRef idx="2">
+            <a:schemeClr val="accent1"/>
+          </a:lnRef>
+          <a:fillRef idx="1">
+            <a:schemeClr val="lt1"/>
+          </a:fillRef>
+          <a:effectRef idx="0">
+            <a:schemeClr val="accent1"/>
+          </a:effectRef>
+          <a:fontRef idx="minor">
+            <a:schemeClr val="dk1"/>
+          </a:fontRef>
+        </p:style>
+        <p:txBody>
+          <a:bodyPr rtlCol="0" anchor="ctr"/>
+          <a:lstStyle/>
+          <a:p>
+            <a:pPr algn="ctr">
+              <a:lnSpc>
+                <a:spcPct val="90000"/>
+              </a:lnSpc>
+              <a:spcBef>
+                <a:spcPts val="600"/>
+              </a:spcBef>
+            </a:pPr>
+            <a:r>
+              <a:rPr lang="en-US" altLang="zh-CN" sz="1400" dirty="0" smtClean="0"/>
+              <a:t>Update </a:t>
+            </a:r>
+            <a:r>
+              <a:rPr lang="en-US" altLang="zh-CN" sz="1400" dirty="0" smtClean="0"/>
+              <a:t>the knowledge</a:t>
+            </a:r>
+            <a:endParaRPr lang="zh-CN" altLang="en-US" sz="1400" dirty="0" err="1"/>
+          </a:p>
+        </p:txBody>
+      </p:sp>
+      <p:sp>
+        <p:nvSpPr>
+          <p:cNvPr id="69" name="Title 2"/>
+          <p:cNvSpPr txBox="1">
+            <a:spLocks/>
+          </p:cNvSpPr>
+          <p:nvPr/>
+        </p:nvSpPr>
+        <p:spPr bwMode="gray">
+          <a:xfrm>
+            <a:off x="6195377" y="1729549"/>
+            <a:ext cx="1983888" cy="156966"/>
+          </a:xfrm>
+          <a:prstGeom prst="rect">
+            <a:avLst/>
+          </a:prstGeom>
+        </p:spPr>
+        <p:txBody>
+          <a:bodyPr vert="horz" wrap="square" lIns="0" tIns="0" rIns="0" bIns="0" rtlCol="0" anchor="ctr">
+            <a:spAutoFit/>
+          </a:bodyPr>
+          <a:lstStyle>
+            <a:lvl1pPr marL="0" marR="0" indent="0" algn="l" defTabSz="685800" rtl="0" eaLnBrk="1" latinLnBrk="0" hangingPunct="1">
+              <a:lnSpc>
+                <a:spcPct val="85000"/>
+              </a:lnSpc>
+              <a:spcBef>
+                <a:spcPct val="0"/>
+              </a:spcBef>
+              <a:spcAft>
+                <a:spcPts val="0"/>
+              </a:spcAft>
+              <a:buNone/>
+              <a:defRPr sz="2100" b="1" kern="1200" cap="none" baseline="0">
+                <a:solidFill>
+                  <a:schemeClr val="tx2"/>
+                </a:solidFill>
+                <a:latin typeface="+mj-lt"/>
+                <a:ea typeface="+mj-ea"/>
+                <a:cs typeface="Arial" pitchFamily="34" charset="0"/>
+              </a:defRPr>
+            </a:lvl1pPr>
+          </a:lstStyle>
+          <a:p>
+            <a:pPr algn="ctr"/>
+            <a:r>
+              <a:rPr lang="en-US" sz="1200" dirty="0" smtClean="0">
+                <a:solidFill>
+                  <a:schemeClr val="tx1"/>
+                </a:solidFill>
+              </a:rPr>
+              <a:t>Knowledgebase </a:t>
+            </a:r>
+            <a:r>
+              <a:rPr lang="en-US" sz="1200" dirty="0" smtClean="0">
+                <a:solidFill>
+                  <a:schemeClr val="tx1"/>
+                </a:solidFill>
+              </a:rPr>
+              <a:t>update</a:t>
+            </a:r>
+            <a:endParaRPr lang="en-US" sz="1200" dirty="0">
+              <a:solidFill>
+                <a:schemeClr val="tx1"/>
+              </a:solidFill>
+            </a:endParaRPr>
+          </a:p>
+        </p:txBody>
+      </p:sp>
+      <p:sp>
+        <p:nvSpPr>
+          <p:cNvPr id="24" name="Rectangle 23"/>
+          <p:cNvSpPr/>
+          <p:nvPr/>
+        </p:nvSpPr>
+        <p:spPr>
+          <a:xfrm>
+            <a:off x="2599215" y="1987980"/>
+            <a:ext cx="1320979" cy="1227831"/>
+          </a:xfrm>
+          <a:prstGeom prst="rect">
+            <a:avLst/>
+          </a:prstGeom>
+          <a:ln/>
+        </p:spPr>
+        <p:style>
+          <a:lnRef idx="2">
+            <a:schemeClr val="dk1"/>
+          </a:lnRef>
+          <a:fillRef idx="1">
+            <a:schemeClr val="lt1"/>
+          </a:fillRef>
+          <a:effectRef idx="0">
+            <a:schemeClr val="dk1"/>
+          </a:effectRef>
+          <a:fontRef idx="minor">
+            <a:schemeClr val="dk1"/>
+          </a:fontRef>
+        </p:style>
+        <p:txBody>
+          <a:bodyPr rtlCol="0" anchor="ctr"/>
+          <a:lstStyle/>
+          <a:p>
+            <a:pPr algn="ctr">
+              <a:lnSpc>
+                <a:spcPct val="90000"/>
+              </a:lnSpc>
+              <a:spcBef>
+                <a:spcPts val="600"/>
+              </a:spcBef>
+            </a:pPr>
+            <a:r>
+              <a:rPr lang="en-US" altLang="zh-CN" sz="2000" dirty="0" smtClean="0"/>
+              <a:t>Update Template Lib if necessary</a:t>
+            </a:r>
+            <a:endParaRPr lang="zh-CN" altLang="en-US" sz="2000" dirty="0" err="1"/>
+          </a:p>
+        </p:txBody>
+      </p:sp>
+      <p:sp>
+        <p:nvSpPr>
+          <p:cNvPr id="40" name="Pentagon 39"/>
+          <p:cNvSpPr/>
+          <p:nvPr/>
+        </p:nvSpPr>
+        <p:spPr>
+          <a:xfrm>
+            <a:off x="1775706" y="2320487"/>
+            <a:ext cx="1020288" cy="452225"/>
+          </a:xfrm>
+          <a:prstGeom prst="homePlate">
+            <a:avLst/>
+          </a:prstGeom>
+          <a:ln/>
+        </p:spPr>
+        <p:style>
+          <a:lnRef idx="2">
+            <a:schemeClr val="accent1"/>
+          </a:lnRef>
+          <a:fillRef idx="1">
+            <a:schemeClr val="lt1"/>
+          </a:fillRef>
+          <a:effectRef idx="0">
+            <a:schemeClr val="accent1"/>
+          </a:effectRef>
+          <a:fontRef idx="minor">
+            <a:schemeClr val="dk1"/>
+          </a:fontRef>
+        </p:style>
+        <p:txBody>
+          <a:bodyPr rtlCol="0" anchor="ctr"/>
+          <a:lstStyle/>
+          <a:p>
+            <a:pPr algn="ctr">
+              <a:lnSpc>
+                <a:spcPct val="90000"/>
+              </a:lnSpc>
+              <a:spcBef>
+                <a:spcPts val="600"/>
+              </a:spcBef>
+            </a:pPr>
+            <a:r>
+              <a:rPr lang="en-US" altLang="zh-CN" sz="1400" dirty="0" smtClean="0"/>
+              <a:t>Run Drain</a:t>
+            </a:r>
+            <a:endParaRPr lang="zh-CN" altLang="en-US" sz="1400" dirty="0" err="1"/>
+          </a:p>
+        </p:txBody>
+      </p:sp>
+      <p:sp>
+        <p:nvSpPr>
+          <p:cNvPr id="26" name="Pentagon 25"/>
+          <p:cNvSpPr/>
+          <p:nvPr/>
+        </p:nvSpPr>
+        <p:spPr>
+          <a:xfrm>
+            <a:off x="3920194" y="2305304"/>
+            <a:ext cx="1170949" cy="453158"/>
+          </a:xfrm>
+          <a:prstGeom prst="homePlate">
+            <a:avLst/>
+          </a:prstGeom>
+          <a:ln/>
+        </p:spPr>
+        <p:style>
+          <a:lnRef idx="2">
+            <a:schemeClr val="accent1"/>
+          </a:lnRef>
+          <a:fillRef idx="1">
+            <a:schemeClr val="lt1"/>
+          </a:fillRef>
+          <a:effectRef idx="0">
+            <a:schemeClr val="accent1"/>
+          </a:effectRef>
+          <a:fontRef idx="minor">
+            <a:schemeClr val="dk1"/>
+          </a:fontRef>
+        </p:style>
+        <p:txBody>
+          <a:bodyPr rtlCol="0" anchor="ctr"/>
+          <a:lstStyle/>
+          <a:p>
+            <a:pPr algn="ctr">
+              <a:lnSpc>
+                <a:spcPct val="90000"/>
+              </a:lnSpc>
+              <a:spcBef>
+                <a:spcPts val="600"/>
+              </a:spcBef>
+            </a:pPr>
+            <a:r>
+              <a:rPr lang="en-US" altLang="zh-CN" sz="1400" dirty="0" smtClean="0"/>
+              <a:t>Typical logs</a:t>
+            </a:r>
+            <a:endParaRPr lang="zh-CN" altLang="en-US" sz="1400" dirty="0" err="1"/>
+          </a:p>
+        </p:txBody>
+      </p:sp>
+      <p:sp>
+        <p:nvSpPr>
+          <p:cNvPr id="27" name="Rectangle 26"/>
+          <p:cNvSpPr/>
+          <p:nvPr/>
+        </p:nvSpPr>
+        <p:spPr>
+          <a:xfrm>
+            <a:off x="454727" y="1987979"/>
+            <a:ext cx="1320979" cy="1227831"/>
+          </a:xfrm>
+          <a:prstGeom prst="rect">
+            <a:avLst/>
+          </a:prstGeom>
+          <a:ln/>
+        </p:spPr>
+        <p:style>
+          <a:lnRef idx="2">
+            <a:schemeClr val="dk1"/>
+          </a:lnRef>
+          <a:fillRef idx="1">
+            <a:schemeClr val="lt1"/>
+          </a:fillRef>
+          <a:effectRef idx="0">
+            <a:schemeClr val="dk1"/>
+          </a:effectRef>
+          <a:fontRef idx="minor">
+            <a:schemeClr val="dk1"/>
+          </a:fontRef>
+        </p:style>
+        <p:txBody>
+          <a:bodyPr rtlCol="0" anchor="ctr"/>
+          <a:lstStyle/>
+          <a:p>
+            <a:pPr algn="ctr">
+              <a:lnSpc>
+                <a:spcPct val="90000"/>
+              </a:lnSpc>
+              <a:spcBef>
+                <a:spcPts val="600"/>
+              </a:spcBef>
+            </a:pPr>
+            <a:r>
+              <a:rPr lang="en-US" altLang="zh-CN" sz="2000" dirty="0" smtClean="0"/>
+              <a:t>Check if the typical event ID is in library</a:t>
+            </a:r>
+            <a:endParaRPr lang="zh-CN" altLang="en-US" sz="2000" dirty="0" err="1"/>
+          </a:p>
+        </p:txBody>
+      </p:sp>
+    </p:spTree>
+    <p:extLst>
+      <p:ext uri="{BB962C8B-B14F-4D97-AF65-F5344CB8AC3E}">
+        <p14:creationId xmlns:p14="http://schemas.microsoft.com/office/powerpoint/2010/main" val="1088528727"/>
       </p:ext>
     </p:extLst>
   </p:cSld>
